--- a/培训体系/002-Kubernetes,Containers Reborn/Kubernetes,Containers Reborn.pptx
+++ b/培训体系/002-Kubernetes,Containers Reborn/Kubernetes,Containers Reborn.pptx
@@ -33,14 +33,29 @@
     <p:sldId id="522" r:id="rId27"/>
     <p:sldId id="523" r:id="rId28"/>
     <p:sldId id="524" r:id="rId29"/>
-    <p:sldId id="283" r:id="rId30"/>
-    <p:sldId id="286" r:id="rId31"/>
-    <p:sldId id="271" r:id="rId32"/>
+    <p:sldId id="525" r:id="rId30"/>
+    <p:sldId id="526" r:id="rId31"/>
+    <p:sldId id="529" r:id="rId32"/>
+    <p:sldId id="527" r:id="rId33"/>
+    <p:sldId id="530" r:id="rId34"/>
+    <p:sldId id="531" r:id="rId35"/>
+    <p:sldId id="533" r:id="rId36"/>
+    <p:sldId id="532" r:id="rId37"/>
+    <p:sldId id="534" r:id="rId38"/>
+    <p:sldId id="535" r:id="rId39"/>
+    <p:sldId id="540" r:id="rId40"/>
+    <p:sldId id="536" r:id="rId41"/>
+    <p:sldId id="537" r:id="rId42"/>
+    <p:sldId id="538" r:id="rId43"/>
+    <p:sldId id="539" r:id="rId44"/>
+    <p:sldId id="283" r:id="rId45"/>
+    <p:sldId id="286" r:id="rId46"/>
+    <p:sldId id="271" r:id="rId47"/>
   </p:sldIdLst>
   <p:sldSz cx="12192000" cy="6858000"/>
   <p:notesSz cx="6858000" cy="9144000"/>
   <p:custDataLst>
-    <p:tags r:id="rId33"/>
+    <p:tags r:id="rId48"/>
   </p:custDataLst>
   <p:defaultTextStyle>
     <a:defPPr>
@@ -14263,7 +14278,7 @@
         <p:spPr>
           <a:xfrm>
             <a:off x="860389" y="1203151"/>
-            <a:ext cx="10922902" cy="4209807"/>
+            <a:ext cx="10922902" cy="4579139"/>
           </a:xfrm>
           <a:prstGeom prst="rect">
             <a:avLst/>
@@ -14293,9 +14308,12 @@
           </a:lstStyle>
           <a:p>
             <a:r>
-              <a:rPr lang="en-US" altLang="zh-CN" dirty="0"/>
+              <a:rPr lang="en-US" altLang="zh-CN" dirty="0">
+                <a:hlinkClick r:id="rId3"/>
+              </a:rPr>
               <a:t>INIT Container </a:t>
             </a:r>
+            <a:endParaRPr lang="en-US" altLang="zh-CN" dirty="0"/>
           </a:p>
           <a:p>
             <a:r>
@@ -14406,6 +14424,10 @@
               <a:rPr lang="zh-CN" altLang="en-US" sz="1600" b="0" dirty="0"/>
               <a:t>会依据定义的顺序，顺序执行</a:t>
             </a:r>
+            <a:endParaRPr lang="en-US" altLang="zh-CN" sz="1600" b="0" dirty="0"/>
+          </a:p>
+          <a:p>
+            <a:endParaRPr lang="zh-CN" altLang="en-US" sz="1600" b="0" dirty="0"/>
           </a:p>
           <a:p>
             <a:r>
@@ -14677,6 +14699,192 @@
           </a:prstGeom>
         </p:spPr>
       </p:pic>
+      <p:sp>
+        <p:nvSpPr>
+          <p:cNvPr id="6" name="文本框 5">
+            <a:extLst>
+              <a:ext uri="{FF2B5EF4-FFF2-40B4-BE49-F238E27FC236}">
+                <a16:creationId xmlns:a16="http://schemas.microsoft.com/office/drawing/2014/main" id="{BB889299-4465-4B15-9D73-BB7D40FACB0C}"/>
+              </a:ext>
+            </a:extLst>
+          </p:cNvPr>
+          <p:cNvSpPr txBox="1"/>
+          <p:nvPr/>
+        </p:nvSpPr>
+        <p:spPr>
+          <a:xfrm>
+            <a:off x="860389" y="1340051"/>
+            <a:ext cx="11021836" cy="2363147"/>
+          </a:xfrm>
+          <a:prstGeom prst="rect">
+            <a:avLst/>
+          </a:prstGeom>
+          <a:noFill/>
+        </p:spPr>
+        <p:txBody>
+          <a:bodyPr wrap="square">
+            <a:spAutoFit/>
+          </a:bodyPr>
+          <a:lstStyle>
+            <a:defPPr>
+              <a:defRPr lang="zh-CN"/>
+            </a:defPPr>
+            <a:lvl1pPr>
+              <a:lnSpc>
+                <a:spcPct val="150000"/>
+              </a:lnSpc>
+              <a:defRPr b="1">
+                <a:solidFill>
+                  <a:srgbClr val="24292E"/>
+                </a:solidFill>
+                <a:effectLst/>
+                <a:ea typeface="华文仿宋" panose="02010600040101010101" pitchFamily="2" charset="-122"/>
+              </a:defRPr>
+            </a:lvl1pPr>
+          </a:lstStyle>
+          <a:p>
+            <a:r>
+              <a:rPr lang="en-US" altLang="zh-CN" dirty="0"/>
+              <a:t>initContainer</a:t>
+            </a:r>
+            <a:r>
+              <a:rPr lang="zh-CN" altLang="en-US" dirty="0"/>
+              <a:t>行为</a:t>
+            </a:r>
+            <a:endParaRPr lang="en-US" altLang="zh-CN" dirty="0"/>
+          </a:p>
+          <a:p>
+            <a:r>
+              <a:rPr lang="zh-CN" altLang="en-US" dirty="0"/>
+              <a:t> </a:t>
+            </a:r>
+          </a:p>
+          <a:p>
+            <a:pPr marL="285750" indent="-285750">
+              <a:buFont typeface="Arial" panose="020B0604020202020204" pitchFamily="34" charset="0"/>
+              <a:buChar char="•"/>
+            </a:pPr>
+            <a:r>
+              <a:rPr lang="zh-CN" altLang="en-US" sz="1600" b="0" dirty="0"/>
+              <a:t>如果</a:t>
+            </a:r>
+            <a:r>
+              <a:rPr lang="en-US" altLang="zh-CN" sz="1600" b="0" dirty="0"/>
+              <a:t>POD</a:t>
+            </a:r>
+            <a:r>
+              <a:rPr lang="zh-CN" altLang="en-US" sz="1600" b="0" dirty="0"/>
+              <a:t>的 </a:t>
+            </a:r>
+            <a:r>
+              <a:rPr lang="en-US" altLang="zh-CN" sz="1600" b="0" dirty="0"/>
+              <a:t>restartPolicy </a:t>
+            </a:r>
+            <a:r>
+              <a:rPr lang="zh-CN" altLang="en-US" sz="1600" b="0" dirty="0"/>
+              <a:t>设置为 </a:t>
+            </a:r>
+            <a:r>
+              <a:rPr lang="en-US" altLang="zh-CN" sz="1600" b="0" dirty="0"/>
+              <a:t>Always </a:t>
+            </a:r>
+            <a:r>
+              <a:rPr lang="zh-CN" altLang="en-US" sz="1600" b="0" dirty="0"/>
+              <a:t>，</a:t>
+            </a:r>
+            <a:r>
+              <a:rPr lang="en-US" altLang="zh-CN" sz="1600" b="0" dirty="0"/>
+              <a:t>initContainer</a:t>
+            </a:r>
+            <a:r>
+              <a:rPr lang="zh-CN" altLang="en-US" sz="1600" b="0" dirty="0"/>
+              <a:t>失败时会使用 </a:t>
+            </a:r>
+            <a:r>
+              <a:rPr lang="en-US" altLang="zh-CN" sz="1600" b="0" dirty="0"/>
+              <a:t>OnFailure </a:t>
+            </a:r>
+          </a:p>
+          <a:p>
+            <a:pPr marL="285750" indent="-285750">
+              <a:buFont typeface="Arial" panose="020B0604020202020204" pitchFamily="34" charset="0"/>
+              <a:buChar char="•"/>
+            </a:pPr>
+            <a:r>
+              <a:rPr lang="en-US" altLang="zh-CN" sz="1600" b="0" dirty="0"/>
+              <a:t>Pod</a:t>
+            </a:r>
+            <a:r>
+              <a:rPr lang="zh-CN" altLang="en-US" sz="1600" b="0" dirty="0"/>
+              <a:t>重启，所有</a:t>
+            </a:r>
+            <a:r>
+              <a:rPr lang="en-US" altLang="zh-CN" sz="1600" b="0" dirty="0"/>
+              <a:t>initContainer</a:t>
+            </a:r>
+            <a:r>
+              <a:rPr lang="zh-CN" altLang="en-US" sz="1600" b="0" dirty="0"/>
+              <a:t>必须重新执行 </a:t>
+            </a:r>
+          </a:p>
+          <a:p>
+            <a:pPr marL="285750" indent="-285750">
+              <a:buFont typeface="Arial" panose="020B0604020202020204" pitchFamily="34" charset="0"/>
+              <a:buChar char="•"/>
+            </a:pPr>
+            <a:r>
+              <a:rPr lang="zh-CN" altLang="en-US" sz="1600" b="0" dirty="0"/>
+              <a:t>修改</a:t>
+            </a:r>
+            <a:r>
+              <a:rPr lang="en-US" altLang="zh-CN" sz="1600" b="0" dirty="0"/>
+              <a:t>initContainer image </a:t>
+            </a:r>
+            <a:r>
+              <a:rPr lang="zh-CN" altLang="en-US" sz="1600" b="0" dirty="0"/>
+              <a:t>字段，</a:t>
+            </a:r>
+            <a:r>
+              <a:rPr lang="en-US" altLang="zh-CN" sz="1600" b="0" dirty="0"/>
+              <a:t>POD</a:t>
+            </a:r>
+            <a:r>
+              <a:rPr lang="zh-CN" altLang="en-US" sz="1600" b="0" dirty="0"/>
+              <a:t>将重启，</a:t>
+            </a:r>
+            <a:r>
+              <a:rPr lang="en-US" altLang="zh-CN" sz="1600" b="0" dirty="0"/>
+              <a:t>initContainer</a:t>
+            </a:r>
+            <a:r>
+              <a:rPr lang="zh-CN" altLang="en-US" sz="1600" b="0" dirty="0"/>
+              <a:t>内的代码应该是幂等的 </a:t>
+            </a:r>
+          </a:p>
+          <a:p>
+            <a:pPr marL="285750" indent="-285750">
+              <a:buFont typeface="Arial" panose="020B0604020202020204" pitchFamily="34" charset="0"/>
+              <a:buChar char="•"/>
+            </a:pPr>
+            <a:r>
+              <a:rPr lang="en-US" altLang="zh-CN" sz="1600" b="0" dirty="0"/>
+              <a:t>init Container</a:t>
+            </a:r>
+            <a:r>
+              <a:rPr lang="zh-CN" altLang="en-US" sz="1600" b="0" dirty="0"/>
+              <a:t>的</a:t>
+            </a:r>
+            <a:r>
+              <a:rPr lang="en-US" altLang="zh-CN" sz="1600" b="0" dirty="0"/>
+              <a:t>name</a:t>
+            </a:r>
+            <a:r>
+              <a:rPr lang="zh-CN" altLang="en-US" sz="1600" b="0" dirty="0"/>
+              <a:t>必须唯一</a:t>
+            </a:r>
+          </a:p>
+        </p:txBody>
+      </p:sp>
     </p:spTree>
     <p:extLst>
       <p:ext uri="{BB962C8B-B14F-4D97-AF65-F5344CB8AC3E}">
@@ -14865,6 +15073,212 @@
           </a:prstGeom>
         </p:spPr>
       </p:pic>
+      <p:pic>
+        <p:nvPicPr>
+          <p:cNvPr id="15" name="图片 14">
+            <a:extLst>
+              <a:ext uri="{FF2B5EF4-FFF2-40B4-BE49-F238E27FC236}">
+                <a16:creationId xmlns:a16="http://schemas.microsoft.com/office/drawing/2014/main" id="{30200FEA-67EC-4944-AF7B-E17F3F1381FD}"/>
+              </a:ext>
+            </a:extLst>
+          </p:cNvPr>
+          <p:cNvPicPr>
+            <a:picLocks noChangeAspect="1"/>
+          </p:cNvPicPr>
+          <p:nvPr/>
+        </p:nvPicPr>
+        <p:blipFill>
+          <a:blip r:embed="rId3"/>
+          <a:stretch>
+            <a:fillRect/>
+          </a:stretch>
+        </p:blipFill>
+        <p:spPr>
+          <a:xfrm>
+            <a:off x="1017444" y="2228850"/>
+            <a:ext cx="6229350" cy="1200150"/>
+          </a:xfrm>
+          <a:prstGeom prst="rect">
+            <a:avLst/>
+          </a:prstGeom>
+        </p:spPr>
+      </p:pic>
+      <p:sp>
+        <p:nvSpPr>
+          <p:cNvPr id="17" name="文本框 16">
+            <a:extLst>
+              <a:ext uri="{FF2B5EF4-FFF2-40B4-BE49-F238E27FC236}">
+                <a16:creationId xmlns:a16="http://schemas.microsoft.com/office/drawing/2014/main" id="{3E6017B3-0C04-4C04-B990-638C3BF2E510}"/>
+              </a:ext>
+            </a:extLst>
+          </p:cNvPr>
+          <p:cNvSpPr txBox="1"/>
+          <p:nvPr/>
+        </p:nvSpPr>
+        <p:spPr>
+          <a:xfrm>
+            <a:off x="1017444" y="1636365"/>
+            <a:ext cx="6094268" cy="369332"/>
+          </a:xfrm>
+          <a:prstGeom prst="rect">
+            <a:avLst/>
+          </a:prstGeom>
+          <a:noFill/>
+        </p:spPr>
+        <p:txBody>
+          <a:bodyPr wrap="square">
+            <a:spAutoFit/>
+          </a:bodyPr>
+          <a:lstStyle/>
+          <a:p>
+            <a:r>
+              <a:rPr lang="en-US" altLang="zh-CN" b="1" dirty="0"/>
+              <a:t>POD</a:t>
+            </a:r>
+          </a:p>
+        </p:txBody>
+      </p:sp>
+      <p:sp>
+        <p:nvSpPr>
+          <p:cNvPr id="18" name="文本框 17">
+            <a:extLst>
+              <a:ext uri="{FF2B5EF4-FFF2-40B4-BE49-F238E27FC236}">
+                <a16:creationId xmlns:a16="http://schemas.microsoft.com/office/drawing/2014/main" id="{FF4F7472-6042-4BB0-9D3D-F9787EEBBA24}"/>
+              </a:ext>
+            </a:extLst>
+          </p:cNvPr>
+          <p:cNvSpPr txBox="1"/>
+          <p:nvPr/>
+        </p:nvSpPr>
+        <p:spPr>
+          <a:xfrm>
+            <a:off x="1017444" y="3953489"/>
+            <a:ext cx="6094268" cy="369332"/>
+          </a:xfrm>
+          <a:prstGeom prst="rect">
+            <a:avLst/>
+          </a:prstGeom>
+          <a:noFill/>
+        </p:spPr>
+        <p:txBody>
+          <a:bodyPr wrap="square">
+            <a:spAutoFit/>
+          </a:bodyPr>
+          <a:lstStyle/>
+          <a:p>
+            <a:r>
+              <a:rPr lang="en-US" altLang="zh-CN" b="1" dirty="0"/>
+              <a:t>ObjectMeta</a:t>
+            </a:r>
+          </a:p>
+        </p:txBody>
+      </p:sp>
+      <p:pic>
+        <p:nvPicPr>
+          <p:cNvPr id="20" name="图片 19">
+            <a:extLst>
+              <a:ext uri="{FF2B5EF4-FFF2-40B4-BE49-F238E27FC236}">
+                <a16:creationId xmlns:a16="http://schemas.microsoft.com/office/drawing/2014/main" id="{5626AFCA-FE9B-4A0F-AFCD-55C2D0239E65}"/>
+              </a:ext>
+            </a:extLst>
+          </p:cNvPr>
+          <p:cNvPicPr>
+            <a:picLocks noChangeAspect="1"/>
+          </p:cNvPicPr>
+          <p:nvPr/>
+        </p:nvPicPr>
+        <p:blipFill>
+          <a:blip r:embed="rId4"/>
+          <a:stretch>
+            <a:fillRect/>
+          </a:stretch>
+        </p:blipFill>
+        <p:spPr>
+          <a:xfrm>
+            <a:off x="1017444" y="4464193"/>
+            <a:ext cx="6248400" cy="1171575"/>
+          </a:xfrm>
+          <a:prstGeom prst="rect">
+            <a:avLst/>
+          </a:prstGeom>
+        </p:spPr>
+      </p:pic>
+      <p:sp>
+        <p:nvSpPr>
+          <p:cNvPr id="21" name="文本框 20">
+            <a:extLst>
+              <a:ext uri="{FF2B5EF4-FFF2-40B4-BE49-F238E27FC236}">
+                <a16:creationId xmlns:a16="http://schemas.microsoft.com/office/drawing/2014/main" id="{D9578B90-0FF5-4E24-8B63-FB6B41EEFB7C}"/>
+              </a:ext>
+            </a:extLst>
+          </p:cNvPr>
+          <p:cNvSpPr txBox="1"/>
+          <p:nvPr/>
+        </p:nvSpPr>
+        <p:spPr>
+          <a:xfrm>
+            <a:off x="9085302" y="1636365"/>
+            <a:ext cx="1575771" cy="369332"/>
+          </a:xfrm>
+          <a:prstGeom prst="rect">
+            <a:avLst/>
+          </a:prstGeom>
+          <a:noFill/>
+        </p:spPr>
+        <p:txBody>
+          <a:bodyPr wrap="square">
+            <a:spAutoFit/>
+          </a:bodyPr>
+          <a:lstStyle/>
+          <a:p>
+            <a:r>
+              <a:rPr lang="en-US" altLang="zh-CN" b="1" dirty="0">
+                <a:hlinkClick r:id="rId5"/>
+              </a:rPr>
+              <a:t>PodSpec</a:t>
+            </a:r>
+            <a:endParaRPr lang="en-US" altLang="zh-CN" b="1" dirty="0"/>
+          </a:p>
+        </p:txBody>
+      </p:sp>
+      <p:sp>
+        <p:nvSpPr>
+          <p:cNvPr id="22" name="文本框 21">
+            <a:extLst>
+              <a:ext uri="{FF2B5EF4-FFF2-40B4-BE49-F238E27FC236}">
+                <a16:creationId xmlns:a16="http://schemas.microsoft.com/office/drawing/2014/main" id="{A069DDA7-4FC6-403E-A669-AF4419667434}"/>
+              </a:ext>
+            </a:extLst>
+          </p:cNvPr>
+          <p:cNvSpPr txBox="1"/>
+          <p:nvPr/>
+        </p:nvSpPr>
+        <p:spPr>
+          <a:xfrm>
+            <a:off x="9085301" y="3953489"/>
+            <a:ext cx="1575771" cy="369332"/>
+          </a:xfrm>
+          <a:prstGeom prst="rect">
+            <a:avLst/>
+          </a:prstGeom>
+          <a:noFill/>
+        </p:spPr>
+        <p:txBody>
+          <a:bodyPr wrap="square">
+            <a:spAutoFit/>
+          </a:bodyPr>
+          <a:lstStyle/>
+          <a:p>
+            <a:r>
+              <a:rPr lang="en-US" altLang="zh-CN" b="1" dirty="0">
+                <a:hlinkClick r:id="rId6"/>
+              </a:rPr>
+              <a:t>Container</a:t>
+            </a:r>
+            <a:endParaRPr lang="en-US" altLang="zh-CN" b="1" dirty="0"/>
+          </a:p>
+        </p:txBody>
+      </p:sp>
     </p:spTree>
     <p:extLst>
       <p:ext uri="{BB962C8B-B14F-4D97-AF65-F5344CB8AC3E}">
@@ -14897,14 +15311,14 @@
       </p:grpSpPr>
       <p:sp>
         <p:nvSpPr>
-          <p:cNvPr id="4" name="文本框 3"/>
+          <p:cNvPr id="10" name="文本框 9"/>
           <p:cNvSpPr txBox="1"/>
           <p:nvPr/>
         </p:nvSpPr>
         <p:spPr>
           <a:xfrm>
-            <a:off x="5057957" y="2528074"/>
-            <a:ext cx="6508401" cy="809261"/>
+            <a:off x="309775" y="290688"/>
+            <a:ext cx="489236" cy="522451"/>
           </a:xfrm>
           <a:prstGeom prst="rect">
             <a:avLst/>
@@ -14912,7 +15326,71 @@
           <a:noFill/>
         </p:spPr>
         <p:txBody>
-          <a:bodyPr wrap="square" rtlCol="0">
+          <a:bodyPr wrap="none" rtlCol="0">
+            <a:spAutoFit/>
+          </a:bodyPr>
+          <a:lstStyle/>
+          <a:p>
+            <a:pPr marL="0" marR="0" lvl="0" indent="0" algn="ctr" defTabSz="914400" eaLnBrk="1" fontAlgn="auto" latinLnBrk="0" hangingPunct="1">
+              <a:lnSpc>
+                <a:spcPct val="130000"/>
+              </a:lnSpc>
+              <a:buClrTx/>
+              <a:buSzTx/>
+              <a:buFontTx/>
+              <a:buNone/>
+              <a:defRPr/>
+            </a:pPr>
+            <a:r>
+              <a:rPr kumimoji="0" lang="en-US" altLang="zh-CN" sz="2400" b="1" i="0" u="none" strike="noStrike" kern="0" cap="none" spc="-150" normalizeH="0" baseline="0" noProof="0" dirty="0">
+                <a:ln>
+                  <a:noFill/>
+                </a:ln>
+                <a:solidFill>
+                  <a:prstClr val="white"/>
+                </a:solidFill>
+                <a:effectLst/>
+                <a:uLnTx/>
+                <a:uFillTx/>
+                <a:cs typeface="+mn-ea"/>
+                <a:sym typeface="+mn-lt"/>
+              </a:rPr>
+              <a:t>02</a:t>
+            </a:r>
+            <a:endParaRPr kumimoji="0" lang="zh-CN" altLang="en-US" sz="2400" b="1" i="0" u="none" strike="noStrike" kern="0" cap="none" spc="-150" normalizeH="0" baseline="0" noProof="0" dirty="0">
+              <a:ln>
+                <a:noFill/>
+              </a:ln>
+              <a:solidFill>
+                <a:prstClr val="white"/>
+              </a:solidFill>
+              <a:effectLst/>
+              <a:uLnTx/>
+              <a:uFillTx/>
+              <a:cs typeface="+mn-ea"/>
+              <a:sym typeface="+mn-lt"/>
+            </a:endParaRPr>
+          </a:p>
+        </p:txBody>
+      </p:sp>
+      <p:sp>
+        <p:nvSpPr>
+          <p:cNvPr id="11" name="文本框 10"/>
+          <p:cNvSpPr txBox="1"/>
+          <p:nvPr/>
+        </p:nvSpPr>
+        <p:spPr>
+          <a:xfrm>
+            <a:off x="860389" y="290687"/>
+            <a:ext cx="3711272" cy="522451"/>
+          </a:xfrm>
+          <a:prstGeom prst="rect">
+            <a:avLst/>
+          </a:prstGeom>
+          <a:noFill/>
+        </p:spPr>
+        <p:txBody>
+          <a:bodyPr wrap="none" rtlCol="0">
             <a:spAutoFit/>
           </a:bodyPr>
           <a:lstStyle/>
@@ -14928,16 +15406,22 @@
               <a:defRPr/>
             </a:pPr>
             <a:r>
-              <a:rPr lang="en-US" altLang="zh-CN" sz="4000" b="1" kern="0" dirty="0">
+              <a:rPr kumimoji="0" lang="en-US" altLang="zh-CN" sz="2400" b="1" i="0" u="none" strike="noStrike" kern="0" cap="none" spc="0" normalizeH="0" baseline="0" noProof="0" dirty="0">
+                <a:ln>
+                  <a:noFill/>
+                </a:ln>
                 <a:solidFill>
                   <a:prstClr val="black"/>
                 </a:solidFill>
+                <a:effectLst/>
+                <a:uLnTx/>
+                <a:uFillTx/>
                 <a:cs typeface="+mn-ea"/>
                 <a:sym typeface="+mn-lt"/>
               </a:rPr>
-              <a:t>Kubernetes ECOLOGICAL</a:t>
-            </a:r>
-            <a:endParaRPr kumimoji="0" lang="zh-CN" altLang="en-US" sz="4000" b="0" i="0" u="none" strike="noStrike" kern="0" cap="none" spc="0" normalizeH="0" baseline="0" noProof="0" dirty="0">
+              <a:t>Kubernetes ADVANCED</a:t>
+            </a:r>
+            <a:endParaRPr kumimoji="0" lang="zh-CN" altLang="en-US" sz="2400" b="1" i="0" u="none" strike="noStrike" kern="0" cap="none" spc="0" normalizeH="0" baseline="0" noProof="0" dirty="0">
               <a:ln>
                 <a:noFill/>
               </a:ln>
@@ -14953,328 +15437,42 @@
           </a:p>
         </p:txBody>
       </p:sp>
+      <p:pic>
+        <p:nvPicPr>
+          <p:cNvPr id="9" name="图片 8">
+            <a:extLst>
+              <a:ext uri="{FF2B5EF4-FFF2-40B4-BE49-F238E27FC236}">
+                <a16:creationId xmlns:a16="http://schemas.microsoft.com/office/drawing/2014/main" id="{3DE36822-08DF-4A6A-934B-7BC5EB4ED94C}"/>
+              </a:ext>
+            </a:extLst>
+          </p:cNvPr>
+          <p:cNvPicPr>
+            <a:picLocks noChangeAspect="1"/>
+          </p:cNvPicPr>
+          <p:nvPr/>
+        </p:nvPicPr>
+        <p:blipFill>
+          <a:blip r:embed="rId2"/>
+          <a:stretch>
+            <a:fillRect/>
+          </a:stretch>
+        </p:blipFill>
+        <p:spPr>
+          <a:xfrm>
+            <a:off x="9956369" y="290687"/>
+            <a:ext cx="1925856" cy="490330"/>
+          </a:xfrm>
+          <a:prstGeom prst="rect">
+            <a:avLst/>
+          </a:prstGeom>
+        </p:spPr>
+      </p:pic>
       <p:sp>
         <p:nvSpPr>
-          <p:cNvPr id="5" name="文本框 4"/>
-          <p:cNvSpPr txBox="1"/>
-          <p:nvPr/>
-        </p:nvSpPr>
-        <p:spPr>
-          <a:xfrm>
-            <a:off x="5057958" y="3302290"/>
-            <a:ext cx="2316478" cy="381258"/>
-          </a:xfrm>
-          <a:prstGeom prst="rect">
-            <a:avLst/>
-          </a:prstGeom>
-          <a:noFill/>
-        </p:spPr>
-        <p:txBody>
-          <a:bodyPr wrap="square" rtlCol="0">
-            <a:spAutoFit/>
-          </a:bodyPr>
-          <a:lstStyle/>
-          <a:p>
-            <a:pPr marL="342900" indent="-342900">
-              <a:lnSpc>
-                <a:spcPct val="130000"/>
-              </a:lnSpc>
-              <a:buClr>
-                <a:schemeClr val="tx1"/>
-              </a:buClr>
-              <a:buFont typeface="Wingdings" panose="05000000000000000000" pitchFamily="2" charset="2"/>
-              <a:buChar char="l"/>
-            </a:pPr>
-            <a:r>
-              <a:rPr lang="zh-CN" altLang="en-US" sz="1600" dirty="0">
-                <a:solidFill>
-                  <a:prstClr val="black"/>
-                </a:solidFill>
-                <a:latin typeface="微软雅黑" panose="020B0503020204020204" charset="-122"/>
-              </a:rPr>
-              <a:t>监控</a:t>
-            </a:r>
-          </a:p>
-        </p:txBody>
-      </p:sp>
-      <p:sp>
-        <p:nvSpPr>
-          <p:cNvPr id="6" name="文本框 5"/>
-          <p:cNvSpPr txBox="1"/>
-          <p:nvPr/>
-        </p:nvSpPr>
-        <p:spPr>
-          <a:xfrm>
-            <a:off x="5057958" y="3702400"/>
-            <a:ext cx="2316478" cy="381258"/>
-          </a:xfrm>
-          <a:prstGeom prst="rect">
-            <a:avLst/>
-          </a:prstGeom>
-          <a:noFill/>
-        </p:spPr>
-        <p:txBody>
-          <a:bodyPr wrap="square" rtlCol="0">
-            <a:spAutoFit/>
-          </a:bodyPr>
-          <a:lstStyle/>
-          <a:p>
-            <a:pPr marL="342900" indent="-342900">
-              <a:lnSpc>
-                <a:spcPct val="130000"/>
-              </a:lnSpc>
-              <a:buClr>
-                <a:schemeClr val="tx1"/>
-              </a:buClr>
-              <a:buFont typeface="Wingdings" panose="05000000000000000000" pitchFamily="2" charset="2"/>
-              <a:buChar char="l"/>
-            </a:pPr>
-            <a:r>
-              <a:rPr lang="zh-CN" altLang="en-US" sz="1600" dirty="0">
-                <a:solidFill>
-                  <a:prstClr val="black"/>
-                </a:solidFill>
-                <a:latin typeface="微软雅黑" panose="020B0503020204020204" charset="-122"/>
-              </a:rPr>
-              <a:t>存储</a:t>
-            </a:r>
-          </a:p>
-        </p:txBody>
-      </p:sp>
-      <p:sp>
-        <p:nvSpPr>
-          <p:cNvPr id="7" name="文本框 6"/>
-          <p:cNvSpPr txBox="1"/>
-          <p:nvPr/>
-        </p:nvSpPr>
-        <p:spPr>
-          <a:xfrm>
-            <a:off x="7092498" y="3302290"/>
-            <a:ext cx="2316478" cy="381258"/>
-          </a:xfrm>
-          <a:prstGeom prst="rect">
-            <a:avLst/>
-          </a:prstGeom>
-          <a:noFill/>
-        </p:spPr>
-        <p:txBody>
-          <a:bodyPr wrap="square" rtlCol="0">
-            <a:spAutoFit/>
-          </a:bodyPr>
-          <a:lstStyle/>
-          <a:p>
-            <a:pPr marL="342900" indent="-342900">
-              <a:lnSpc>
-                <a:spcPct val="130000"/>
-              </a:lnSpc>
-              <a:buClr>
-                <a:schemeClr val="tx1"/>
-              </a:buClr>
-              <a:buFont typeface="Wingdings" panose="05000000000000000000" pitchFamily="2" charset="2"/>
-              <a:buChar char="l"/>
-            </a:pPr>
-            <a:r>
-              <a:rPr lang="zh-CN" altLang="en-US" sz="1600" dirty="0">
-                <a:solidFill>
-                  <a:prstClr val="black"/>
-                </a:solidFill>
-                <a:latin typeface="微软雅黑" panose="020B0503020204020204" charset="-122"/>
-              </a:rPr>
-              <a:t>日志</a:t>
-            </a:r>
-          </a:p>
-        </p:txBody>
-      </p:sp>
-      <p:sp>
-        <p:nvSpPr>
-          <p:cNvPr id="8" name="文本框 7"/>
-          <p:cNvSpPr txBox="1"/>
-          <p:nvPr/>
-        </p:nvSpPr>
-        <p:spPr>
-          <a:xfrm>
-            <a:off x="7092498" y="3702400"/>
-            <a:ext cx="2316478" cy="381258"/>
-          </a:xfrm>
-          <a:prstGeom prst="rect">
-            <a:avLst/>
-          </a:prstGeom>
-          <a:noFill/>
-        </p:spPr>
-        <p:txBody>
-          <a:bodyPr wrap="square" rtlCol="0">
-            <a:spAutoFit/>
-          </a:bodyPr>
-          <a:lstStyle/>
-          <a:p>
-            <a:pPr marL="342900" indent="-342900">
-              <a:lnSpc>
-                <a:spcPct val="130000"/>
-              </a:lnSpc>
-              <a:buClr>
-                <a:schemeClr val="tx1"/>
-              </a:buClr>
-              <a:buFont typeface="Wingdings" panose="05000000000000000000" pitchFamily="2" charset="2"/>
-              <a:buChar char="l"/>
-            </a:pPr>
-            <a:r>
-              <a:rPr lang="zh-CN" altLang="en-US" sz="1600" dirty="0">
-                <a:solidFill>
-                  <a:prstClr val="black"/>
-                </a:solidFill>
-                <a:latin typeface="微软雅黑" panose="020B0503020204020204" charset="-122"/>
-              </a:rPr>
-              <a:t>应用管理</a:t>
-            </a:r>
-          </a:p>
-        </p:txBody>
-      </p:sp>
-      <p:sp>
-        <p:nvSpPr>
-          <p:cNvPr id="9" name="泪滴形 8"/>
-          <p:cNvSpPr/>
-          <p:nvPr/>
-        </p:nvSpPr>
-        <p:spPr>
-          <a:xfrm rot="16200000" flipV="1">
-            <a:off x="1845070" y="1885553"/>
-            <a:ext cx="2855488" cy="2802414"/>
-          </a:xfrm>
-          <a:prstGeom prst="teardrop">
-            <a:avLst/>
-          </a:prstGeom>
-          <a:solidFill>
-            <a:schemeClr val="accent1"/>
-          </a:solidFill>
-          <a:ln w="88900" cap="flat" cmpd="sng" algn="ctr">
-            <a:noFill/>
-            <a:prstDash val="solid"/>
-            <a:miter lim="800000"/>
-          </a:ln>
-          <a:effectLst/>
-        </p:spPr>
-        <p:txBody>
-          <a:bodyPr rtlCol="0" anchor="ctr"/>
-          <a:lstStyle/>
-          <a:p>
-            <a:pPr marL="0" marR="0" lvl="0" indent="0" algn="ctr" defTabSz="914400" eaLnBrk="1" fontAlgn="auto" latinLnBrk="0" hangingPunct="1">
-              <a:lnSpc>
-                <a:spcPct val="130000"/>
-              </a:lnSpc>
-              <a:buClrTx/>
-              <a:buSzTx/>
-              <a:buFontTx/>
-              <a:buNone/>
-              <a:defRPr/>
-            </a:pPr>
-            <a:endParaRPr kumimoji="0" lang="zh-CN" altLang="en-US" sz="1800" b="0" i="0" u="none" strike="noStrike" kern="0" cap="none" spc="0" normalizeH="0" baseline="0" noProof="0">
-              <a:ln>
-                <a:noFill/>
-              </a:ln>
-              <a:solidFill>
-                <a:prstClr val="white"/>
-              </a:solidFill>
-              <a:effectLst/>
-              <a:uLnTx/>
-              <a:uFillTx/>
-              <a:latin typeface="Arial" panose="020B0604020202020204"/>
-              <a:ea typeface="微软雅黑" panose="020B0503020204020204" charset="-122"/>
-              <a:cs typeface="+mn-cs"/>
-            </a:endParaRPr>
-          </a:p>
-        </p:txBody>
-      </p:sp>
-      <p:sp>
-        <p:nvSpPr>
-          <p:cNvPr id="10" name="文本框 9"/>
-          <p:cNvSpPr txBox="1"/>
-          <p:nvPr/>
-        </p:nvSpPr>
-        <p:spPr>
-          <a:xfrm>
-            <a:off x="2125647" y="2129073"/>
-            <a:ext cx="2505075" cy="2153475"/>
-          </a:xfrm>
-          <a:prstGeom prst="rect">
-            <a:avLst/>
-          </a:prstGeom>
-          <a:noFill/>
-        </p:spPr>
-        <p:txBody>
-          <a:bodyPr wrap="square" rtlCol="0">
-            <a:spAutoFit/>
-          </a:bodyPr>
-          <a:lstStyle/>
-          <a:p>
-            <a:pPr marL="0" marR="0" lvl="0" indent="0" algn="ctr" defTabSz="914400" eaLnBrk="1" fontAlgn="auto" latinLnBrk="0" hangingPunct="1">
-              <a:lnSpc>
-                <a:spcPct val="130000"/>
-              </a:lnSpc>
-              <a:buClrTx/>
-              <a:buSzTx/>
-              <a:buFontTx/>
-              <a:buNone/>
-              <a:defRPr/>
-            </a:pPr>
-            <a:r>
-              <a:rPr kumimoji="0" lang="en-US" altLang="zh-CN" sz="11500" b="1" i="0" u="none" strike="noStrike" kern="0" cap="none" spc="-150" normalizeH="0" baseline="0" noProof="0" dirty="0">
-                <a:ln>
-                  <a:noFill/>
-                </a:ln>
-                <a:solidFill>
-                  <a:prstClr val="white"/>
-                </a:solidFill>
-                <a:effectLst/>
-                <a:uLnTx/>
-                <a:uFillTx/>
-              </a:rPr>
-              <a:t>03</a:t>
-            </a:r>
-            <a:endParaRPr kumimoji="0" lang="zh-CN" altLang="en-US" sz="9600" b="1" i="0" u="none" strike="noStrike" kern="0" cap="none" spc="-150" normalizeH="0" baseline="0" noProof="0" dirty="0">
-              <a:ln>
-                <a:noFill/>
-              </a:ln>
-              <a:solidFill>
-                <a:prstClr val="white"/>
-              </a:solidFill>
-              <a:effectLst/>
-              <a:uLnTx/>
-              <a:uFillTx/>
-            </a:endParaRPr>
-          </a:p>
-        </p:txBody>
-      </p:sp>
-      <p:cxnSp>
-        <p:nvCxnSpPr>
-          <p:cNvPr id="11" name="直接连接符 10"/>
-          <p:cNvCxnSpPr/>
-          <p:nvPr/>
-        </p:nvCxnSpPr>
-        <p:spPr>
-          <a:xfrm>
-            <a:off x="5057958" y="4313028"/>
-            <a:ext cx="5890778" cy="0"/>
-          </a:xfrm>
-          <a:prstGeom prst="line">
-            <a:avLst/>
-          </a:prstGeom>
-          <a:noFill/>
-          <a:ln w="9525" cap="flat" cmpd="sng" algn="ctr">
-            <a:solidFill>
-              <a:schemeClr val="accent1"/>
-            </a:solidFill>
-            <a:prstDash val="solid"/>
-            <a:miter lim="800000"/>
-          </a:ln>
-          <a:effectLst/>
-        </p:spPr>
-      </p:cxnSp>
-      <p:sp>
-        <p:nvSpPr>
-          <p:cNvPr id="12" name="文本框 11">
+          <p:cNvPr id="13" name="文本框 12">
             <a:extLst>
               <a:ext uri="{FF2B5EF4-FFF2-40B4-BE49-F238E27FC236}">
-                <a16:creationId xmlns:a16="http://schemas.microsoft.com/office/drawing/2014/main" id="{FA6C8500-C406-4CA5-914E-F374FD4A4CCD}"/>
+                <a16:creationId xmlns:a16="http://schemas.microsoft.com/office/drawing/2014/main" id="{B4BFF59A-E258-423F-A7E5-76866BF286CE}"/>
               </a:ext>
             </a:extLst>
           </p:cNvPr>
@@ -15283,8 +15481,8 @@
         </p:nvSpPr>
         <p:spPr>
           <a:xfrm>
-            <a:off x="9249881" y="3311716"/>
-            <a:ext cx="2316478" cy="381258"/>
+            <a:off x="860389" y="1748043"/>
+            <a:ext cx="6094268" cy="369332"/>
           </a:xfrm>
           <a:prstGeom prst="rect">
             <a:avLst/>
@@ -15292,37 +15490,60 @@
           <a:noFill/>
         </p:spPr>
         <p:txBody>
-          <a:bodyPr wrap="square" rtlCol="0">
+          <a:bodyPr wrap="square">
             <a:spAutoFit/>
           </a:bodyPr>
           <a:lstStyle/>
           <a:p>
-            <a:pPr marL="342900" indent="-342900">
-              <a:lnSpc>
-                <a:spcPct val="130000"/>
-              </a:lnSpc>
-              <a:buClr>
-                <a:schemeClr val="tx1"/>
-              </a:buClr>
-              <a:buFont typeface="Wingdings" panose="05000000000000000000" pitchFamily="2" charset="2"/>
-              <a:buChar char="l"/>
-            </a:pPr>
-            <a:r>
-              <a:rPr lang="zh-CN" altLang="en-US" sz="1600" dirty="0">
-                <a:solidFill>
-                  <a:prstClr val="black"/>
-                </a:solidFill>
-                <a:latin typeface="微软雅黑" panose="020B0503020204020204" charset="-122"/>
-              </a:rPr>
-              <a:t>集群管理</a:t>
-            </a:r>
+            <a:r>
+              <a:rPr lang="en-US" altLang="zh-CN" sz="1800" b="1" dirty="0">
+                <a:solidFill>
+                  <a:srgbClr val="24292E"/>
+                </a:solidFill>
+                <a:effectLst/>
+                <a:latin typeface="微软雅黑" panose="020B0503020204020204" pitchFamily="34" charset="-122"/>
+                <a:ea typeface="微软雅黑" panose="020B0503020204020204" pitchFamily="34" charset="-122"/>
+              </a:rPr>
+              <a:t>DeploymentSpec </a:t>
+            </a:r>
+            <a:endParaRPr lang="zh-CN" altLang="en-US" dirty="0"/>
           </a:p>
         </p:txBody>
       </p:sp>
+      <p:pic>
+        <p:nvPicPr>
+          <p:cNvPr id="4" name="图片 3">
+            <a:extLst>
+              <a:ext uri="{FF2B5EF4-FFF2-40B4-BE49-F238E27FC236}">
+                <a16:creationId xmlns:a16="http://schemas.microsoft.com/office/drawing/2014/main" id="{FADCD5A5-BA65-414E-9A42-B26827050EE0}"/>
+              </a:ext>
+            </a:extLst>
+          </p:cNvPr>
+          <p:cNvPicPr>
+            <a:picLocks noChangeAspect="1"/>
+          </p:cNvPicPr>
+          <p:nvPr/>
+        </p:nvPicPr>
+        <p:blipFill>
+          <a:blip r:embed="rId3"/>
+          <a:stretch>
+            <a:fillRect/>
+          </a:stretch>
+        </p:blipFill>
+        <p:spPr>
+          <a:xfrm>
+            <a:off x="915482" y="2424545"/>
+            <a:ext cx="7857584" cy="2979634"/>
+          </a:xfrm>
+          <a:prstGeom prst="rect">
+            <a:avLst/>
+          </a:prstGeom>
+        </p:spPr>
+      </p:pic>
     </p:spTree>
     <p:extLst>
       <p:ext uri="{BB962C8B-B14F-4D97-AF65-F5344CB8AC3E}">
-        <p14:creationId xmlns:p14="http://schemas.microsoft.com/office/powerpoint/2010/main" val="4118786623"/>
+        <p14:creationId xmlns:p14="http://schemas.microsoft.com/office/powerpoint/2010/main" val="1104085324"/>
       </p:ext>
     </p:extLst>
   </p:cSld>
@@ -15694,6 +15915,7317 @@
 </file>
 
 <file path=ppt/slides/slide30.xml><?xml version="1.0" encoding="utf-8"?>
+<p:sld xmlns:a="http://schemas.openxmlformats.org/drawingml/2006/main" xmlns:r="http://schemas.openxmlformats.org/officeDocument/2006/relationships" xmlns:p="http://schemas.openxmlformats.org/presentationml/2006/main">
+  <p:cSld>
+    <p:spTree>
+      <p:nvGrpSpPr>
+        <p:cNvPr id="1" name=""/>
+        <p:cNvGrpSpPr/>
+        <p:nvPr/>
+      </p:nvGrpSpPr>
+      <p:grpSpPr>
+        <a:xfrm>
+          <a:off x="0" y="0"/>
+          <a:ext cx="0" cy="0"/>
+          <a:chOff x="0" y="0"/>
+          <a:chExt cx="0" cy="0"/>
+        </a:xfrm>
+      </p:grpSpPr>
+      <p:sp>
+        <p:nvSpPr>
+          <p:cNvPr id="10" name="文本框 9"/>
+          <p:cNvSpPr txBox="1"/>
+          <p:nvPr/>
+        </p:nvSpPr>
+        <p:spPr>
+          <a:xfrm>
+            <a:off x="309775" y="290688"/>
+            <a:ext cx="489236" cy="522451"/>
+          </a:xfrm>
+          <a:prstGeom prst="rect">
+            <a:avLst/>
+          </a:prstGeom>
+          <a:noFill/>
+        </p:spPr>
+        <p:txBody>
+          <a:bodyPr wrap="none" rtlCol="0">
+            <a:spAutoFit/>
+          </a:bodyPr>
+          <a:lstStyle/>
+          <a:p>
+            <a:pPr marL="0" marR="0" lvl="0" indent="0" algn="ctr" defTabSz="914400" eaLnBrk="1" fontAlgn="auto" latinLnBrk="0" hangingPunct="1">
+              <a:lnSpc>
+                <a:spcPct val="130000"/>
+              </a:lnSpc>
+              <a:buClrTx/>
+              <a:buSzTx/>
+              <a:buFontTx/>
+              <a:buNone/>
+              <a:defRPr/>
+            </a:pPr>
+            <a:r>
+              <a:rPr kumimoji="0" lang="en-US" altLang="zh-CN" sz="2400" b="1" i="0" u="none" strike="noStrike" kern="0" cap="none" spc="-150" normalizeH="0" baseline="0" noProof="0" dirty="0">
+                <a:ln>
+                  <a:noFill/>
+                </a:ln>
+                <a:solidFill>
+                  <a:prstClr val="white"/>
+                </a:solidFill>
+                <a:effectLst/>
+                <a:uLnTx/>
+                <a:uFillTx/>
+                <a:cs typeface="+mn-ea"/>
+                <a:sym typeface="+mn-lt"/>
+              </a:rPr>
+              <a:t>02</a:t>
+            </a:r>
+            <a:endParaRPr kumimoji="0" lang="zh-CN" altLang="en-US" sz="2400" b="1" i="0" u="none" strike="noStrike" kern="0" cap="none" spc="-150" normalizeH="0" baseline="0" noProof="0" dirty="0">
+              <a:ln>
+                <a:noFill/>
+              </a:ln>
+              <a:solidFill>
+                <a:prstClr val="white"/>
+              </a:solidFill>
+              <a:effectLst/>
+              <a:uLnTx/>
+              <a:uFillTx/>
+              <a:cs typeface="+mn-ea"/>
+              <a:sym typeface="+mn-lt"/>
+            </a:endParaRPr>
+          </a:p>
+        </p:txBody>
+      </p:sp>
+      <p:sp>
+        <p:nvSpPr>
+          <p:cNvPr id="11" name="文本框 10"/>
+          <p:cNvSpPr txBox="1"/>
+          <p:nvPr/>
+        </p:nvSpPr>
+        <p:spPr>
+          <a:xfrm>
+            <a:off x="860389" y="290687"/>
+            <a:ext cx="3711272" cy="522451"/>
+          </a:xfrm>
+          <a:prstGeom prst="rect">
+            <a:avLst/>
+          </a:prstGeom>
+          <a:noFill/>
+        </p:spPr>
+        <p:txBody>
+          <a:bodyPr wrap="none" rtlCol="0">
+            <a:spAutoFit/>
+          </a:bodyPr>
+          <a:lstStyle/>
+          <a:p>
+            <a:pPr marL="0" marR="0" lvl="0" indent="0" defTabSz="914400" eaLnBrk="1" fontAlgn="auto" latinLnBrk="0" hangingPunct="1">
+              <a:lnSpc>
+                <a:spcPct val="130000"/>
+              </a:lnSpc>
+              <a:buClrTx/>
+              <a:buSzTx/>
+              <a:buFontTx/>
+              <a:buNone/>
+              <a:defRPr/>
+            </a:pPr>
+            <a:r>
+              <a:rPr kumimoji="0" lang="en-US" altLang="zh-CN" sz="2400" b="1" i="0" u="none" strike="noStrike" kern="0" cap="none" spc="0" normalizeH="0" baseline="0" noProof="0" dirty="0">
+                <a:ln>
+                  <a:noFill/>
+                </a:ln>
+                <a:solidFill>
+                  <a:prstClr val="black"/>
+                </a:solidFill>
+                <a:effectLst/>
+                <a:uLnTx/>
+                <a:uFillTx/>
+                <a:cs typeface="+mn-ea"/>
+                <a:sym typeface="+mn-lt"/>
+              </a:rPr>
+              <a:t>Kubernetes ADVANCED</a:t>
+            </a:r>
+            <a:endParaRPr kumimoji="0" lang="zh-CN" altLang="en-US" sz="2400" b="1" i="0" u="none" strike="noStrike" kern="0" cap="none" spc="0" normalizeH="0" baseline="0" noProof="0" dirty="0">
+              <a:ln>
+                <a:noFill/>
+              </a:ln>
+              <a:solidFill>
+                <a:prstClr val="black"/>
+              </a:solidFill>
+              <a:effectLst/>
+              <a:uLnTx/>
+              <a:uFillTx/>
+              <a:cs typeface="+mn-ea"/>
+              <a:sym typeface="+mn-lt"/>
+            </a:endParaRPr>
+          </a:p>
+        </p:txBody>
+      </p:sp>
+      <p:pic>
+        <p:nvPicPr>
+          <p:cNvPr id="9" name="图片 8">
+            <a:extLst>
+              <a:ext uri="{FF2B5EF4-FFF2-40B4-BE49-F238E27FC236}">
+                <a16:creationId xmlns:a16="http://schemas.microsoft.com/office/drawing/2014/main" id="{3DE36822-08DF-4A6A-934B-7BC5EB4ED94C}"/>
+              </a:ext>
+            </a:extLst>
+          </p:cNvPr>
+          <p:cNvPicPr>
+            <a:picLocks noChangeAspect="1"/>
+          </p:cNvPicPr>
+          <p:nvPr/>
+        </p:nvPicPr>
+        <p:blipFill>
+          <a:blip r:embed="rId2"/>
+          <a:stretch>
+            <a:fillRect/>
+          </a:stretch>
+        </p:blipFill>
+        <p:spPr>
+          <a:xfrm>
+            <a:off x="9956369" y="290687"/>
+            <a:ext cx="1925856" cy="490330"/>
+          </a:xfrm>
+          <a:prstGeom prst="rect">
+            <a:avLst/>
+          </a:prstGeom>
+        </p:spPr>
+      </p:pic>
+      <p:sp>
+        <p:nvSpPr>
+          <p:cNvPr id="13" name="文本框 12">
+            <a:extLst>
+              <a:ext uri="{FF2B5EF4-FFF2-40B4-BE49-F238E27FC236}">
+                <a16:creationId xmlns:a16="http://schemas.microsoft.com/office/drawing/2014/main" id="{B4BFF59A-E258-423F-A7E5-76866BF286CE}"/>
+              </a:ext>
+            </a:extLst>
+          </p:cNvPr>
+          <p:cNvSpPr txBox="1"/>
+          <p:nvPr/>
+        </p:nvSpPr>
+        <p:spPr>
+          <a:xfrm>
+            <a:off x="860389" y="1367909"/>
+            <a:ext cx="6094268" cy="369332"/>
+          </a:xfrm>
+          <a:prstGeom prst="rect">
+            <a:avLst/>
+          </a:prstGeom>
+          <a:noFill/>
+        </p:spPr>
+        <p:txBody>
+          <a:bodyPr wrap="square">
+            <a:spAutoFit/>
+          </a:bodyPr>
+          <a:lstStyle/>
+          <a:p>
+            <a:r>
+              <a:rPr lang="en-US" altLang="zh-CN" sz="1800" b="1" dirty="0">
+                <a:solidFill>
+                  <a:srgbClr val="24292E"/>
+                </a:solidFill>
+                <a:effectLst/>
+                <a:latin typeface="微软雅黑" panose="020B0503020204020204" pitchFamily="34" charset="-122"/>
+                <a:ea typeface="微软雅黑" panose="020B0503020204020204" pitchFamily="34" charset="-122"/>
+              </a:rPr>
+              <a:t>StatefulSetSpec </a:t>
+            </a:r>
+            <a:endParaRPr lang="zh-CN" altLang="en-US" dirty="0"/>
+          </a:p>
+        </p:txBody>
+      </p:sp>
+      <p:pic>
+        <p:nvPicPr>
+          <p:cNvPr id="3" name="图片 2">
+            <a:extLst>
+              <a:ext uri="{FF2B5EF4-FFF2-40B4-BE49-F238E27FC236}">
+                <a16:creationId xmlns:a16="http://schemas.microsoft.com/office/drawing/2014/main" id="{93FB2325-ECF8-47AE-AD74-811009E2545D}"/>
+              </a:ext>
+            </a:extLst>
+          </p:cNvPr>
+          <p:cNvPicPr>
+            <a:picLocks noChangeAspect="1"/>
+          </p:cNvPicPr>
+          <p:nvPr/>
+        </p:nvPicPr>
+        <p:blipFill>
+          <a:blip r:embed="rId3"/>
+          <a:stretch>
+            <a:fillRect/>
+          </a:stretch>
+        </p:blipFill>
+        <p:spPr>
+          <a:xfrm>
+            <a:off x="860389" y="1947429"/>
+            <a:ext cx="7036702" cy="4219879"/>
+          </a:xfrm>
+          <a:prstGeom prst="rect">
+            <a:avLst/>
+          </a:prstGeom>
+        </p:spPr>
+      </p:pic>
+    </p:spTree>
+    <p:extLst>
+      <p:ext uri="{BB962C8B-B14F-4D97-AF65-F5344CB8AC3E}">
+        <p14:creationId xmlns:p14="http://schemas.microsoft.com/office/powerpoint/2010/main" val="2726411268"/>
+      </p:ext>
+    </p:extLst>
+  </p:cSld>
+  <p:clrMapOvr>
+    <a:masterClrMapping/>
+  </p:clrMapOvr>
+</p:sld>
+</file>
+
+<file path=ppt/slides/slide31.xml><?xml version="1.0" encoding="utf-8"?>
+<p:sld xmlns:a="http://schemas.openxmlformats.org/drawingml/2006/main" xmlns:r="http://schemas.openxmlformats.org/officeDocument/2006/relationships" xmlns:p="http://schemas.openxmlformats.org/presentationml/2006/main">
+  <p:cSld>
+    <p:spTree>
+      <p:nvGrpSpPr>
+        <p:cNvPr id="1" name=""/>
+        <p:cNvGrpSpPr/>
+        <p:nvPr/>
+      </p:nvGrpSpPr>
+      <p:grpSpPr>
+        <a:xfrm>
+          <a:off x="0" y="0"/>
+          <a:ext cx="0" cy="0"/>
+          <a:chOff x="0" y="0"/>
+          <a:chExt cx="0" cy="0"/>
+        </a:xfrm>
+      </p:grpSpPr>
+      <p:sp>
+        <p:nvSpPr>
+          <p:cNvPr id="10" name="文本框 9"/>
+          <p:cNvSpPr txBox="1"/>
+          <p:nvPr/>
+        </p:nvSpPr>
+        <p:spPr>
+          <a:xfrm>
+            <a:off x="309775" y="290688"/>
+            <a:ext cx="489236" cy="522451"/>
+          </a:xfrm>
+          <a:prstGeom prst="rect">
+            <a:avLst/>
+          </a:prstGeom>
+          <a:noFill/>
+        </p:spPr>
+        <p:txBody>
+          <a:bodyPr wrap="none" rtlCol="0">
+            <a:spAutoFit/>
+          </a:bodyPr>
+          <a:lstStyle/>
+          <a:p>
+            <a:pPr marL="0" marR="0" lvl="0" indent="0" algn="ctr" defTabSz="914400" eaLnBrk="1" fontAlgn="auto" latinLnBrk="0" hangingPunct="1">
+              <a:lnSpc>
+                <a:spcPct val="130000"/>
+              </a:lnSpc>
+              <a:buClrTx/>
+              <a:buSzTx/>
+              <a:buFontTx/>
+              <a:buNone/>
+              <a:defRPr/>
+            </a:pPr>
+            <a:r>
+              <a:rPr kumimoji="0" lang="en-US" altLang="zh-CN" sz="2400" b="1" i="0" u="none" strike="noStrike" kern="0" cap="none" spc="-150" normalizeH="0" baseline="0" noProof="0" dirty="0">
+                <a:ln>
+                  <a:noFill/>
+                </a:ln>
+                <a:solidFill>
+                  <a:prstClr val="white"/>
+                </a:solidFill>
+                <a:effectLst/>
+                <a:uLnTx/>
+                <a:uFillTx/>
+                <a:cs typeface="+mn-ea"/>
+                <a:sym typeface="+mn-lt"/>
+              </a:rPr>
+              <a:t>02</a:t>
+            </a:r>
+            <a:endParaRPr kumimoji="0" lang="zh-CN" altLang="en-US" sz="2400" b="1" i="0" u="none" strike="noStrike" kern="0" cap="none" spc="-150" normalizeH="0" baseline="0" noProof="0" dirty="0">
+              <a:ln>
+                <a:noFill/>
+              </a:ln>
+              <a:solidFill>
+                <a:prstClr val="white"/>
+              </a:solidFill>
+              <a:effectLst/>
+              <a:uLnTx/>
+              <a:uFillTx/>
+              <a:cs typeface="+mn-ea"/>
+              <a:sym typeface="+mn-lt"/>
+            </a:endParaRPr>
+          </a:p>
+        </p:txBody>
+      </p:sp>
+      <p:sp>
+        <p:nvSpPr>
+          <p:cNvPr id="11" name="文本框 10"/>
+          <p:cNvSpPr txBox="1"/>
+          <p:nvPr/>
+        </p:nvSpPr>
+        <p:spPr>
+          <a:xfrm>
+            <a:off x="860389" y="290687"/>
+            <a:ext cx="3711272" cy="522451"/>
+          </a:xfrm>
+          <a:prstGeom prst="rect">
+            <a:avLst/>
+          </a:prstGeom>
+          <a:noFill/>
+        </p:spPr>
+        <p:txBody>
+          <a:bodyPr wrap="none" rtlCol="0">
+            <a:spAutoFit/>
+          </a:bodyPr>
+          <a:lstStyle/>
+          <a:p>
+            <a:pPr marL="0" marR="0" lvl="0" indent="0" defTabSz="914400" eaLnBrk="1" fontAlgn="auto" latinLnBrk="0" hangingPunct="1">
+              <a:lnSpc>
+                <a:spcPct val="130000"/>
+              </a:lnSpc>
+              <a:buClrTx/>
+              <a:buSzTx/>
+              <a:buFontTx/>
+              <a:buNone/>
+              <a:defRPr/>
+            </a:pPr>
+            <a:r>
+              <a:rPr kumimoji="0" lang="en-US" altLang="zh-CN" sz="2400" b="1" i="0" u="none" strike="noStrike" kern="0" cap="none" spc="0" normalizeH="0" baseline="0" noProof="0" dirty="0">
+                <a:ln>
+                  <a:noFill/>
+                </a:ln>
+                <a:solidFill>
+                  <a:prstClr val="black"/>
+                </a:solidFill>
+                <a:effectLst/>
+                <a:uLnTx/>
+                <a:uFillTx/>
+                <a:cs typeface="+mn-ea"/>
+                <a:sym typeface="+mn-lt"/>
+              </a:rPr>
+              <a:t>Kubernetes ADVANCED</a:t>
+            </a:r>
+            <a:endParaRPr kumimoji="0" lang="zh-CN" altLang="en-US" sz="2400" b="1" i="0" u="none" strike="noStrike" kern="0" cap="none" spc="0" normalizeH="0" baseline="0" noProof="0" dirty="0">
+              <a:ln>
+                <a:noFill/>
+              </a:ln>
+              <a:solidFill>
+                <a:prstClr val="black"/>
+              </a:solidFill>
+              <a:effectLst/>
+              <a:uLnTx/>
+              <a:uFillTx/>
+              <a:cs typeface="+mn-ea"/>
+              <a:sym typeface="+mn-lt"/>
+            </a:endParaRPr>
+          </a:p>
+        </p:txBody>
+      </p:sp>
+      <p:pic>
+        <p:nvPicPr>
+          <p:cNvPr id="9" name="图片 8">
+            <a:extLst>
+              <a:ext uri="{FF2B5EF4-FFF2-40B4-BE49-F238E27FC236}">
+                <a16:creationId xmlns:a16="http://schemas.microsoft.com/office/drawing/2014/main" id="{3DE36822-08DF-4A6A-934B-7BC5EB4ED94C}"/>
+              </a:ext>
+            </a:extLst>
+          </p:cNvPr>
+          <p:cNvPicPr>
+            <a:picLocks noChangeAspect="1"/>
+          </p:cNvPicPr>
+          <p:nvPr/>
+        </p:nvPicPr>
+        <p:blipFill>
+          <a:blip r:embed="rId2"/>
+          <a:stretch>
+            <a:fillRect/>
+          </a:stretch>
+        </p:blipFill>
+        <p:spPr>
+          <a:xfrm>
+            <a:off x="9956369" y="290687"/>
+            <a:ext cx="1925856" cy="490330"/>
+          </a:xfrm>
+          <a:prstGeom prst="rect">
+            <a:avLst/>
+          </a:prstGeom>
+        </p:spPr>
+      </p:pic>
+      <p:sp>
+        <p:nvSpPr>
+          <p:cNvPr id="7" name="文本框 6">
+            <a:extLst>
+              <a:ext uri="{FF2B5EF4-FFF2-40B4-BE49-F238E27FC236}">
+                <a16:creationId xmlns:a16="http://schemas.microsoft.com/office/drawing/2014/main" id="{D5940F8A-971F-45B6-A0BF-A1603BECE0B5}"/>
+              </a:ext>
+            </a:extLst>
+          </p:cNvPr>
+          <p:cNvSpPr txBox="1"/>
+          <p:nvPr/>
+        </p:nvSpPr>
+        <p:spPr>
+          <a:xfrm>
+            <a:off x="554393" y="1425171"/>
+            <a:ext cx="10908665" cy="3706656"/>
+          </a:xfrm>
+          <a:prstGeom prst="rect">
+            <a:avLst/>
+          </a:prstGeom>
+          <a:noFill/>
+        </p:spPr>
+        <p:txBody>
+          <a:bodyPr wrap="square" rtlCol="0">
+            <a:spAutoFit/>
+          </a:bodyPr>
+          <a:lstStyle/>
+          <a:p>
+            <a:pPr>
+              <a:lnSpc>
+                <a:spcPct val="150000"/>
+              </a:lnSpc>
+            </a:pPr>
+            <a:r>
+              <a:rPr lang="zh-CN" altLang="en-US" sz="1600" b="1" dirty="0">
+                <a:latin typeface="微软雅黑" panose="020B0503020204020204" pitchFamily="34" charset="-122"/>
+                <a:ea typeface="微软雅黑" panose="020B0503020204020204" pitchFamily="34" charset="-122"/>
+                <a:cs typeface="Times New Roman" panose="02020603050405020304" charset="0"/>
+              </a:rPr>
+              <a:t>服务的有状态与无状态：</a:t>
+            </a:r>
+            <a:endParaRPr lang="en-US" altLang="zh-CN" sz="1600" b="1" dirty="0">
+              <a:latin typeface="微软雅黑" panose="020B0503020204020204" pitchFamily="34" charset="-122"/>
+              <a:ea typeface="微软雅黑" panose="020B0503020204020204" pitchFamily="34" charset="-122"/>
+              <a:cs typeface="Times New Roman" panose="02020603050405020304" charset="0"/>
+            </a:endParaRPr>
+          </a:p>
+          <a:p>
+            <a:pPr>
+              <a:lnSpc>
+                <a:spcPct val="150000"/>
+              </a:lnSpc>
+            </a:pPr>
+            <a:endParaRPr lang="zh-CN" altLang="en-US" sz="1600" b="1" dirty="0">
+              <a:latin typeface="微软雅黑" panose="020B0503020204020204" pitchFamily="34" charset="-122"/>
+              <a:ea typeface="微软雅黑" panose="020B0503020204020204" pitchFamily="34" charset="-122"/>
+              <a:cs typeface="Times New Roman" panose="02020603050405020304" charset="0"/>
+            </a:endParaRPr>
+          </a:p>
+          <a:p>
+            <a:pPr indent="0">
+              <a:lnSpc>
+                <a:spcPct val="150000"/>
+              </a:lnSpc>
+              <a:buFont typeface="Arial" panose="020B0604020202020204" pitchFamily="34" charset="0"/>
+              <a:buNone/>
+            </a:pPr>
+            <a:r>
+              <a:rPr lang="en-US" sz="1400" dirty="0" err="1">
+                <a:ea typeface="华文仿宋" panose="02010600040101010101" pitchFamily="2" charset="-122"/>
+                <a:cs typeface="Times New Roman" panose="02020603050405020304" charset="0"/>
+              </a:rPr>
+              <a:t>对服务器程序来说，究竟是有状态服务，还是无状态服务，其判断</a:t>
+            </a:r>
+            <a:r>
+              <a:rPr lang="zh-CN" altLang="en-US" sz="1400" dirty="0">
+                <a:ea typeface="华文仿宋" panose="02010600040101010101" pitchFamily="2" charset="-122"/>
+                <a:cs typeface="Times New Roman" panose="02020603050405020304" charset="0"/>
+              </a:rPr>
+              <a:t>依据</a:t>
+            </a:r>
+            <a:r>
+              <a:rPr lang="en-US" sz="1400" dirty="0">
+                <a:ea typeface="华文仿宋" panose="02010600040101010101" pitchFamily="2" charset="-122"/>
+                <a:cs typeface="Times New Roman" panose="02020603050405020304" charset="0"/>
+              </a:rPr>
+              <a:t>——</a:t>
+            </a:r>
+            <a:r>
+              <a:rPr lang="en-US" sz="1400" dirty="0" err="1">
+                <a:ea typeface="华文仿宋" panose="02010600040101010101" pitchFamily="2" charset="-122"/>
+                <a:cs typeface="Times New Roman" panose="02020603050405020304" charset="0"/>
+              </a:rPr>
+              <a:t>两个来自相同发起者的请求在服务器端是否具备上下文关系</a:t>
+            </a:r>
+            <a:r>
+              <a:rPr lang="en-US" sz="1400" dirty="0">
+                <a:ea typeface="华文仿宋" panose="02010600040101010101" pitchFamily="2" charset="-122"/>
+                <a:cs typeface="Times New Roman" panose="02020603050405020304" charset="0"/>
+              </a:rPr>
+              <a:t>。</a:t>
+            </a:r>
+          </a:p>
+          <a:p>
+            <a:pPr marL="285750" indent="-285750">
+              <a:lnSpc>
+                <a:spcPct val="150000"/>
+              </a:lnSpc>
+              <a:buFont typeface="Arial" panose="020B0604020202020204" pitchFamily="34" charset="0"/>
+              <a:buChar char="•"/>
+            </a:pPr>
+            <a:r>
+              <a:rPr sz="1400" b="1" dirty="0" err="1">
+                <a:ea typeface="华文仿宋" panose="02010600040101010101" pitchFamily="2" charset="-122"/>
+                <a:cs typeface="Times New Roman" panose="02020603050405020304" charset="0"/>
+              </a:rPr>
+              <a:t>状态化请求，服务器端一般都要保存请求的相关信息，每个请求可以默认地使用以前的请求信息</a:t>
+            </a:r>
+            <a:r>
+              <a:rPr sz="1400" b="1" dirty="0">
+                <a:ea typeface="华文仿宋" panose="02010600040101010101" pitchFamily="2" charset="-122"/>
+                <a:cs typeface="Times New Roman" panose="02020603050405020304" charset="0"/>
+              </a:rPr>
+              <a:t>。</a:t>
+            </a:r>
+          </a:p>
+          <a:p>
+            <a:pPr marL="285750" indent="-285750">
+              <a:lnSpc>
+                <a:spcPct val="150000"/>
+              </a:lnSpc>
+              <a:buFont typeface="Arial" panose="020B0604020202020204" pitchFamily="34" charset="0"/>
+              <a:buChar char="•"/>
+            </a:pPr>
+            <a:r>
+              <a:rPr sz="1400" b="1" dirty="0">
+                <a:ea typeface="华文仿宋" panose="02010600040101010101" pitchFamily="2" charset="-122"/>
+                <a:cs typeface="Times New Roman" panose="02020603050405020304" charset="0"/>
+              </a:rPr>
+              <a:t>无状态请求，服务器端所能够处理的过程必须全部来自于请求所携带的信息，以及其他服务器端自身所保存的、并且可以被所有请求所使用的公共信息。</a:t>
+            </a:r>
+          </a:p>
+          <a:p>
+            <a:pPr marL="285750" indent="-285750">
+              <a:lnSpc>
+                <a:spcPct val="150000"/>
+              </a:lnSpc>
+              <a:buFont typeface="Wingdings" panose="05000000000000000000" charset="0"/>
+              <a:buNone/>
+            </a:pPr>
+            <a:endParaRPr lang="zh-CN" altLang="en-US" sz="1400" dirty="0">
+              <a:ea typeface="华文仿宋" panose="02010600040101010101" pitchFamily="2" charset="-122"/>
+              <a:cs typeface="Times New Roman" panose="02020603050405020304" charset="0"/>
+            </a:endParaRPr>
+          </a:p>
+          <a:p>
+            <a:pPr marL="285750" indent="-285750">
+              <a:lnSpc>
+                <a:spcPct val="150000"/>
+              </a:lnSpc>
+              <a:buFont typeface="Wingdings" panose="05000000000000000000" charset="0"/>
+              <a:buNone/>
+            </a:pPr>
+            <a:r>
+              <a:rPr lang="zh-CN" altLang="en-US" sz="1400" dirty="0">
+                <a:ea typeface="华文仿宋" panose="02010600040101010101" pitchFamily="2" charset="-122"/>
+                <a:cs typeface="Times New Roman" panose="02020603050405020304" charset="0"/>
+              </a:rPr>
+              <a:t>有状态重</a:t>
+            </a:r>
+            <a:r>
+              <a:rPr lang="zh-CN" altLang="en-US" sz="1400" b="1" dirty="0">
+                <a:ea typeface="华文仿宋" panose="02010600040101010101" pitchFamily="2" charset="-122"/>
+                <a:cs typeface="Times New Roman" panose="02020603050405020304" charset="0"/>
+              </a:rPr>
+              <a:t>事务，</a:t>
+            </a:r>
+            <a:r>
+              <a:rPr lang="zh-CN" altLang="en-US" sz="1400" dirty="0">
+                <a:ea typeface="华文仿宋" panose="02010600040101010101" pitchFamily="2" charset="-122"/>
+                <a:cs typeface="Times New Roman" panose="02020603050405020304" charset="0"/>
+              </a:rPr>
+              <a:t>无状态重</a:t>
+            </a:r>
+            <a:r>
+              <a:rPr lang="zh-CN" altLang="en-US" sz="1400" b="1" dirty="0">
+                <a:ea typeface="华文仿宋" panose="02010600040101010101" pitchFamily="2" charset="-122"/>
+                <a:cs typeface="Times New Roman" panose="02020603050405020304" charset="0"/>
+              </a:rPr>
+              <a:t>伸缩</a:t>
+            </a:r>
+          </a:p>
+          <a:p>
+            <a:pPr marL="285750" indent="-285750">
+              <a:lnSpc>
+                <a:spcPct val="150000"/>
+              </a:lnSpc>
+              <a:buFont typeface="Wingdings" panose="05000000000000000000" charset="0"/>
+              <a:buNone/>
+            </a:pPr>
+            <a:endParaRPr lang="zh-CN" altLang="en-US" sz="1400" b="1" dirty="0">
+              <a:ea typeface="华文仿宋" panose="02010600040101010101" pitchFamily="2" charset="-122"/>
+              <a:cs typeface="Times New Roman" panose="02020603050405020304" charset="0"/>
+            </a:endParaRPr>
+          </a:p>
+          <a:p>
+            <a:pPr marL="285750" indent="-285750">
+              <a:lnSpc>
+                <a:spcPct val="150000"/>
+              </a:lnSpc>
+              <a:buFont typeface="Wingdings" panose="05000000000000000000" charset="0"/>
+              <a:buNone/>
+            </a:pPr>
+            <a:r>
+              <a:rPr lang="zh-CN" altLang="en-US" sz="1400" b="1" dirty="0">
+                <a:ea typeface="华文仿宋" panose="02010600040101010101" pitchFamily="2" charset="-122"/>
+                <a:cs typeface="Times New Roman" panose="02020603050405020304" charset="0"/>
+              </a:rPr>
+              <a:t>有状态：</a:t>
+            </a:r>
+            <a:r>
+              <a:rPr lang="en-US" altLang="zh-CN" sz="1400" b="1" dirty="0">
+                <a:ea typeface="华文仿宋" panose="02010600040101010101" pitchFamily="2" charset="-122"/>
+                <a:cs typeface="Times New Roman" panose="02020603050405020304" charset="0"/>
+              </a:rPr>
+              <a:t>statfulSet</a:t>
+            </a:r>
+            <a:endParaRPr lang="zh-CN" altLang="en-US" sz="1400" dirty="0">
+              <a:ea typeface="华文仿宋" panose="02010600040101010101" pitchFamily="2" charset="-122"/>
+              <a:cs typeface="Times New Roman" panose="02020603050405020304" charset="0"/>
+            </a:endParaRPr>
+          </a:p>
+          <a:p>
+            <a:pPr marL="285750" indent="-285750">
+              <a:lnSpc>
+                <a:spcPct val="150000"/>
+              </a:lnSpc>
+              <a:buFont typeface="Wingdings" panose="05000000000000000000" charset="0"/>
+              <a:buNone/>
+            </a:pPr>
+            <a:r>
+              <a:rPr lang="zh-CN" altLang="en-US" sz="1400" b="1" dirty="0">
+                <a:ea typeface="华文仿宋" panose="02010600040101010101" pitchFamily="2" charset="-122"/>
+                <a:cs typeface="Times New Roman" panose="02020603050405020304" charset="0"/>
+                <a:sym typeface="+mn-ea"/>
+              </a:rPr>
+              <a:t>无状态：</a:t>
+            </a:r>
+            <a:r>
+              <a:rPr lang="en-US" altLang="zh-CN" sz="1400" b="1" dirty="0">
+                <a:ea typeface="华文仿宋" panose="02010600040101010101" pitchFamily="2" charset="-122"/>
+                <a:cs typeface="Times New Roman" panose="02020603050405020304" charset="0"/>
+                <a:sym typeface="+mn-ea"/>
+              </a:rPr>
+              <a:t>deployment</a:t>
+            </a:r>
+          </a:p>
+        </p:txBody>
+      </p:sp>
+    </p:spTree>
+    <p:extLst>
+      <p:ext uri="{BB962C8B-B14F-4D97-AF65-F5344CB8AC3E}">
+        <p14:creationId xmlns:p14="http://schemas.microsoft.com/office/powerpoint/2010/main" val="2139162765"/>
+      </p:ext>
+    </p:extLst>
+  </p:cSld>
+  <p:clrMapOvr>
+    <a:masterClrMapping/>
+  </p:clrMapOvr>
+</p:sld>
+</file>
+
+<file path=ppt/slides/slide32.xml><?xml version="1.0" encoding="utf-8"?>
+<p:sld xmlns:a="http://schemas.openxmlformats.org/drawingml/2006/main" xmlns:r="http://schemas.openxmlformats.org/officeDocument/2006/relationships" xmlns:p="http://schemas.openxmlformats.org/presentationml/2006/main">
+  <p:cSld>
+    <p:spTree>
+      <p:nvGrpSpPr>
+        <p:cNvPr id="1" name=""/>
+        <p:cNvGrpSpPr/>
+        <p:nvPr/>
+      </p:nvGrpSpPr>
+      <p:grpSpPr>
+        <a:xfrm>
+          <a:off x="0" y="0"/>
+          <a:ext cx="0" cy="0"/>
+          <a:chOff x="0" y="0"/>
+          <a:chExt cx="0" cy="0"/>
+        </a:xfrm>
+      </p:grpSpPr>
+      <p:sp>
+        <p:nvSpPr>
+          <p:cNvPr id="10" name="文本框 9"/>
+          <p:cNvSpPr txBox="1"/>
+          <p:nvPr/>
+        </p:nvSpPr>
+        <p:spPr>
+          <a:xfrm>
+            <a:off x="309775" y="290688"/>
+            <a:ext cx="489236" cy="522451"/>
+          </a:xfrm>
+          <a:prstGeom prst="rect">
+            <a:avLst/>
+          </a:prstGeom>
+          <a:noFill/>
+        </p:spPr>
+        <p:txBody>
+          <a:bodyPr wrap="none" rtlCol="0">
+            <a:spAutoFit/>
+          </a:bodyPr>
+          <a:lstStyle/>
+          <a:p>
+            <a:pPr marL="0" marR="0" lvl="0" indent="0" algn="ctr" defTabSz="914400" eaLnBrk="1" fontAlgn="auto" latinLnBrk="0" hangingPunct="1">
+              <a:lnSpc>
+                <a:spcPct val="130000"/>
+              </a:lnSpc>
+              <a:buClrTx/>
+              <a:buSzTx/>
+              <a:buFontTx/>
+              <a:buNone/>
+              <a:defRPr/>
+            </a:pPr>
+            <a:r>
+              <a:rPr kumimoji="0" lang="en-US" altLang="zh-CN" sz="2400" b="1" i="0" u="none" strike="noStrike" kern="0" cap="none" spc="-150" normalizeH="0" baseline="0" noProof="0" dirty="0">
+                <a:ln>
+                  <a:noFill/>
+                </a:ln>
+                <a:solidFill>
+                  <a:prstClr val="white"/>
+                </a:solidFill>
+                <a:effectLst/>
+                <a:uLnTx/>
+                <a:uFillTx/>
+                <a:cs typeface="+mn-ea"/>
+                <a:sym typeface="+mn-lt"/>
+              </a:rPr>
+              <a:t>02</a:t>
+            </a:r>
+            <a:endParaRPr kumimoji="0" lang="zh-CN" altLang="en-US" sz="2400" b="1" i="0" u="none" strike="noStrike" kern="0" cap="none" spc="-150" normalizeH="0" baseline="0" noProof="0" dirty="0">
+              <a:ln>
+                <a:noFill/>
+              </a:ln>
+              <a:solidFill>
+                <a:prstClr val="white"/>
+              </a:solidFill>
+              <a:effectLst/>
+              <a:uLnTx/>
+              <a:uFillTx/>
+              <a:cs typeface="+mn-ea"/>
+              <a:sym typeface="+mn-lt"/>
+            </a:endParaRPr>
+          </a:p>
+        </p:txBody>
+      </p:sp>
+      <p:sp>
+        <p:nvSpPr>
+          <p:cNvPr id="11" name="文本框 10"/>
+          <p:cNvSpPr txBox="1"/>
+          <p:nvPr/>
+        </p:nvSpPr>
+        <p:spPr>
+          <a:xfrm>
+            <a:off x="860389" y="290687"/>
+            <a:ext cx="3711272" cy="522451"/>
+          </a:xfrm>
+          <a:prstGeom prst="rect">
+            <a:avLst/>
+          </a:prstGeom>
+          <a:noFill/>
+        </p:spPr>
+        <p:txBody>
+          <a:bodyPr wrap="none" rtlCol="0">
+            <a:spAutoFit/>
+          </a:bodyPr>
+          <a:lstStyle/>
+          <a:p>
+            <a:pPr marL="0" marR="0" lvl="0" indent="0" defTabSz="914400" eaLnBrk="1" fontAlgn="auto" latinLnBrk="0" hangingPunct="1">
+              <a:lnSpc>
+                <a:spcPct val="130000"/>
+              </a:lnSpc>
+              <a:buClrTx/>
+              <a:buSzTx/>
+              <a:buFontTx/>
+              <a:buNone/>
+              <a:defRPr/>
+            </a:pPr>
+            <a:r>
+              <a:rPr kumimoji="0" lang="en-US" altLang="zh-CN" sz="2400" b="1" i="0" u="none" strike="noStrike" kern="0" cap="none" spc="0" normalizeH="0" baseline="0" noProof="0" dirty="0">
+                <a:ln>
+                  <a:noFill/>
+                </a:ln>
+                <a:solidFill>
+                  <a:prstClr val="black"/>
+                </a:solidFill>
+                <a:effectLst/>
+                <a:uLnTx/>
+                <a:uFillTx/>
+                <a:cs typeface="+mn-ea"/>
+                <a:sym typeface="+mn-lt"/>
+              </a:rPr>
+              <a:t>Kubernetes ADVANCED</a:t>
+            </a:r>
+            <a:endParaRPr kumimoji="0" lang="zh-CN" altLang="en-US" sz="2400" b="1" i="0" u="none" strike="noStrike" kern="0" cap="none" spc="0" normalizeH="0" baseline="0" noProof="0" dirty="0">
+              <a:ln>
+                <a:noFill/>
+              </a:ln>
+              <a:solidFill>
+                <a:prstClr val="black"/>
+              </a:solidFill>
+              <a:effectLst/>
+              <a:uLnTx/>
+              <a:uFillTx/>
+              <a:cs typeface="+mn-ea"/>
+              <a:sym typeface="+mn-lt"/>
+            </a:endParaRPr>
+          </a:p>
+        </p:txBody>
+      </p:sp>
+      <p:pic>
+        <p:nvPicPr>
+          <p:cNvPr id="9" name="图片 8">
+            <a:extLst>
+              <a:ext uri="{FF2B5EF4-FFF2-40B4-BE49-F238E27FC236}">
+                <a16:creationId xmlns:a16="http://schemas.microsoft.com/office/drawing/2014/main" id="{3DE36822-08DF-4A6A-934B-7BC5EB4ED94C}"/>
+              </a:ext>
+            </a:extLst>
+          </p:cNvPr>
+          <p:cNvPicPr>
+            <a:picLocks noChangeAspect="1"/>
+          </p:cNvPicPr>
+          <p:nvPr/>
+        </p:nvPicPr>
+        <p:blipFill>
+          <a:blip r:embed="rId2"/>
+          <a:stretch>
+            <a:fillRect/>
+          </a:stretch>
+        </p:blipFill>
+        <p:spPr>
+          <a:xfrm>
+            <a:off x="9956369" y="290687"/>
+            <a:ext cx="1925856" cy="490330"/>
+          </a:xfrm>
+          <a:prstGeom prst="rect">
+            <a:avLst/>
+          </a:prstGeom>
+        </p:spPr>
+      </p:pic>
+      <p:sp>
+        <p:nvSpPr>
+          <p:cNvPr id="13" name="文本框 12">
+            <a:extLst>
+              <a:ext uri="{FF2B5EF4-FFF2-40B4-BE49-F238E27FC236}">
+                <a16:creationId xmlns:a16="http://schemas.microsoft.com/office/drawing/2014/main" id="{B4BFF59A-E258-423F-A7E5-76866BF286CE}"/>
+              </a:ext>
+            </a:extLst>
+          </p:cNvPr>
+          <p:cNvSpPr txBox="1"/>
+          <p:nvPr/>
+        </p:nvSpPr>
+        <p:spPr>
+          <a:xfrm>
+            <a:off x="860389" y="1367909"/>
+            <a:ext cx="6094268" cy="369332"/>
+          </a:xfrm>
+          <a:prstGeom prst="rect">
+            <a:avLst/>
+          </a:prstGeom>
+          <a:noFill/>
+        </p:spPr>
+        <p:txBody>
+          <a:bodyPr wrap="square">
+            <a:spAutoFit/>
+          </a:bodyPr>
+          <a:lstStyle/>
+          <a:p>
+            <a:r>
+              <a:rPr lang="en-US" altLang="zh-CN" sz="1800" b="1" dirty="0">
+                <a:solidFill>
+                  <a:srgbClr val="24292E"/>
+                </a:solidFill>
+                <a:effectLst/>
+                <a:latin typeface="微软雅黑" panose="020B0503020204020204" pitchFamily="34" charset="-122"/>
+                <a:ea typeface="微软雅黑" panose="020B0503020204020204" pitchFamily="34" charset="-122"/>
+              </a:rPr>
+              <a:t>DaemonSetSpec </a:t>
+            </a:r>
+            <a:endParaRPr lang="zh-CN" altLang="en-US" dirty="0"/>
+          </a:p>
+        </p:txBody>
+      </p:sp>
+      <p:pic>
+        <p:nvPicPr>
+          <p:cNvPr id="4" name="图片 3">
+            <a:extLst>
+              <a:ext uri="{FF2B5EF4-FFF2-40B4-BE49-F238E27FC236}">
+                <a16:creationId xmlns:a16="http://schemas.microsoft.com/office/drawing/2014/main" id="{CA4DCD29-61EE-4018-B078-F066F89F83FB}"/>
+              </a:ext>
+            </a:extLst>
+          </p:cNvPr>
+          <p:cNvPicPr>
+            <a:picLocks noChangeAspect="1"/>
+          </p:cNvPicPr>
+          <p:nvPr/>
+        </p:nvPicPr>
+        <p:blipFill>
+          <a:blip r:embed="rId3"/>
+          <a:stretch>
+            <a:fillRect/>
+          </a:stretch>
+        </p:blipFill>
+        <p:spPr>
+          <a:xfrm>
+            <a:off x="860389" y="2092036"/>
+            <a:ext cx="7753675" cy="2367534"/>
+          </a:xfrm>
+          <a:prstGeom prst="rect">
+            <a:avLst/>
+          </a:prstGeom>
+        </p:spPr>
+      </p:pic>
+    </p:spTree>
+    <p:extLst>
+      <p:ext uri="{BB962C8B-B14F-4D97-AF65-F5344CB8AC3E}">
+        <p14:creationId xmlns:p14="http://schemas.microsoft.com/office/powerpoint/2010/main" val="4227316116"/>
+      </p:ext>
+    </p:extLst>
+  </p:cSld>
+  <p:clrMapOvr>
+    <a:masterClrMapping/>
+  </p:clrMapOvr>
+</p:sld>
+</file>
+
+<file path=ppt/slides/slide33.xml><?xml version="1.0" encoding="utf-8"?>
+<p:sld xmlns:a="http://schemas.openxmlformats.org/drawingml/2006/main" xmlns:r="http://schemas.openxmlformats.org/officeDocument/2006/relationships" xmlns:p="http://schemas.openxmlformats.org/presentationml/2006/main">
+  <p:cSld>
+    <p:spTree>
+      <p:nvGrpSpPr>
+        <p:cNvPr id="1" name=""/>
+        <p:cNvGrpSpPr/>
+        <p:nvPr/>
+      </p:nvGrpSpPr>
+      <p:grpSpPr>
+        <a:xfrm>
+          <a:off x="0" y="0"/>
+          <a:ext cx="0" cy="0"/>
+          <a:chOff x="0" y="0"/>
+          <a:chExt cx="0" cy="0"/>
+        </a:xfrm>
+      </p:grpSpPr>
+      <p:sp>
+        <p:nvSpPr>
+          <p:cNvPr id="10" name="文本框 9"/>
+          <p:cNvSpPr txBox="1"/>
+          <p:nvPr/>
+        </p:nvSpPr>
+        <p:spPr>
+          <a:xfrm>
+            <a:off x="309775" y="290688"/>
+            <a:ext cx="489236" cy="522451"/>
+          </a:xfrm>
+          <a:prstGeom prst="rect">
+            <a:avLst/>
+          </a:prstGeom>
+          <a:noFill/>
+        </p:spPr>
+        <p:txBody>
+          <a:bodyPr wrap="none" rtlCol="0">
+            <a:spAutoFit/>
+          </a:bodyPr>
+          <a:lstStyle/>
+          <a:p>
+            <a:pPr marL="0" marR="0" lvl="0" indent="0" algn="ctr" defTabSz="914400" eaLnBrk="1" fontAlgn="auto" latinLnBrk="0" hangingPunct="1">
+              <a:lnSpc>
+                <a:spcPct val="130000"/>
+              </a:lnSpc>
+              <a:buClrTx/>
+              <a:buSzTx/>
+              <a:buFontTx/>
+              <a:buNone/>
+              <a:defRPr/>
+            </a:pPr>
+            <a:r>
+              <a:rPr kumimoji="0" lang="en-US" altLang="zh-CN" sz="2400" b="1" i="0" u="none" strike="noStrike" kern="0" cap="none" spc="-150" normalizeH="0" baseline="0" noProof="0" dirty="0">
+                <a:ln>
+                  <a:noFill/>
+                </a:ln>
+                <a:solidFill>
+                  <a:prstClr val="white"/>
+                </a:solidFill>
+                <a:effectLst/>
+                <a:uLnTx/>
+                <a:uFillTx/>
+                <a:cs typeface="+mn-ea"/>
+                <a:sym typeface="+mn-lt"/>
+              </a:rPr>
+              <a:t>02</a:t>
+            </a:r>
+            <a:endParaRPr kumimoji="0" lang="zh-CN" altLang="en-US" sz="2400" b="1" i="0" u="none" strike="noStrike" kern="0" cap="none" spc="-150" normalizeH="0" baseline="0" noProof="0" dirty="0">
+              <a:ln>
+                <a:noFill/>
+              </a:ln>
+              <a:solidFill>
+                <a:prstClr val="white"/>
+              </a:solidFill>
+              <a:effectLst/>
+              <a:uLnTx/>
+              <a:uFillTx/>
+              <a:cs typeface="+mn-ea"/>
+              <a:sym typeface="+mn-lt"/>
+            </a:endParaRPr>
+          </a:p>
+        </p:txBody>
+      </p:sp>
+      <p:sp>
+        <p:nvSpPr>
+          <p:cNvPr id="11" name="文本框 10"/>
+          <p:cNvSpPr txBox="1"/>
+          <p:nvPr/>
+        </p:nvSpPr>
+        <p:spPr>
+          <a:xfrm>
+            <a:off x="860389" y="290687"/>
+            <a:ext cx="3711272" cy="522451"/>
+          </a:xfrm>
+          <a:prstGeom prst="rect">
+            <a:avLst/>
+          </a:prstGeom>
+          <a:noFill/>
+        </p:spPr>
+        <p:txBody>
+          <a:bodyPr wrap="none" rtlCol="0">
+            <a:spAutoFit/>
+          </a:bodyPr>
+          <a:lstStyle/>
+          <a:p>
+            <a:pPr marL="0" marR="0" lvl="0" indent="0" defTabSz="914400" eaLnBrk="1" fontAlgn="auto" latinLnBrk="0" hangingPunct="1">
+              <a:lnSpc>
+                <a:spcPct val="130000"/>
+              </a:lnSpc>
+              <a:buClrTx/>
+              <a:buSzTx/>
+              <a:buFontTx/>
+              <a:buNone/>
+              <a:defRPr/>
+            </a:pPr>
+            <a:r>
+              <a:rPr kumimoji="0" lang="en-US" altLang="zh-CN" sz="2400" b="1" i="0" u="none" strike="noStrike" kern="0" cap="none" spc="0" normalizeH="0" baseline="0" noProof="0" dirty="0">
+                <a:ln>
+                  <a:noFill/>
+                </a:ln>
+                <a:solidFill>
+                  <a:prstClr val="black"/>
+                </a:solidFill>
+                <a:effectLst/>
+                <a:uLnTx/>
+                <a:uFillTx/>
+                <a:cs typeface="+mn-ea"/>
+                <a:sym typeface="+mn-lt"/>
+              </a:rPr>
+              <a:t>Kubernetes ADVANCED</a:t>
+            </a:r>
+            <a:endParaRPr kumimoji="0" lang="zh-CN" altLang="en-US" sz="2400" b="1" i="0" u="none" strike="noStrike" kern="0" cap="none" spc="0" normalizeH="0" baseline="0" noProof="0" dirty="0">
+              <a:ln>
+                <a:noFill/>
+              </a:ln>
+              <a:solidFill>
+                <a:prstClr val="black"/>
+              </a:solidFill>
+              <a:effectLst/>
+              <a:uLnTx/>
+              <a:uFillTx/>
+              <a:cs typeface="+mn-ea"/>
+              <a:sym typeface="+mn-lt"/>
+            </a:endParaRPr>
+          </a:p>
+        </p:txBody>
+      </p:sp>
+      <p:pic>
+        <p:nvPicPr>
+          <p:cNvPr id="9" name="图片 8">
+            <a:extLst>
+              <a:ext uri="{FF2B5EF4-FFF2-40B4-BE49-F238E27FC236}">
+                <a16:creationId xmlns:a16="http://schemas.microsoft.com/office/drawing/2014/main" id="{3DE36822-08DF-4A6A-934B-7BC5EB4ED94C}"/>
+              </a:ext>
+            </a:extLst>
+          </p:cNvPr>
+          <p:cNvPicPr>
+            <a:picLocks noChangeAspect="1"/>
+          </p:cNvPicPr>
+          <p:nvPr/>
+        </p:nvPicPr>
+        <p:blipFill>
+          <a:blip r:embed="rId2"/>
+          <a:stretch>
+            <a:fillRect/>
+          </a:stretch>
+        </p:blipFill>
+        <p:spPr>
+          <a:xfrm>
+            <a:off x="9956369" y="290687"/>
+            <a:ext cx="1925856" cy="490330"/>
+          </a:xfrm>
+          <a:prstGeom prst="rect">
+            <a:avLst/>
+          </a:prstGeom>
+        </p:spPr>
+      </p:pic>
+      <p:sp>
+        <p:nvSpPr>
+          <p:cNvPr id="12" name="文本框 11">
+            <a:extLst>
+              <a:ext uri="{FF2B5EF4-FFF2-40B4-BE49-F238E27FC236}">
+                <a16:creationId xmlns:a16="http://schemas.microsoft.com/office/drawing/2014/main" id="{8F029927-0000-44DB-B41B-7E861400F005}"/>
+              </a:ext>
+            </a:extLst>
+          </p:cNvPr>
+          <p:cNvSpPr txBox="1"/>
+          <p:nvPr/>
+        </p:nvSpPr>
+        <p:spPr>
+          <a:xfrm>
+            <a:off x="860388" y="1013998"/>
+            <a:ext cx="10893807" cy="5230150"/>
+          </a:xfrm>
+          <a:prstGeom prst="rect">
+            <a:avLst/>
+          </a:prstGeom>
+          <a:noFill/>
+        </p:spPr>
+        <p:txBody>
+          <a:bodyPr wrap="square">
+            <a:spAutoFit/>
+          </a:bodyPr>
+          <a:lstStyle/>
+          <a:p>
+            <a:pPr>
+              <a:lnSpc>
+                <a:spcPct val="150000"/>
+              </a:lnSpc>
+            </a:pPr>
+            <a:r>
+              <a:rPr lang="zh-CN" altLang="en-US" sz="1400" b="1" dirty="0">
+                <a:solidFill>
+                  <a:srgbClr val="24292E"/>
+                </a:solidFill>
+                <a:effectLst/>
+                <a:ea typeface="华文仿宋" panose="02010600040101010101" pitchFamily="2" charset="-122"/>
+              </a:rPr>
+              <a:t>适合以 </a:t>
+            </a:r>
+            <a:r>
+              <a:rPr lang="en-US" altLang="zh-CN" sz="1400" b="1" dirty="0">
+                <a:solidFill>
+                  <a:srgbClr val="24292E"/>
+                </a:solidFill>
+                <a:effectLst/>
+                <a:ea typeface="华文仿宋" panose="02010600040101010101" pitchFamily="2" charset="-122"/>
+              </a:rPr>
+              <a:t>Job </a:t>
+            </a:r>
+            <a:r>
+              <a:rPr lang="zh-CN" altLang="en-US" sz="1400" b="1" dirty="0">
+                <a:solidFill>
+                  <a:srgbClr val="24292E"/>
+                </a:solidFill>
+                <a:effectLst/>
+                <a:ea typeface="华文仿宋" panose="02010600040101010101" pitchFamily="2" charset="-122"/>
+              </a:rPr>
+              <a:t>形式来运行的任务主要有三种： </a:t>
+            </a:r>
+            <a:endParaRPr lang="zh-CN" altLang="en-US" sz="1200" b="1" dirty="0">
+              <a:ea typeface="华文仿宋" panose="02010600040101010101" pitchFamily="2" charset="-122"/>
+            </a:endParaRPr>
+          </a:p>
+          <a:p>
+            <a:pPr>
+              <a:lnSpc>
+                <a:spcPct val="150000"/>
+              </a:lnSpc>
+            </a:pPr>
+            <a:r>
+              <a:rPr lang="en-US" altLang="zh-CN" sz="1400" b="1" dirty="0">
+                <a:solidFill>
+                  <a:srgbClr val="FF0000"/>
+                </a:solidFill>
+                <a:effectLst/>
+                <a:ea typeface="华文仿宋" panose="02010600040101010101" pitchFamily="2" charset="-122"/>
+              </a:rPr>
+              <a:t>1. </a:t>
+            </a:r>
+            <a:r>
+              <a:rPr lang="zh-CN" altLang="en-US" sz="1400" b="1" dirty="0">
+                <a:solidFill>
+                  <a:srgbClr val="FF0000"/>
+                </a:solidFill>
+                <a:effectLst/>
+                <a:ea typeface="华文仿宋" panose="02010600040101010101" pitchFamily="2" charset="-122"/>
+              </a:rPr>
+              <a:t>非并行 </a:t>
+            </a:r>
+            <a:r>
+              <a:rPr lang="en-US" altLang="zh-CN" sz="1400" b="1" dirty="0">
+                <a:solidFill>
+                  <a:srgbClr val="FF0000"/>
+                </a:solidFill>
+                <a:effectLst/>
+                <a:ea typeface="华文仿宋" panose="02010600040101010101" pitchFamily="2" charset="-122"/>
+              </a:rPr>
+              <a:t>Job</a:t>
+            </a:r>
+            <a:r>
+              <a:rPr lang="zh-CN" altLang="en-US" sz="1400" b="1" dirty="0">
+                <a:solidFill>
+                  <a:srgbClr val="FF0000"/>
+                </a:solidFill>
+                <a:effectLst/>
+                <a:ea typeface="华文仿宋" panose="02010600040101010101" pitchFamily="2" charset="-122"/>
+              </a:rPr>
+              <a:t>： </a:t>
+            </a:r>
+            <a:endParaRPr lang="zh-CN" altLang="en-US" sz="1200" b="1" dirty="0">
+              <a:solidFill>
+                <a:srgbClr val="FF0000"/>
+              </a:solidFill>
+              <a:ea typeface="华文仿宋" panose="02010600040101010101" pitchFamily="2" charset="-122"/>
+            </a:endParaRPr>
+          </a:p>
+          <a:p>
+            <a:pPr marL="285750" indent="-285750">
+              <a:lnSpc>
+                <a:spcPct val="150000"/>
+              </a:lnSpc>
+              <a:buFont typeface="Arial" panose="020B0604020202020204" pitchFamily="34" charset="0"/>
+              <a:buChar char="•"/>
+            </a:pPr>
+            <a:r>
+              <a:rPr lang="zh-CN" altLang="en-US" sz="1400" dirty="0">
+                <a:solidFill>
+                  <a:srgbClr val="24292E"/>
+                </a:solidFill>
+                <a:effectLst/>
+                <a:ea typeface="华文仿宋" panose="02010600040101010101" pitchFamily="2" charset="-122"/>
+              </a:rPr>
+              <a:t>通常只启动一个 </a:t>
+            </a:r>
+            <a:r>
+              <a:rPr lang="en-US" altLang="zh-CN" sz="1400" dirty="0">
+                <a:solidFill>
+                  <a:srgbClr val="24292E"/>
+                </a:solidFill>
+                <a:effectLst/>
+                <a:ea typeface="华文仿宋" panose="02010600040101010101" pitchFamily="2" charset="-122"/>
+              </a:rPr>
+              <a:t>Pod</a:t>
+            </a:r>
+            <a:r>
+              <a:rPr lang="zh-CN" altLang="en-US" sz="1400" dirty="0">
+                <a:solidFill>
+                  <a:srgbClr val="24292E"/>
+                </a:solidFill>
+                <a:effectLst/>
+                <a:ea typeface="华文仿宋" panose="02010600040101010101" pitchFamily="2" charset="-122"/>
+              </a:rPr>
+              <a:t>，除非该 </a:t>
+            </a:r>
+            <a:r>
+              <a:rPr lang="en-US" altLang="zh-CN" sz="1400" dirty="0">
+                <a:solidFill>
+                  <a:srgbClr val="24292E"/>
+                </a:solidFill>
+                <a:effectLst/>
+                <a:ea typeface="华文仿宋" panose="02010600040101010101" pitchFamily="2" charset="-122"/>
+              </a:rPr>
+              <a:t>Pod </a:t>
+            </a:r>
+            <a:r>
+              <a:rPr lang="zh-CN" altLang="en-US" sz="1400" dirty="0">
+                <a:solidFill>
+                  <a:srgbClr val="24292E"/>
+                </a:solidFill>
+                <a:effectLst/>
+                <a:ea typeface="华文仿宋" panose="02010600040101010101" pitchFamily="2" charset="-122"/>
+              </a:rPr>
+              <a:t>失败。 </a:t>
+            </a:r>
+            <a:endParaRPr lang="zh-CN" altLang="en-US" sz="1200" dirty="0">
+              <a:ea typeface="华文仿宋" panose="02010600040101010101" pitchFamily="2" charset="-122"/>
+            </a:endParaRPr>
+          </a:p>
+          <a:p>
+            <a:pPr marL="285750" indent="-285750">
+              <a:lnSpc>
+                <a:spcPct val="150000"/>
+              </a:lnSpc>
+              <a:buFont typeface="Arial" panose="020B0604020202020204" pitchFamily="34" charset="0"/>
+              <a:buChar char="•"/>
+            </a:pPr>
+            <a:r>
+              <a:rPr lang="zh-CN" altLang="en-US" sz="1400" dirty="0">
+                <a:solidFill>
+                  <a:srgbClr val="24292E"/>
+                </a:solidFill>
+                <a:effectLst/>
+                <a:ea typeface="华文仿宋" panose="02010600040101010101" pitchFamily="2" charset="-122"/>
+              </a:rPr>
+              <a:t>当 </a:t>
+            </a:r>
+            <a:r>
+              <a:rPr lang="en-US" altLang="zh-CN" sz="1400" dirty="0">
+                <a:solidFill>
+                  <a:srgbClr val="24292E"/>
+                </a:solidFill>
+                <a:effectLst/>
+                <a:ea typeface="华文仿宋" panose="02010600040101010101" pitchFamily="2" charset="-122"/>
+              </a:rPr>
+              <a:t>Pod </a:t>
+            </a:r>
+            <a:r>
+              <a:rPr lang="zh-CN" altLang="en-US" sz="1400" dirty="0">
+                <a:solidFill>
+                  <a:srgbClr val="24292E"/>
+                </a:solidFill>
+                <a:effectLst/>
+                <a:ea typeface="华文仿宋" panose="02010600040101010101" pitchFamily="2" charset="-122"/>
+              </a:rPr>
+              <a:t>成功终止时，立即视 </a:t>
+            </a:r>
+            <a:r>
+              <a:rPr lang="en-US" altLang="zh-CN" sz="1400" dirty="0">
+                <a:solidFill>
+                  <a:srgbClr val="24292E"/>
+                </a:solidFill>
+                <a:effectLst/>
+                <a:ea typeface="华文仿宋" panose="02010600040101010101" pitchFamily="2" charset="-122"/>
+              </a:rPr>
+              <a:t>Job </a:t>
+            </a:r>
+            <a:r>
+              <a:rPr lang="zh-CN" altLang="en-US" sz="1400" dirty="0">
+                <a:solidFill>
+                  <a:srgbClr val="24292E"/>
+                </a:solidFill>
+                <a:effectLst/>
+                <a:ea typeface="华文仿宋" panose="02010600040101010101" pitchFamily="2" charset="-122"/>
+              </a:rPr>
+              <a:t>为完成状态。 </a:t>
+            </a:r>
+            <a:endParaRPr lang="zh-CN" altLang="en-US" sz="1200" dirty="0">
+              <a:ea typeface="华文仿宋" panose="02010600040101010101" pitchFamily="2" charset="-122"/>
+            </a:endParaRPr>
+          </a:p>
+          <a:p>
+            <a:pPr>
+              <a:lnSpc>
+                <a:spcPct val="150000"/>
+              </a:lnSpc>
+            </a:pPr>
+            <a:r>
+              <a:rPr lang="en-US" altLang="zh-CN" sz="1400" b="1" dirty="0">
+                <a:solidFill>
+                  <a:srgbClr val="FF0000"/>
+                </a:solidFill>
+                <a:effectLst/>
+                <a:ea typeface="华文仿宋" panose="02010600040101010101" pitchFamily="2" charset="-122"/>
+              </a:rPr>
+              <a:t>2. </a:t>
+            </a:r>
+            <a:r>
+              <a:rPr lang="zh-CN" altLang="en-US" sz="1400" b="1" dirty="0">
+                <a:solidFill>
+                  <a:srgbClr val="FF0000"/>
+                </a:solidFill>
+                <a:effectLst/>
+                <a:ea typeface="华文仿宋" panose="02010600040101010101" pitchFamily="2" charset="-122"/>
+              </a:rPr>
+              <a:t>具有 确定完成计数 的并行 </a:t>
+            </a:r>
+            <a:r>
+              <a:rPr lang="en-US" altLang="zh-CN" sz="1400" b="1" dirty="0">
+                <a:solidFill>
+                  <a:srgbClr val="FF0000"/>
+                </a:solidFill>
+                <a:effectLst/>
+                <a:ea typeface="华文仿宋" panose="02010600040101010101" pitchFamily="2" charset="-122"/>
+              </a:rPr>
+              <a:t>Job</a:t>
+            </a:r>
+            <a:r>
+              <a:rPr lang="zh-CN" altLang="en-US" sz="1400" b="1" dirty="0">
+                <a:solidFill>
+                  <a:srgbClr val="FF0000"/>
+                </a:solidFill>
+                <a:effectLst/>
+                <a:ea typeface="华文仿宋" panose="02010600040101010101" pitchFamily="2" charset="-122"/>
+              </a:rPr>
+              <a:t>： </a:t>
+            </a:r>
+            <a:endParaRPr lang="zh-CN" altLang="en-US" sz="1200" b="1" dirty="0">
+              <a:solidFill>
+                <a:srgbClr val="FF0000"/>
+              </a:solidFill>
+              <a:ea typeface="华文仿宋" panose="02010600040101010101" pitchFamily="2" charset="-122"/>
+            </a:endParaRPr>
+          </a:p>
+          <a:p>
+            <a:pPr marL="285750" indent="-285750">
+              <a:lnSpc>
+                <a:spcPct val="150000"/>
+              </a:lnSpc>
+              <a:buFont typeface="Arial" panose="020B0604020202020204" pitchFamily="34" charset="0"/>
+              <a:buChar char="•"/>
+            </a:pPr>
+            <a:r>
+              <a:rPr lang="en-US" altLang="zh-CN" sz="1400" dirty="0">
+                <a:solidFill>
+                  <a:srgbClr val="24292E"/>
+                </a:solidFill>
+                <a:effectLst/>
+                <a:ea typeface="华文仿宋" panose="02010600040101010101" pitchFamily="2" charset="-122"/>
+              </a:rPr>
+              <a:t>.spec.completions </a:t>
+            </a:r>
+            <a:r>
+              <a:rPr lang="zh-CN" altLang="en-US" sz="1400" dirty="0">
+                <a:solidFill>
+                  <a:srgbClr val="24292E"/>
+                </a:solidFill>
+                <a:effectLst/>
+                <a:ea typeface="华文仿宋" panose="02010600040101010101" pitchFamily="2" charset="-122"/>
+              </a:rPr>
+              <a:t>字段设置为非 </a:t>
+            </a:r>
+            <a:r>
+              <a:rPr lang="en-US" altLang="zh-CN" sz="1400" dirty="0">
+                <a:solidFill>
+                  <a:srgbClr val="24292E"/>
+                </a:solidFill>
+                <a:effectLst/>
+                <a:ea typeface="华文仿宋" panose="02010600040101010101" pitchFamily="2" charset="-122"/>
+              </a:rPr>
+              <a:t>0 </a:t>
+            </a:r>
+            <a:r>
+              <a:rPr lang="zh-CN" altLang="en-US" sz="1400" dirty="0">
+                <a:solidFill>
+                  <a:srgbClr val="24292E"/>
+                </a:solidFill>
+                <a:effectLst/>
+                <a:ea typeface="华文仿宋" panose="02010600040101010101" pitchFamily="2" charset="-122"/>
+              </a:rPr>
+              <a:t>的正数值。 </a:t>
+            </a:r>
+            <a:endParaRPr lang="zh-CN" altLang="en-US" sz="1200" dirty="0">
+              <a:ea typeface="华文仿宋" panose="02010600040101010101" pitchFamily="2" charset="-122"/>
+            </a:endParaRPr>
+          </a:p>
+          <a:p>
+            <a:pPr marL="285750" indent="-285750">
+              <a:lnSpc>
+                <a:spcPct val="150000"/>
+              </a:lnSpc>
+              <a:buFont typeface="Arial" panose="020B0604020202020204" pitchFamily="34" charset="0"/>
+              <a:buChar char="•"/>
+            </a:pPr>
+            <a:r>
+              <a:rPr lang="en-US" altLang="zh-CN" sz="1400" dirty="0">
+                <a:solidFill>
+                  <a:srgbClr val="24292E"/>
+                </a:solidFill>
+                <a:effectLst/>
+                <a:ea typeface="华文仿宋" panose="02010600040101010101" pitchFamily="2" charset="-122"/>
+              </a:rPr>
+              <a:t>Job </a:t>
+            </a:r>
+            <a:r>
+              <a:rPr lang="zh-CN" altLang="en-US" sz="1400" dirty="0">
+                <a:solidFill>
+                  <a:srgbClr val="24292E"/>
+                </a:solidFill>
+                <a:effectLst/>
+                <a:ea typeface="华文仿宋" panose="02010600040101010101" pitchFamily="2" charset="-122"/>
+              </a:rPr>
+              <a:t>用来代表整个任务，当成功的 </a:t>
+            </a:r>
+            <a:r>
+              <a:rPr lang="en-US" altLang="zh-CN" sz="1400" dirty="0">
+                <a:solidFill>
+                  <a:srgbClr val="24292E"/>
+                </a:solidFill>
+                <a:effectLst/>
+                <a:ea typeface="华文仿宋" panose="02010600040101010101" pitchFamily="2" charset="-122"/>
+              </a:rPr>
+              <a:t>Pod </a:t>
+            </a:r>
+            <a:r>
+              <a:rPr lang="zh-CN" altLang="en-US" sz="1400" dirty="0">
+                <a:solidFill>
+                  <a:srgbClr val="24292E"/>
+                </a:solidFill>
+                <a:effectLst/>
+                <a:ea typeface="华文仿宋" panose="02010600040101010101" pitchFamily="2" charset="-122"/>
+              </a:rPr>
+              <a:t>个数达到 </a:t>
+            </a:r>
+            <a:r>
+              <a:rPr lang="en-US" altLang="zh-CN" sz="1400" dirty="0">
+                <a:solidFill>
+                  <a:srgbClr val="24292E"/>
+                </a:solidFill>
+                <a:effectLst/>
+                <a:ea typeface="华文仿宋" panose="02010600040101010101" pitchFamily="2" charset="-122"/>
+              </a:rPr>
+              <a:t>.spec.completions </a:t>
+            </a:r>
+            <a:r>
+              <a:rPr lang="zh-CN" altLang="en-US" sz="1400" dirty="0">
+                <a:solidFill>
+                  <a:srgbClr val="24292E"/>
+                </a:solidFill>
+                <a:effectLst/>
+                <a:ea typeface="华文仿宋" panose="02010600040101010101" pitchFamily="2" charset="-122"/>
+              </a:rPr>
+              <a:t>时，</a:t>
+            </a:r>
+            <a:r>
+              <a:rPr lang="en-US" altLang="zh-CN" sz="1400" dirty="0">
+                <a:solidFill>
+                  <a:srgbClr val="24292E"/>
+                </a:solidFill>
+                <a:effectLst/>
+                <a:ea typeface="华文仿宋" panose="02010600040101010101" pitchFamily="2" charset="-122"/>
+              </a:rPr>
+              <a:t>Job </a:t>
+            </a:r>
+            <a:r>
+              <a:rPr lang="zh-CN" altLang="en-US" sz="1400" dirty="0">
+                <a:solidFill>
+                  <a:srgbClr val="24292E"/>
+                </a:solidFill>
+                <a:effectLst/>
+                <a:ea typeface="华文仿宋" panose="02010600040101010101" pitchFamily="2" charset="-122"/>
+              </a:rPr>
+              <a:t>被视为完成。</a:t>
+            </a:r>
+            <a:endParaRPr lang="zh-CN" altLang="en-US" sz="1200" dirty="0">
+              <a:ea typeface="华文仿宋" panose="02010600040101010101" pitchFamily="2" charset="-122"/>
+            </a:endParaRPr>
+          </a:p>
+          <a:p>
+            <a:pPr marL="285750" indent="-285750">
+              <a:lnSpc>
+                <a:spcPct val="150000"/>
+              </a:lnSpc>
+              <a:buFont typeface="Arial" panose="020B0604020202020204" pitchFamily="34" charset="0"/>
+              <a:buChar char="•"/>
+            </a:pPr>
+            <a:r>
+              <a:rPr lang="zh-CN" altLang="en-US" sz="1400" dirty="0">
+                <a:solidFill>
+                  <a:srgbClr val="24292E"/>
+                </a:solidFill>
+                <a:effectLst/>
+                <a:ea typeface="华文仿宋" panose="02010600040101010101" pitchFamily="2" charset="-122"/>
+              </a:rPr>
+              <a:t>当使用 </a:t>
+            </a:r>
+            <a:r>
+              <a:rPr lang="en-US" altLang="zh-CN" sz="1400" dirty="0">
+                <a:solidFill>
+                  <a:srgbClr val="24292E"/>
+                </a:solidFill>
+                <a:effectLst/>
+                <a:ea typeface="华文仿宋" panose="02010600040101010101" pitchFamily="2" charset="-122"/>
+              </a:rPr>
+              <a:t>.spec.completionMode=“Indexed” </a:t>
+            </a:r>
+            <a:r>
+              <a:rPr lang="zh-CN" altLang="en-US" sz="1400" dirty="0">
+                <a:solidFill>
+                  <a:srgbClr val="24292E"/>
+                </a:solidFill>
+                <a:effectLst/>
+                <a:ea typeface="华文仿宋" panose="02010600040101010101" pitchFamily="2" charset="-122"/>
+              </a:rPr>
+              <a:t>时，每个 </a:t>
+            </a:r>
+            <a:r>
+              <a:rPr lang="en-US" altLang="zh-CN" sz="1400" dirty="0">
+                <a:solidFill>
+                  <a:srgbClr val="24292E"/>
+                </a:solidFill>
+                <a:effectLst/>
+                <a:ea typeface="华文仿宋" panose="02010600040101010101" pitchFamily="2" charset="-122"/>
+              </a:rPr>
+              <a:t>Pod </a:t>
+            </a:r>
+            <a:r>
+              <a:rPr lang="zh-CN" altLang="en-US" sz="1400" dirty="0">
+                <a:solidFill>
+                  <a:srgbClr val="24292E"/>
+                </a:solidFill>
+                <a:effectLst/>
+                <a:ea typeface="华文仿宋" panose="02010600040101010101" pitchFamily="2" charset="-122"/>
+              </a:rPr>
+              <a:t>都会获得一个不同的 索引值</a:t>
+            </a:r>
+            <a:r>
+              <a:rPr lang="zh-CN" altLang="en-US" sz="1400" dirty="0">
+                <a:solidFill>
+                  <a:srgbClr val="24292E"/>
+                </a:solidFill>
+                <a:ea typeface="华文仿宋" panose="02010600040101010101" pitchFamily="2" charset="-122"/>
+              </a:rPr>
+              <a:t>，</a:t>
+            </a:r>
+            <a:r>
+              <a:rPr lang="zh-CN" altLang="en-US" sz="1400" dirty="0">
+                <a:solidFill>
+                  <a:srgbClr val="24292E"/>
+                </a:solidFill>
+                <a:effectLst/>
+                <a:ea typeface="华文仿宋" panose="02010600040101010101" pitchFamily="2" charset="-122"/>
+              </a:rPr>
+              <a:t>介于</a:t>
+            </a:r>
+            <a:r>
+              <a:rPr lang="en-US" altLang="zh-CN" sz="1400" dirty="0">
+                <a:solidFill>
+                  <a:srgbClr val="24292E"/>
+                </a:solidFill>
+                <a:effectLst/>
+                <a:ea typeface="华文仿宋" panose="02010600040101010101" pitchFamily="2" charset="-122"/>
+              </a:rPr>
+              <a:t>0</a:t>
+            </a:r>
+            <a:r>
+              <a:rPr lang="zh-CN" altLang="en-US" sz="1400" dirty="0">
+                <a:solidFill>
+                  <a:srgbClr val="24292E"/>
+                </a:solidFill>
+                <a:effectLst/>
+                <a:ea typeface="华文仿宋" panose="02010600040101010101" pitchFamily="2" charset="-122"/>
+              </a:rPr>
+              <a:t>和 </a:t>
+            </a:r>
+            <a:r>
+              <a:rPr lang="en-US" altLang="zh-CN" sz="1400" dirty="0">
+                <a:solidFill>
+                  <a:srgbClr val="24292E"/>
+                </a:solidFill>
+                <a:effectLst/>
+                <a:ea typeface="华文仿宋" panose="02010600040101010101" pitchFamily="2" charset="-122"/>
+              </a:rPr>
+              <a:t>.spec.completions-1 </a:t>
+            </a:r>
+            <a:r>
+              <a:rPr lang="zh-CN" altLang="en-US" sz="1400" dirty="0">
+                <a:solidFill>
+                  <a:srgbClr val="24292E"/>
+                </a:solidFill>
+                <a:effectLst/>
+                <a:ea typeface="华文仿宋" panose="02010600040101010101" pitchFamily="2" charset="-122"/>
+              </a:rPr>
+              <a:t>之间。 </a:t>
+            </a:r>
+            <a:endParaRPr lang="zh-CN" altLang="en-US" sz="1200" dirty="0">
+              <a:ea typeface="华文仿宋" panose="02010600040101010101" pitchFamily="2" charset="-122"/>
+            </a:endParaRPr>
+          </a:p>
+          <a:p>
+            <a:pPr>
+              <a:lnSpc>
+                <a:spcPct val="150000"/>
+              </a:lnSpc>
+            </a:pPr>
+            <a:r>
+              <a:rPr lang="en-US" altLang="zh-CN" sz="1400" b="1" dirty="0">
+                <a:solidFill>
+                  <a:srgbClr val="FF0000"/>
+                </a:solidFill>
+                <a:effectLst/>
+                <a:ea typeface="华文仿宋" panose="02010600040101010101" pitchFamily="2" charset="-122"/>
+              </a:rPr>
+              <a:t>3. </a:t>
+            </a:r>
+            <a:r>
+              <a:rPr lang="zh-CN" altLang="en-US" sz="1400" b="1" dirty="0">
+                <a:solidFill>
+                  <a:srgbClr val="FF0000"/>
+                </a:solidFill>
+                <a:effectLst/>
+                <a:ea typeface="华文仿宋" panose="02010600040101010101" pitchFamily="2" charset="-122"/>
+              </a:rPr>
+              <a:t>带 工作队列 的并行 </a:t>
+            </a:r>
+            <a:r>
+              <a:rPr lang="en-US" altLang="zh-CN" sz="1400" b="1" dirty="0">
+                <a:solidFill>
+                  <a:srgbClr val="FF0000"/>
+                </a:solidFill>
+                <a:effectLst/>
+                <a:ea typeface="华文仿宋" panose="02010600040101010101" pitchFamily="2" charset="-122"/>
+              </a:rPr>
+              <a:t>Job</a:t>
+            </a:r>
+            <a:r>
+              <a:rPr lang="zh-CN" altLang="en-US" sz="1400" b="1" dirty="0">
+                <a:solidFill>
+                  <a:srgbClr val="FF0000"/>
+                </a:solidFill>
+                <a:effectLst/>
+                <a:ea typeface="华文仿宋" panose="02010600040101010101" pitchFamily="2" charset="-122"/>
+              </a:rPr>
+              <a:t>： </a:t>
+            </a:r>
+            <a:endParaRPr lang="zh-CN" altLang="en-US" sz="1200" b="1" dirty="0">
+              <a:solidFill>
+                <a:srgbClr val="FF0000"/>
+              </a:solidFill>
+              <a:ea typeface="华文仿宋" panose="02010600040101010101" pitchFamily="2" charset="-122"/>
+            </a:endParaRPr>
+          </a:p>
+          <a:p>
+            <a:pPr marL="285750" indent="-285750">
+              <a:lnSpc>
+                <a:spcPct val="150000"/>
+              </a:lnSpc>
+              <a:buFont typeface="Arial" panose="020B0604020202020204" pitchFamily="34" charset="0"/>
+              <a:buChar char="•"/>
+            </a:pPr>
+            <a:r>
+              <a:rPr lang="zh-CN" altLang="en-US" sz="1400" dirty="0">
+                <a:solidFill>
+                  <a:srgbClr val="24292E"/>
+                </a:solidFill>
+                <a:effectLst/>
+                <a:ea typeface="华文仿宋" panose="02010600040101010101" pitchFamily="2" charset="-122"/>
+              </a:rPr>
+              <a:t>不设置 </a:t>
+            </a:r>
+            <a:r>
+              <a:rPr lang="en-US" altLang="zh-CN" sz="1400" dirty="0">
+                <a:solidFill>
+                  <a:srgbClr val="24292E"/>
+                </a:solidFill>
+                <a:effectLst/>
+                <a:ea typeface="华文仿宋" panose="02010600040101010101" pitchFamily="2" charset="-122"/>
+              </a:rPr>
+              <a:t>spec.completions</a:t>
+            </a:r>
+            <a:r>
+              <a:rPr lang="zh-CN" altLang="en-US" sz="1400" dirty="0">
+                <a:solidFill>
+                  <a:srgbClr val="24292E"/>
+                </a:solidFill>
+                <a:effectLst/>
+                <a:ea typeface="华文仿宋" panose="02010600040101010101" pitchFamily="2" charset="-122"/>
+              </a:rPr>
+              <a:t>，默认值为 </a:t>
+            </a:r>
+            <a:r>
+              <a:rPr lang="en-US" altLang="zh-CN" sz="1400" dirty="0">
+                <a:solidFill>
+                  <a:srgbClr val="24292E"/>
+                </a:solidFill>
+                <a:effectLst/>
+                <a:ea typeface="华文仿宋" panose="02010600040101010101" pitchFamily="2" charset="-122"/>
+              </a:rPr>
+              <a:t>.spec.parallelism</a:t>
+            </a:r>
+            <a:r>
+              <a:rPr lang="zh-CN" altLang="en-US" sz="1400" dirty="0">
+                <a:solidFill>
+                  <a:srgbClr val="24292E"/>
+                </a:solidFill>
+                <a:effectLst/>
+                <a:ea typeface="华文仿宋" panose="02010600040101010101" pitchFamily="2" charset="-122"/>
+              </a:rPr>
+              <a:t>。 </a:t>
+            </a:r>
+            <a:endParaRPr lang="zh-CN" altLang="en-US" sz="1200" dirty="0">
+              <a:ea typeface="华文仿宋" panose="02010600040101010101" pitchFamily="2" charset="-122"/>
+            </a:endParaRPr>
+          </a:p>
+          <a:p>
+            <a:pPr marL="285750" indent="-285750">
+              <a:lnSpc>
+                <a:spcPct val="150000"/>
+              </a:lnSpc>
+              <a:buFont typeface="Arial" panose="020B0604020202020204" pitchFamily="34" charset="0"/>
+              <a:buChar char="•"/>
+            </a:pPr>
+            <a:r>
+              <a:rPr lang="zh-CN" altLang="en-US" sz="1400" dirty="0">
+                <a:solidFill>
+                  <a:srgbClr val="24292E"/>
+                </a:solidFill>
+                <a:effectLst/>
+                <a:ea typeface="华文仿宋" panose="02010600040101010101" pitchFamily="2" charset="-122"/>
+              </a:rPr>
+              <a:t>多个 </a:t>
+            </a:r>
+            <a:r>
+              <a:rPr lang="en-US" altLang="zh-CN" sz="1400" dirty="0">
+                <a:solidFill>
+                  <a:srgbClr val="24292E"/>
+                </a:solidFill>
+                <a:effectLst/>
+                <a:ea typeface="华文仿宋" panose="02010600040101010101" pitchFamily="2" charset="-122"/>
+              </a:rPr>
+              <a:t>Pod </a:t>
+            </a:r>
+            <a:r>
+              <a:rPr lang="zh-CN" altLang="en-US" sz="1400" dirty="0">
+                <a:solidFill>
+                  <a:srgbClr val="24292E"/>
+                </a:solidFill>
+                <a:effectLst/>
+                <a:ea typeface="华文仿宋" panose="02010600040101010101" pitchFamily="2" charset="-122"/>
+              </a:rPr>
+              <a:t>之间必须相互协调，或者借助外部服务确定每个 </a:t>
+            </a:r>
+            <a:r>
+              <a:rPr lang="en-US" altLang="zh-CN" sz="1400" dirty="0">
+                <a:solidFill>
+                  <a:srgbClr val="24292E"/>
+                </a:solidFill>
+                <a:effectLst/>
+                <a:ea typeface="华文仿宋" panose="02010600040101010101" pitchFamily="2" charset="-122"/>
+              </a:rPr>
+              <a:t>Pod </a:t>
+            </a:r>
+            <a:r>
+              <a:rPr lang="zh-CN" altLang="en-US" sz="1400" dirty="0">
+                <a:solidFill>
+                  <a:srgbClr val="24292E"/>
+                </a:solidFill>
+                <a:effectLst/>
+                <a:ea typeface="华文仿宋" panose="02010600040101010101" pitchFamily="2" charset="-122"/>
+              </a:rPr>
+              <a:t>要处理哪个工作条目。 例如，任一 </a:t>
+            </a:r>
+            <a:r>
+              <a:rPr lang="en-US" altLang="zh-CN" sz="1400" dirty="0">
+                <a:solidFill>
+                  <a:srgbClr val="24292E"/>
+                </a:solidFill>
+                <a:effectLst/>
+                <a:ea typeface="华文仿宋" panose="02010600040101010101" pitchFamily="2" charset="-122"/>
+              </a:rPr>
+              <a:t>Pod </a:t>
+            </a:r>
+            <a:r>
+              <a:rPr lang="zh-CN" altLang="en-US" sz="1400" dirty="0">
+                <a:solidFill>
+                  <a:srgbClr val="24292E"/>
+                </a:solidFill>
+                <a:effectLst/>
+                <a:ea typeface="华文仿宋" panose="02010600040101010101" pitchFamily="2" charset="-122"/>
+              </a:rPr>
+              <a:t>都可以从工作队列中取走最多 </a:t>
+            </a:r>
+            <a:r>
+              <a:rPr lang="en-US" altLang="zh-CN" sz="1400" dirty="0">
+                <a:solidFill>
+                  <a:srgbClr val="24292E"/>
+                </a:solidFill>
+                <a:effectLst/>
+                <a:ea typeface="华文仿宋" panose="02010600040101010101" pitchFamily="2" charset="-122"/>
+              </a:rPr>
+              <a:t>N </a:t>
+            </a:r>
+            <a:r>
+              <a:rPr lang="zh-CN" altLang="en-US" sz="1400" dirty="0">
+                <a:solidFill>
+                  <a:srgbClr val="24292E"/>
+                </a:solidFill>
+                <a:effectLst/>
+                <a:ea typeface="华文仿宋" panose="02010600040101010101" pitchFamily="2" charset="-122"/>
+              </a:rPr>
+              <a:t>个工作条目。 </a:t>
+            </a:r>
+            <a:endParaRPr lang="zh-CN" altLang="en-US" sz="1200" dirty="0">
+              <a:ea typeface="华文仿宋" panose="02010600040101010101" pitchFamily="2" charset="-122"/>
+            </a:endParaRPr>
+          </a:p>
+          <a:p>
+            <a:pPr marL="285750" indent="-285750">
+              <a:lnSpc>
+                <a:spcPct val="150000"/>
+              </a:lnSpc>
+              <a:buFont typeface="Arial" panose="020B0604020202020204" pitchFamily="34" charset="0"/>
+              <a:buChar char="•"/>
+            </a:pPr>
+            <a:r>
+              <a:rPr lang="zh-CN" altLang="en-US" sz="1400" dirty="0">
+                <a:solidFill>
+                  <a:srgbClr val="24292E"/>
+                </a:solidFill>
+                <a:effectLst/>
+                <a:ea typeface="华文仿宋" panose="02010600040101010101" pitchFamily="2" charset="-122"/>
+              </a:rPr>
+              <a:t>每个 </a:t>
+            </a:r>
+            <a:r>
+              <a:rPr lang="en-US" altLang="zh-CN" sz="1400" dirty="0">
+                <a:solidFill>
+                  <a:srgbClr val="24292E"/>
+                </a:solidFill>
+                <a:effectLst/>
+                <a:ea typeface="华文仿宋" panose="02010600040101010101" pitchFamily="2" charset="-122"/>
+              </a:rPr>
+              <a:t>Pod </a:t>
+            </a:r>
+            <a:r>
+              <a:rPr lang="zh-CN" altLang="en-US" sz="1400" dirty="0">
+                <a:solidFill>
+                  <a:srgbClr val="24292E"/>
+                </a:solidFill>
+                <a:effectLst/>
+                <a:ea typeface="华文仿宋" panose="02010600040101010101" pitchFamily="2" charset="-122"/>
+              </a:rPr>
+              <a:t>都可以独立确定是否其它 </a:t>
+            </a:r>
+            <a:r>
+              <a:rPr lang="en-US" altLang="zh-CN" sz="1400" dirty="0">
+                <a:solidFill>
+                  <a:srgbClr val="24292E"/>
+                </a:solidFill>
+                <a:effectLst/>
+                <a:ea typeface="华文仿宋" panose="02010600040101010101" pitchFamily="2" charset="-122"/>
+              </a:rPr>
+              <a:t>Pod </a:t>
+            </a:r>
+            <a:r>
+              <a:rPr lang="zh-CN" altLang="en-US" sz="1400" dirty="0">
+                <a:solidFill>
+                  <a:srgbClr val="24292E"/>
+                </a:solidFill>
+                <a:effectLst/>
+                <a:ea typeface="华文仿宋" panose="02010600040101010101" pitchFamily="2" charset="-122"/>
+              </a:rPr>
+              <a:t>都已完成，进而确定 </a:t>
+            </a:r>
+            <a:r>
+              <a:rPr lang="en-US" altLang="zh-CN" sz="1400" dirty="0">
+                <a:solidFill>
+                  <a:srgbClr val="24292E"/>
+                </a:solidFill>
+                <a:effectLst/>
+                <a:ea typeface="华文仿宋" panose="02010600040101010101" pitchFamily="2" charset="-122"/>
+              </a:rPr>
+              <a:t>Job </a:t>
+            </a:r>
+            <a:r>
+              <a:rPr lang="zh-CN" altLang="en-US" sz="1400" dirty="0">
+                <a:solidFill>
+                  <a:srgbClr val="24292E"/>
+                </a:solidFill>
+                <a:effectLst/>
+                <a:ea typeface="华文仿宋" panose="02010600040101010101" pitchFamily="2" charset="-122"/>
+              </a:rPr>
+              <a:t>是否完成。 </a:t>
+            </a:r>
+            <a:endParaRPr lang="zh-CN" altLang="en-US" sz="1200" dirty="0">
+              <a:ea typeface="华文仿宋" panose="02010600040101010101" pitchFamily="2" charset="-122"/>
+            </a:endParaRPr>
+          </a:p>
+          <a:p>
+            <a:pPr marL="285750" indent="-285750">
+              <a:lnSpc>
+                <a:spcPct val="150000"/>
+              </a:lnSpc>
+              <a:buFont typeface="Arial" panose="020B0604020202020204" pitchFamily="34" charset="0"/>
+              <a:buChar char="•"/>
+            </a:pPr>
+            <a:r>
+              <a:rPr lang="zh-CN" altLang="en-US" sz="1400" dirty="0">
+                <a:solidFill>
+                  <a:srgbClr val="24292E"/>
+                </a:solidFill>
+                <a:effectLst/>
+                <a:ea typeface="华文仿宋" panose="02010600040101010101" pitchFamily="2" charset="-122"/>
+              </a:rPr>
+              <a:t>当 </a:t>
+            </a:r>
+            <a:r>
+              <a:rPr lang="en-US" altLang="zh-CN" sz="1400" dirty="0">
+                <a:solidFill>
+                  <a:srgbClr val="24292E"/>
+                </a:solidFill>
+                <a:effectLst/>
+                <a:ea typeface="华文仿宋" panose="02010600040101010101" pitchFamily="2" charset="-122"/>
+              </a:rPr>
+              <a:t>Job </a:t>
+            </a:r>
+            <a:r>
+              <a:rPr lang="zh-CN" altLang="en-US" sz="1400" dirty="0">
+                <a:solidFill>
+                  <a:srgbClr val="24292E"/>
+                </a:solidFill>
+                <a:effectLst/>
+                <a:ea typeface="华文仿宋" panose="02010600040101010101" pitchFamily="2" charset="-122"/>
+              </a:rPr>
+              <a:t>中 任何 </a:t>
+            </a:r>
+            <a:r>
+              <a:rPr lang="en-US" altLang="zh-CN" sz="1400" dirty="0">
+                <a:solidFill>
+                  <a:srgbClr val="24292E"/>
+                </a:solidFill>
+                <a:effectLst/>
+                <a:ea typeface="华文仿宋" panose="02010600040101010101" pitchFamily="2" charset="-122"/>
+              </a:rPr>
+              <a:t>Pod </a:t>
+            </a:r>
+            <a:r>
+              <a:rPr lang="zh-CN" altLang="en-US" sz="1400" dirty="0">
+                <a:solidFill>
+                  <a:srgbClr val="24292E"/>
+                </a:solidFill>
+                <a:effectLst/>
+                <a:ea typeface="华文仿宋" panose="02010600040101010101" pitchFamily="2" charset="-122"/>
+              </a:rPr>
+              <a:t>成功终止，不再创建新 </a:t>
+            </a:r>
+            <a:r>
+              <a:rPr lang="en-US" altLang="zh-CN" sz="1400" dirty="0">
+                <a:solidFill>
+                  <a:srgbClr val="24292E"/>
+                </a:solidFill>
+                <a:effectLst/>
+                <a:ea typeface="华文仿宋" panose="02010600040101010101" pitchFamily="2" charset="-122"/>
+              </a:rPr>
+              <a:t>Pod</a:t>
+            </a:r>
+            <a:r>
+              <a:rPr lang="zh-CN" altLang="en-US" sz="1400" dirty="0">
+                <a:solidFill>
+                  <a:srgbClr val="24292E"/>
+                </a:solidFill>
+                <a:effectLst/>
+                <a:ea typeface="华文仿宋" panose="02010600040101010101" pitchFamily="2" charset="-122"/>
+              </a:rPr>
+              <a:t>。 </a:t>
+            </a:r>
+            <a:endParaRPr lang="zh-CN" altLang="en-US" sz="1200" dirty="0">
+              <a:ea typeface="华文仿宋" panose="02010600040101010101" pitchFamily="2" charset="-122"/>
+            </a:endParaRPr>
+          </a:p>
+          <a:p>
+            <a:pPr marL="285750" indent="-285750">
+              <a:lnSpc>
+                <a:spcPct val="150000"/>
+              </a:lnSpc>
+              <a:buFont typeface="Arial" panose="020B0604020202020204" pitchFamily="34" charset="0"/>
+              <a:buChar char="•"/>
+            </a:pPr>
+            <a:r>
+              <a:rPr lang="zh-CN" altLang="en-US" sz="1400" dirty="0">
+                <a:solidFill>
+                  <a:srgbClr val="24292E"/>
+                </a:solidFill>
+                <a:effectLst/>
+                <a:ea typeface="华文仿宋" panose="02010600040101010101" pitchFamily="2" charset="-122"/>
+              </a:rPr>
+              <a:t>一旦至少 </a:t>
+            </a:r>
+            <a:r>
+              <a:rPr lang="en-US" altLang="zh-CN" sz="1400" dirty="0">
+                <a:solidFill>
+                  <a:srgbClr val="24292E"/>
+                </a:solidFill>
+                <a:effectLst/>
+                <a:ea typeface="华文仿宋" panose="02010600040101010101" pitchFamily="2" charset="-122"/>
+              </a:rPr>
+              <a:t>1 </a:t>
+            </a:r>
+            <a:r>
+              <a:rPr lang="zh-CN" altLang="en-US" sz="1400" dirty="0">
+                <a:solidFill>
+                  <a:srgbClr val="24292E"/>
+                </a:solidFill>
+                <a:effectLst/>
+                <a:ea typeface="华文仿宋" panose="02010600040101010101" pitchFamily="2" charset="-122"/>
+              </a:rPr>
+              <a:t>个 </a:t>
+            </a:r>
+            <a:r>
+              <a:rPr lang="en-US" altLang="zh-CN" sz="1400" dirty="0">
+                <a:solidFill>
+                  <a:srgbClr val="24292E"/>
+                </a:solidFill>
+                <a:effectLst/>
+                <a:ea typeface="华文仿宋" panose="02010600040101010101" pitchFamily="2" charset="-122"/>
+              </a:rPr>
+              <a:t>Pod </a:t>
+            </a:r>
+            <a:r>
+              <a:rPr lang="zh-CN" altLang="en-US" sz="1400" dirty="0">
+                <a:solidFill>
+                  <a:srgbClr val="24292E"/>
+                </a:solidFill>
+                <a:effectLst/>
+                <a:ea typeface="华文仿宋" panose="02010600040101010101" pitchFamily="2" charset="-122"/>
+              </a:rPr>
+              <a:t>成功完成，并且所有 </a:t>
+            </a:r>
+            <a:r>
+              <a:rPr lang="en-US" altLang="zh-CN" sz="1400" dirty="0">
+                <a:solidFill>
+                  <a:srgbClr val="24292E"/>
+                </a:solidFill>
+                <a:effectLst/>
+                <a:ea typeface="华文仿宋" panose="02010600040101010101" pitchFamily="2" charset="-122"/>
+              </a:rPr>
+              <a:t>Pod </a:t>
+            </a:r>
+            <a:r>
+              <a:rPr lang="zh-CN" altLang="en-US" sz="1400" dirty="0">
+                <a:solidFill>
+                  <a:srgbClr val="24292E"/>
+                </a:solidFill>
+                <a:effectLst/>
+                <a:ea typeface="华文仿宋" panose="02010600040101010101" pitchFamily="2" charset="-122"/>
+              </a:rPr>
+              <a:t>都已终止，即可宣告 </a:t>
+            </a:r>
+            <a:r>
+              <a:rPr lang="en-US" altLang="zh-CN" sz="1400" dirty="0">
+                <a:solidFill>
+                  <a:srgbClr val="24292E"/>
+                </a:solidFill>
+                <a:effectLst/>
+                <a:ea typeface="华文仿宋" panose="02010600040101010101" pitchFamily="2" charset="-122"/>
+              </a:rPr>
+              <a:t>Job </a:t>
+            </a:r>
+            <a:r>
+              <a:rPr lang="zh-CN" altLang="en-US" sz="1400" dirty="0">
+                <a:solidFill>
+                  <a:srgbClr val="24292E"/>
+                </a:solidFill>
+                <a:effectLst/>
+                <a:ea typeface="华文仿宋" panose="02010600040101010101" pitchFamily="2" charset="-122"/>
+              </a:rPr>
+              <a:t>成功完成。 </a:t>
+            </a:r>
+            <a:endParaRPr lang="zh-CN" altLang="en-US" sz="1200" dirty="0">
+              <a:ea typeface="华文仿宋" panose="02010600040101010101" pitchFamily="2" charset="-122"/>
+            </a:endParaRPr>
+          </a:p>
+          <a:p>
+            <a:pPr marL="285750" indent="-285750">
+              <a:lnSpc>
+                <a:spcPct val="150000"/>
+              </a:lnSpc>
+              <a:buFont typeface="Arial" panose="020B0604020202020204" pitchFamily="34" charset="0"/>
+              <a:buChar char="•"/>
+            </a:pPr>
+            <a:r>
+              <a:rPr lang="zh-CN" altLang="en-US" sz="1400" dirty="0">
+                <a:solidFill>
+                  <a:srgbClr val="24292E"/>
+                </a:solidFill>
+                <a:effectLst/>
+                <a:ea typeface="华文仿宋" panose="02010600040101010101" pitchFamily="2" charset="-122"/>
+              </a:rPr>
+              <a:t>一旦任何 </a:t>
+            </a:r>
+            <a:r>
+              <a:rPr lang="en-US" altLang="zh-CN" sz="1400" dirty="0">
+                <a:solidFill>
+                  <a:srgbClr val="24292E"/>
+                </a:solidFill>
+                <a:effectLst/>
+                <a:ea typeface="华文仿宋" panose="02010600040101010101" pitchFamily="2" charset="-122"/>
+              </a:rPr>
+              <a:t>Pod </a:t>
+            </a:r>
+            <a:r>
+              <a:rPr lang="zh-CN" altLang="en-US" sz="1400" dirty="0">
+                <a:solidFill>
+                  <a:srgbClr val="24292E"/>
+                </a:solidFill>
+                <a:effectLst/>
+                <a:ea typeface="华文仿宋" panose="02010600040101010101" pitchFamily="2" charset="-122"/>
+              </a:rPr>
+              <a:t>成功退出，任何其它 </a:t>
+            </a:r>
+            <a:r>
+              <a:rPr lang="en-US" altLang="zh-CN" sz="1400" dirty="0">
+                <a:solidFill>
+                  <a:srgbClr val="24292E"/>
+                </a:solidFill>
+                <a:effectLst/>
+                <a:ea typeface="华文仿宋" panose="02010600040101010101" pitchFamily="2" charset="-122"/>
+              </a:rPr>
+              <a:t>Pod </a:t>
+            </a:r>
+            <a:r>
+              <a:rPr lang="zh-CN" altLang="en-US" sz="1400" dirty="0">
+                <a:solidFill>
+                  <a:srgbClr val="24292E"/>
+                </a:solidFill>
+                <a:effectLst/>
+                <a:ea typeface="华文仿宋" panose="02010600040101010101" pitchFamily="2" charset="-122"/>
+              </a:rPr>
+              <a:t>都不应再对此任务执行任何操作或生成任何输出。所有 </a:t>
+            </a:r>
+            <a:r>
+              <a:rPr lang="en-US" altLang="zh-CN" sz="1400" dirty="0">
+                <a:solidFill>
+                  <a:srgbClr val="24292E"/>
+                </a:solidFill>
+                <a:effectLst/>
+                <a:ea typeface="华文仿宋" panose="02010600040101010101" pitchFamily="2" charset="-122"/>
+              </a:rPr>
+              <a:t>Pod </a:t>
+            </a:r>
+            <a:r>
+              <a:rPr lang="zh-CN" altLang="en-US" sz="1400" dirty="0">
+                <a:solidFill>
+                  <a:srgbClr val="24292E"/>
+                </a:solidFill>
+                <a:effectLst/>
+                <a:ea typeface="华文仿宋" panose="02010600040101010101" pitchFamily="2" charset="-122"/>
+              </a:rPr>
+              <a:t>都应启动退出过程。</a:t>
+            </a:r>
+            <a:endParaRPr lang="zh-CN" altLang="en-US" sz="1200" dirty="0">
+              <a:ea typeface="华文仿宋" panose="02010600040101010101" pitchFamily="2" charset="-122"/>
+            </a:endParaRPr>
+          </a:p>
+        </p:txBody>
+      </p:sp>
+      <p:pic>
+        <p:nvPicPr>
+          <p:cNvPr id="3" name="图片 2">
+            <a:extLst>
+              <a:ext uri="{FF2B5EF4-FFF2-40B4-BE49-F238E27FC236}">
+                <a16:creationId xmlns:a16="http://schemas.microsoft.com/office/drawing/2014/main" id="{9E8805E8-3F77-4084-9D92-CC8F9F222918}"/>
+              </a:ext>
+            </a:extLst>
+          </p:cNvPr>
+          <p:cNvPicPr>
+            <a:picLocks noChangeAspect="1"/>
+          </p:cNvPicPr>
+          <p:nvPr/>
+        </p:nvPicPr>
+        <p:blipFill>
+          <a:blip r:embed="rId3"/>
+          <a:stretch>
+            <a:fillRect/>
+          </a:stretch>
+        </p:blipFill>
+        <p:spPr>
+          <a:xfrm>
+            <a:off x="6030905" y="1383330"/>
+            <a:ext cx="6210300" cy="1009650"/>
+          </a:xfrm>
+          <a:prstGeom prst="rect">
+            <a:avLst/>
+          </a:prstGeom>
+        </p:spPr>
+      </p:pic>
+      <p:sp>
+        <p:nvSpPr>
+          <p:cNvPr id="13" name="文本框 12">
+            <a:extLst>
+              <a:ext uri="{FF2B5EF4-FFF2-40B4-BE49-F238E27FC236}">
+                <a16:creationId xmlns:a16="http://schemas.microsoft.com/office/drawing/2014/main" id="{B4BFF59A-E258-423F-A7E5-76866BF286CE}"/>
+              </a:ext>
+            </a:extLst>
+          </p:cNvPr>
+          <p:cNvSpPr txBox="1"/>
+          <p:nvPr/>
+        </p:nvSpPr>
+        <p:spPr>
+          <a:xfrm>
+            <a:off x="6030905" y="875422"/>
+            <a:ext cx="6094268" cy="369332"/>
+          </a:xfrm>
+          <a:prstGeom prst="rect">
+            <a:avLst/>
+          </a:prstGeom>
+          <a:noFill/>
+        </p:spPr>
+        <p:txBody>
+          <a:bodyPr wrap="square">
+            <a:spAutoFit/>
+          </a:bodyPr>
+          <a:lstStyle/>
+          <a:p>
+            <a:r>
+              <a:rPr lang="en-US" altLang="zh-CN" sz="1800" b="1" dirty="0">
+                <a:solidFill>
+                  <a:srgbClr val="24292E"/>
+                </a:solidFill>
+                <a:effectLst/>
+                <a:latin typeface="微软雅黑" panose="020B0503020204020204" pitchFamily="34" charset="-122"/>
+                <a:ea typeface="微软雅黑" panose="020B0503020204020204" pitchFamily="34" charset="-122"/>
+              </a:rPr>
+              <a:t>JobSpec  </a:t>
+            </a:r>
+            <a:endParaRPr lang="zh-CN" altLang="en-US" dirty="0"/>
+          </a:p>
+        </p:txBody>
+      </p:sp>
+    </p:spTree>
+    <p:extLst>
+      <p:ext uri="{BB962C8B-B14F-4D97-AF65-F5344CB8AC3E}">
+        <p14:creationId xmlns:p14="http://schemas.microsoft.com/office/powerpoint/2010/main" val="1256336574"/>
+      </p:ext>
+    </p:extLst>
+  </p:cSld>
+  <p:clrMapOvr>
+    <a:masterClrMapping/>
+  </p:clrMapOvr>
+</p:sld>
+</file>
+
+<file path=ppt/slides/slide34.xml><?xml version="1.0" encoding="utf-8"?>
+<p:sld xmlns:a="http://schemas.openxmlformats.org/drawingml/2006/main" xmlns:r="http://schemas.openxmlformats.org/officeDocument/2006/relationships" xmlns:p="http://schemas.openxmlformats.org/presentationml/2006/main">
+  <p:cSld>
+    <p:spTree>
+      <p:nvGrpSpPr>
+        <p:cNvPr id="1" name=""/>
+        <p:cNvGrpSpPr/>
+        <p:nvPr/>
+      </p:nvGrpSpPr>
+      <p:grpSpPr>
+        <a:xfrm>
+          <a:off x="0" y="0"/>
+          <a:ext cx="0" cy="0"/>
+          <a:chOff x="0" y="0"/>
+          <a:chExt cx="0" cy="0"/>
+        </a:xfrm>
+      </p:grpSpPr>
+      <p:sp>
+        <p:nvSpPr>
+          <p:cNvPr id="10" name="文本框 9"/>
+          <p:cNvSpPr txBox="1"/>
+          <p:nvPr/>
+        </p:nvSpPr>
+        <p:spPr>
+          <a:xfrm>
+            <a:off x="309775" y="290688"/>
+            <a:ext cx="489236" cy="522451"/>
+          </a:xfrm>
+          <a:prstGeom prst="rect">
+            <a:avLst/>
+          </a:prstGeom>
+          <a:noFill/>
+        </p:spPr>
+        <p:txBody>
+          <a:bodyPr wrap="none" rtlCol="0">
+            <a:spAutoFit/>
+          </a:bodyPr>
+          <a:lstStyle/>
+          <a:p>
+            <a:pPr marL="0" marR="0" lvl="0" indent="0" algn="ctr" defTabSz="914400" eaLnBrk="1" fontAlgn="auto" latinLnBrk="0" hangingPunct="1">
+              <a:lnSpc>
+                <a:spcPct val="130000"/>
+              </a:lnSpc>
+              <a:buClrTx/>
+              <a:buSzTx/>
+              <a:buFontTx/>
+              <a:buNone/>
+              <a:defRPr/>
+            </a:pPr>
+            <a:r>
+              <a:rPr kumimoji="0" lang="en-US" altLang="zh-CN" sz="2400" b="1" i="0" u="none" strike="noStrike" kern="0" cap="none" spc="-150" normalizeH="0" baseline="0" noProof="0" dirty="0">
+                <a:ln>
+                  <a:noFill/>
+                </a:ln>
+                <a:solidFill>
+                  <a:prstClr val="white"/>
+                </a:solidFill>
+                <a:effectLst/>
+                <a:uLnTx/>
+                <a:uFillTx/>
+                <a:cs typeface="+mn-ea"/>
+                <a:sym typeface="+mn-lt"/>
+              </a:rPr>
+              <a:t>02</a:t>
+            </a:r>
+            <a:endParaRPr kumimoji="0" lang="zh-CN" altLang="en-US" sz="2400" b="1" i="0" u="none" strike="noStrike" kern="0" cap="none" spc="-150" normalizeH="0" baseline="0" noProof="0" dirty="0">
+              <a:ln>
+                <a:noFill/>
+              </a:ln>
+              <a:solidFill>
+                <a:prstClr val="white"/>
+              </a:solidFill>
+              <a:effectLst/>
+              <a:uLnTx/>
+              <a:uFillTx/>
+              <a:cs typeface="+mn-ea"/>
+              <a:sym typeface="+mn-lt"/>
+            </a:endParaRPr>
+          </a:p>
+        </p:txBody>
+      </p:sp>
+      <p:sp>
+        <p:nvSpPr>
+          <p:cNvPr id="11" name="文本框 10"/>
+          <p:cNvSpPr txBox="1"/>
+          <p:nvPr/>
+        </p:nvSpPr>
+        <p:spPr>
+          <a:xfrm>
+            <a:off x="860389" y="290687"/>
+            <a:ext cx="3711272" cy="522451"/>
+          </a:xfrm>
+          <a:prstGeom prst="rect">
+            <a:avLst/>
+          </a:prstGeom>
+          <a:noFill/>
+        </p:spPr>
+        <p:txBody>
+          <a:bodyPr wrap="none" rtlCol="0">
+            <a:spAutoFit/>
+          </a:bodyPr>
+          <a:lstStyle/>
+          <a:p>
+            <a:pPr marL="0" marR="0" lvl="0" indent="0" defTabSz="914400" eaLnBrk="1" fontAlgn="auto" latinLnBrk="0" hangingPunct="1">
+              <a:lnSpc>
+                <a:spcPct val="130000"/>
+              </a:lnSpc>
+              <a:buClrTx/>
+              <a:buSzTx/>
+              <a:buFontTx/>
+              <a:buNone/>
+              <a:defRPr/>
+            </a:pPr>
+            <a:r>
+              <a:rPr kumimoji="0" lang="en-US" altLang="zh-CN" sz="2400" b="1" i="0" u="none" strike="noStrike" kern="0" cap="none" spc="0" normalizeH="0" baseline="0" noProof="0" dirty="0">
+                <a:ln>
+                  <a:noFill/>
+                </a:ln>
+                <a:solidFill>
+                  <a:prstClr val="black"/>
+                </a:solidFill>
+                <a:effectLst/>
+                <a:uLnTx/>
+                <a:uFillTx/>
+                <a:cs typeface="+mn-ea"/>
+                <a:sym typeface="+mn-lt"/>
+              </a:rPr>
+              <a:t>Kubernetes ADVANCED</a:t>
+            </a:r>
+            <a:endParaRPr kumimoji="0" lang="zh-CN" altLang="en-US" sz="2400" b="1" i="0" u="none" strike="noStrike" kern="0" cap="none" spc="0" normalizeH="0" baseline="0" noProof="0" dirty="0">
+              <a:ln>
+                <a:noFill/>
+              </a:ln>
+              <a:solidFill>
+                <a:prstClr val="black"/>
+              </a:solidFill>
+              <a:effectLst/>
+              <a:uLnTx/>
+              <a:uFillTx/>
+              <a:cs typeface="+mn-ea"/>
+              <a:sym typeface="+mn-lt"/>
+            </a:endParaRPr>
+          </a:p>
+        </p:txBody>
+      </p:sp>
+      <p:pic>
+        <p:nvPicPr>
+          <p:cNvPr id="9" name="图片 8">
+            <a:extLst>
+              <a:ext uri="{FF2B5EF4-FFF2-40B4-BE49-F238E27FC236}">
+                <a16:creationId xmlns:a16="http://schemas.microsoft.com/office/drawing/2014/main" id="{3DE36822-08DF-4A6A-934B-7BC5EB4ED94C}"/>
+              </a:ext>
+            </a:extLst>
+          </p:cNvPr>
+          <p:cNvPicPr>
+            <a:picLocks noChangeAspect="1"/>
+          </p:cNvPicPr>
+          <p:nvPr/>
+        </p:nvPicPr>
+        <p:blipFill>
+          <a:blip r:embed="rId2"/>
+          <a:stretch>
+            <a:fillRect/>
+          </a:stretch>
+        </p:blipFill>
+        <p:spPr>
+          <a:xfrm>
+            <a:off x="9956369" y="290687"/>
+            <a:ext cx="1925856" cy="490330"/>
+          </a:xfrm>
+          <a:prstGeom prst="rect">
+            <a:avLst/>
+          </a:prstGeom>
+        </p:spPr>
+      </p:pic>
+      <p:pic>
+        <p:nvPicPr>
+          <p:cNvPr id="3" name="图片 2">
+            <a:extLst>
+              <a:ext uri="{FF2B5EF4-FFF2-40B4-BE49-F238E27FC236}">
+                <a16:creationId xmlns:a16="http://schemas.microsoft.com/office/drawing/2014/main" id="{9E8805E8-3F77-4084-9D92-CC8F9F222918}"/>
+              </a:ext>
+            </a:extLst>
+          </p:cNvPr>
+          <p:cNvPicPr>
+            <a:picLocks noChangeAspect="1"/>
+          </p:cNvPicPr>
+          <p:nvPr/>
+        </p:nvPicPr>
+        <p:blipFill>
+          <a:blip r:embed="rId3"/>
+          <a:stretch>
+            <a:fillRect/>
+          </a:stretch>
+        </p:blipFill>
+        <p:spPr>
+          <a:xfrm>
+            <a:off x="664841" y="1749090"/>
+            <a:ext cx="6210300" cy="1009650"/>
+          </a:xfrm>
+          <a:prstGeom prst="rect">
+            <a:avLst/>
+          </a:prstGeom>
+        </p:spPr>
+      </p:pic>
+      <p:sp>
+        <p:nvSpPr>
+          <p:cNvPr id="13" name="文本框 12">
+            <a:extLst>
+              <a:ext uri="{FF2B5EF4-FFF2-40B4-BE49-F238E27FC236}">
+                <a16:creationId xmlns:a16="http://schemas.microsoft.com/office/drawing/2014/main" id="{B4BFF59A-E258-423F-A7E5-76866BF286CE}"/>
+              </a:ext>
+            </a:extLst>
+          </p:cNvPr>
+          <p:cNvSpPr txBox="1"/>
+          <p:nvPr/>
+        </p:nvSpPr>
+        <p:spPr>
+          <a:xfrm>
+            <a:off x="664841" y="1162152"/>
+            <a:ext cx="6094268" cy="369332"/>
+          </a:xfrm>
+          <a:prstGeom prst="rect">
+            <a:avLst/>
+          </a:prstGeom>
+          <a:noFill/>
+        </p:spPr>
+        <p:txBody>
+          <a:bodyPr wrap="square">
+            <a:spAutoFit/>
+          </a:bodyPr>
+          <a:lstStyle/>
+          <a:p>
+            <a:r>
+              <a:rPr lang="en-US" altLang="zh-CN" sz="1800" b="1" dirty="0">
+                <a:solidFill>
+                  <a:srgbClr val="24292E"/>
+                </a:solidFill>
+                <a:effectLst/>
+                <a:latin typeface="微软雅黑" panose="020B0503020204020204" pitchFamily="34" charset="-122"/>
+                <a:ea typeface="微软雅黑" panose="020B0503020204020204" pitchFamily="34" charset="-122"/>
+              </a:rPr>
+              <a:t>JobSpec  </a:t>
+            </a:r>
+            <a:endParaRPr lang="zh-CN" altLang="en-US" dirty="0"/>
+          </a:p>
+        </p:txBody>
+      </p:sp>
+      <p:pic>
+        <p:nvPicPr>
+          <p:cNvPr id="4" name="图片 3">
+            <a:extLst>
+              <a:ext uri="{FF2B5EF4-FFF2-40B4-BE49-F238E27FC236}">
+                <a16:creationId xmlns:a16="http://schemas.microsoft.com/office/drawing/2014/main" id="{B346EA9C-0DB0-445E-ABE2-8588ABBC34A8}"/>
+              </a:ext>
+            </a:extLst>
+          </p:cNvPr>
+          <p:cNvPicPr>
+            <a:picLocks noChangeAspect="1"/>
+          </p:cNvPicPr>
+          <p:nvPr/>
+        </p:nvPicPr>
+        <p:blipFill>
+          <a:blip r:embed="rId4"/>
+          <a:stretch>
+            <a:fillRect/>
+          </a:stretch>
+        </p:blipFill>
+        <p:spPr>
+          <a:xfrm>
+            <a:off x="664841" y="2976346"/>
+            <a:ext cx="11028571" cy="2085714"/>
+          </a:xfrm>
+          <a:prstGeom prst="rect">
+            <a:avLst/>
+          </a:prstGeom>
+        </p:spPr>
+      </p:pic>
+    </p:spTree>
+    <p:extLst>
+      <p:ext uri="{BB962C8B-B14F-4D97-AF65-F5344CB8AC3E}">
+        <p14:creationId xmlns:p14="http://schemas.microsoft.com/office/powerpoint/2010/main" val="433471657"/>
+      </p:ext>
+    </p:extLst>
+  </p:cSld>
+  <p:clrMapOvr>
+    <a:masterClrMapping/>
+  </p:clrMapOvr>
+</p:sld>
+</file>
+
+<file path=ppt/slides/slide35.xml><?xml version="1.0" encoding="utf-8"?>
+<p:sld xmlns:a="http://schemas.openxmlformats.org/drawingml/2006/main" xmlns:r="http://schemas.openxmlformats.org/officeDocument/2006/relationships" xmlns:p="http://schemas.openxmlformats.org/presentationml/2006/main">
+  <p:cSld>
+    <p:spTree>
+      <p:nvGrpSpPr>
+        <p:cNvPr id="1" name=""/>
+        <p:cNvGrpSpPr/>
+        <p:nvPr/>
+      </p:nvGrpSpPr>
+      <p:grpSpPr>
+        <a:xfrm>
+          <a:off x="0" y="0"/>
+          <a:ext cx="0" cy="0"/>
+          <a:chOff x="0" y="0"/>
+          <a:chExt cx="0" cy="0"/>
+        </a:xfrm>
+      </p:grpSpPr>
+      <p:sp>
+        <p:nvSpPr>
+          <p:cNvPr id="10" name="文本框 9"/>
+          <p:cNvSpPr txBox="1"/>
+          <p:nvPr/>
+        </p:nvSpPr>
+        <p:spPr>
+          <a:xfrm>
+            <a:off x="309775" y="290688"/>
+            <a:ext cx="489236" cy="522451"/>
+          </a:xfrm>
+          <a:prstGeom prst="rect">
+            <a:avLst/>
+          </a:prstGeom>
+          <a:noFill/>
+        </p:spPr>
+        <p:txBody>
+          <a:bodyPr wrap="none" rtlCol="0">
+            <a:spAutoFit/>
+          </a:bodyPr>
+          <a:lstStyle/>
+          <a:p>
+            <a:pPr marL="0" marR="0" lvl="0" indent="0" algn="ctr" defTabSz="914400" eaLnBrk="1" fontAlgn="auto" latinLnBrk="0" hangingPunct="1">
+              <a:lnSpc>
+                <a:spcPct val="130000"/>
+              </a:lnSpc>
+              <a:buClrTx/>
+              <a:buSzTx/>
+              <a:buFontTx/>
+              <a:buNone/>
+              <a:defRPr/>
+            </a:pPr>
+            <a:r>
+              <a:rPr kumimoji="0" lang="en-US" altLang="zh-CN" sz="2400" b="1" i="0" u="none" strike="noStrike" kern="0" cap="none" spc="-150" normalizeH="0" baseline="0" noProof="0" dirty="0">
+                <a:ln>
+                  <a:noFill/>
+                </a:ln>
+                <a:solidFill>
+                  <a:prstClr val="white"/>
+                </a:solidFill>
+                <a:effectLst/>
+                <a:uLnTx/>
+                <a:uFillTx/>
+                <a:cs typeface="+mn-ea"/>
+                <a:sym typeface="+mn-lt"/>
+              </a:rPr>
+              <a:t>02</a:t>
+            </a:r>
+            <a:endParaRPr kumimoji="0" lang="zh-CN" altLang="en-US" sz="2400" b="1" i="0" u="none" strike="noStrike" kern="0" cap="none" spc="-150" normalizeH="0" baseline="0" noProof="0" dirty="0">
+              <a:ln>
+                <a:noFill/>
+              </a:ln>
+              <a:solidFill>
+                <a:prstClr val="white"/>
+              </a:solidFill>
+              <a:effectLst/>
+              <a:uLnTx/>
+              <a:uFillTx/>
+              <a:cs typeface="+mn-ea"/>
+              <a:sym typeface="+mn-lt"/>
+            </a:endParaRPr>
+          </a:p>
+        </p:txBody>
+      </p:sp>
+      <p:sp>
+        <p:nvSpPr>
+          <p:cNvPr id="11" name="文本框 10"/>
+          <p:cNvSpPr txBox="1"/>
+          <p:nvPr/>
+        </p:nvSpPr>
+        <p:spPr>
+          <a:xfrm>
+            <a:off x="860389" y="290687"/>
+            <a:ext cx="3711272" cy="522451"/>
+          </a:xfrm>
+          <a:prstGeom prst="rect">
+            <a:avLst/>
+          </a:prstGeom>
+          <a:noFill/>
+        </p:spPr>
+        <p:txBody>
+          <a:bodyPr wrap="none" rtlCol="0">
+            <a:spAutoFit/>
+          </a:bodyPr>
+          <a:lstStyle/>
+          <a:p>
+            <a:pPr marL="0" marR="0" lvl="0" indent="0" defTabSz="914400" eaLnBrk="1" fontAlgn="auto" latinLnBrk="0" hangingPunct="1">
+              <a:lnSpc>
+                <a:spcPct val="130000"/>
+              </a:lnSpc>
+              <a:buClrTx/>
+              <a:buSzTx/>
+              <a:buFontTx/>
+              <a:buNone/>
+              <a:defRPr/>
+            </a:pPr>
+            <a:r>
+              <a:rPr kumimoji="0" lang="en-US" altLang="zh-CN" sz="2400" b="1" i="0" u="none" strike="noStrike" kern="0" cap="none" spc="0" normalizeH="0" baseline="0" noProof="0" dirty="0">
+                <a:ln>
+                  <a:noFill/>
+                </a:ln>
+                <a:solidFill>
+                  <a:prstClr val="black"/>
+                </a:solidFill>
+                <a:effectLst/>
+                <a:uLnTx/>
+                <a:uFillTx/>
+                <a:cs typeface="+mn-ea"/>
+                <a:sym typeface="+mn-lt"/>
+              </a:rPr>
+              <a:t>Kubernetes ADVANCED</a:t>
+            </a:r>
+            <a:endParaRPr kumimoji="0" lang="zh-CN" altLang="en-US" sz="2400" b="1" i="0" u="none" strike="noStrike" kern="0" cap="none" spc="0" normalizeH="0" baseline="0" noProof="0" dirty="0">
+              <a:ln>
+                <a:noFill/>
+              </a:ln>
+              <a:solidFill>
+                <a:prstClr val="black"/>
+              </a:solidFill>
+              <a:effectLst/>
+              <a:uLnTx/>
+              <a:uFillTx/>
+              <a:cs typeface="+mn-ea"/>
+              <a:sym typeface="+mn-lt"/>
+            </a:endParaRPr>
+          </a:p>
+        </p:txBody>
+      </p:sp>
+      <p:pic>
+        <p:nvPicPr>
+          <p:cNvPr id="9" name="图片 8">
+            <a:extLst>
+              <a:ext uri="{FF2B5EF4-FFF2-40B4-BE49-F238E27FC236}">
+                <a16:creationId xmlns:a16="http://schemas.microsoft.com/office/drawing/2014/main" id="{3DE36822-08DF-4A6A-934B-7BC5EB4ED94C}"/>
+              </a:ext>
+            </a:extLst>
+          </p:cNvPr>
+          <p:cNvPicPr>
+            <a:picLocks noChangeAspect="1"/>
+          </p:cNvPicPr>
+          <p:nvPr/>
+        </p:nvPicPr>
+        <p:blipFill>
+          <a:blip r:embed="rId2"/>
+          <a:stretch>
+            <a:fillRect/>
+          </a:stretch>
+        </p:blipFill>
+        <p:spPr>
+          <a:xfrm>
+            <a:off x="9956369" y="290687"/>
+            <a:ext cx="1925856" cy="490330"/>
+          </a:xfrm>
+          <a:prstGeom prst="rect">
+            <a:avLst/>
+          </a:prstGeom>
+        </p:spPr>
+      </p:pic>
+      <p:pic>
+        <p:nvPicPr>
+          <p:cNvPr id="3" name="图片 2">
+            <a:extLst>
+              <a:ext uri="{FF2B5EF4-FFF2-40B4-BE49-F238E27FC236}">
+                <a16:creationId xmlns:a16="http://schemas.microsoft.com/office/drawing/2014/main" id="{9E8805E8-3F77-4084-9D92-CC8F9F222918}"/>
+              </a:ext>
+            </a:extLst>
+          </p:cNvPr>
+          <p:cNvPicPr>
+            <a:picLocks noChangeAspect="1"/>
+          </p:cNvPicPr>
+          <p:nvPr/>
+        </p:nvPicPr>
+        <p:blipFill>
+          <a:blip r:embed="rId3"/>
+          <a:stretch>
+            <a:fillRect/>
+          </a:stretch>
+        </p:blipFill>
+        <p:spPr>
+          <a:xfrm>
+            <a:off x="664841" y="1749090"/>
+            <a:ext cx="6210300" cy="1009650"/>
+          </a:xfrm>
+          <a:prstGeom prst="rect">
+            <a:avLst/>
+          </a:prstGeom>
+        </p:spPr>
+      </p:pic>
+      <p:sp>
+        <p:nvSpPr>
+          <p:cNvPr id="13" name="文本框 12">
+            <a:extLst>
+              <a:ext uri="{FF2B5EF4-FFF2-40B4-BE49-F238E27FC236}">
+                <a16:creationId xmlns:a16="http://schemas.microsoft.com/office/drawing/2014/main" id="{B4BFF59A-E258-423F-A7E5-76866BF286CE}"/>
+              </a:ext>
+            </a:extLst>
+          </p:cNvPr>
+          <p:cNvSpPr txBox="1"/>
+          <p:nvPr/>
+        </p:nvSpPr>
+        <p:spPr>
+          <a:xfrm>
+            <a:off x="664841" y="1162152"/>
+            <a:ext cx="6094268" cy="369332"/>
+          </a:xfrm>
+          <a:prstGeom prst="rect">
+            <a:avLst/>
+          </a:prstGeom>
+          <a:noFill/>
+        </p:spPr>
+        <p:txBody>
+          <a:bodyPr wrap="square">
+            <a:spAutoFit/>
+          </a:bodyPr>
+          <a:lstStyle/>
+          <a:p>
+            <a:r>
+              <a:rPr lang="en-US" altLang="zh-CN" sz="1800" b="1" dirty="0">
+                <a:solidFill>
+                  <a:srgbClr val="24292E"/>
+                </a:solidFill>
+                <a:effectLst/>
+                <a:latin typeface="微软雅黑" panose="020B0503020204020204" pitchFamily="34" charset="-122"/>
+                <a:ea typeface="微软雅黑" panose="020B0503020204020204" pitchFamily="34" charset="-122"/>
+              </a:rPr>
+              <a:t>JobSpec  </a:t>
+            </a:r>
+            <a:endParaRPr lang="zh-CN" altLang="en-US" dirty="0"/>
+          </a:p>
+        </p:txBody>
+      </p:sp>
+      <p:pic>
+        <p:nvPicPr>
+          <p:cNvPr id="5" name="图片 4">
+            <a:extLst>
+              <a:ext uri="{FF2B5EF4-FFF2-40B4-BE49-F238E27FC236}">
+                <a16:creationId xmlns:a16="http://schemas.microsoft.com/office/drawing/2014/main" id="{2F14CCF3-1530-4F9B-AA5E-7916384E2821}"/>
+              </a:ext>
+            </a:extLst>
+          </p:cNvPr>
+          <p:cNvPicPr>
+            <a:picLocks noChangeAspect="1"/>
+          </p:cNvPicPr>
+          <p:nvPr/>
+        </p:nvPicPr>
+        <p:blipFill>
+          <a:blip r:embed="rId4"/>
+          <a:stretch>
+            <a:fillRect/>
+          </a:stretch>
+        </p:blipFill>
+        <p:spPr>
+          <a:xfrm>
+            <a:off x="681982" y="3183129"/>
+            <a:ext cx="6774534" cy="2735139"/>
+          </a:xfrm>
+          <a:prstGeom prst="rect">
+            <a:avLst/>
+          </a:prstGeom>
+        </p:spPr>
+      </p:pic>
+    </p:spTree>
+    <p:extLst>
+      <p:ext uri="{BB962C8B-B14F-4D97-AF65-F5344CB8AC3E}">
+        <p14:creationId xmlns:p14="http://schemas.microsoft.com/office/powerpoint/2010/main" val="610028461"/>
+      </p:ext>
+    </p:extLst>
+  </p:cSld>
+  <p:clrMapOvr>
+    <a:masterClrMapping/>
+  </p:clrMapOvr>
+</p:sld>
+</file>
+
+<file path=ppt/slides/slide36.xml><?xml version="1.0" encoding="utf-8"?>
+<p:sld xmlns:a="http://schemas.openxmlformats.org/drawingml/2006/main" xmlns:r="http://schemas.openxmlformats.org/officeDocument/2006/relationships" xmlns:p="http://schemas.openxmlformats.org/presentationml/2006/main">
+  <p:cSld>
+    <p:spTree>
+      <p:nvGrpSpPr>
+        <p:cNvPr id="1" name=""/>
+        <p:cNvGrpSpPr/>
+        <p:nvPr/>
+      </p:nvGrpSpPr>
+      <p:grpSpPr>
+        <a:xfrm>
+          <a:off x="0" y="0"/>
+          <a:ext cx="0" cy="0"/>
+          <a:chOff x="0" y="0"/>
+          <a:chExt cx="0" cy="0"/>
+        </a:xfrm>
+      </p:grpSpPr>
+      <p:sp>
+        <p:nvSpPr>
+          <p:cNvPr id="10" name="文本框 9"/>
+          <p:cNvSpPr txBox="1"/>
+          <p:nvPr/>
+        </p:nvSpPr>
+        <p:spPr>
+          <a:xfrm>
+            <a:off x="309775" y="290688"/>
+            <a:ext cx="489236" cy="522451"/>
+          </a:xfrm>
+          <a:prstGeom prst="rect">
+            <a:avLst/>
+          </a:prstGeom>
+          <a:noFill/>
+        </p:spPr>
+        <p:txBody>
+          <a:bodyPr wrap="none" rtlCol="0">
+            <a:spAutoFit/>
+          </a:bodyPr>
+          <a:lstStyle/>
+          <a:p>
+            <a:pPr marL="0" marR="0" lvl="0" indent="0" algn="ctr" defTabSz="914400" eaLnBrk="1" fontAlgn="auto" latinLnBrk="0" hangingPunct="1">
+              <a:lnSpc>
+                <a:spcPct val="130000"/>
+              </a:lnSpc>
+              <a:buClrTx/>
+              <a:buSzTx/>
+              <a:buFontTx/>
+              <a:buNone/>
+              <a:defRPr/>
+            </a:pPr>
+            <a:r>
+              <a:rPr kumimoji="0" lang="en-US" altLang="zh-CN" sz="2400" b="1" i="0" u="none" strike="noStrike" kern="0" cap="none" spc="-150" normalizeH="0" baseline="0" noProof="0" dirty="0">
+                <a:ln>
+                  <a:noFill/>
+                </a:ln>
+                <a:solidFill>
+                  <a:prstClr val="white"/>
+                </a:solidFill>
+                <a:effectLst/>
+                <a:uLnTx/>
+                <a:uFillTx/>
+                <a:cs typeface="+mn-ea"/>
+                <a:sym typeface="+mn-lt"/>
+              </a:rPr>
+              <a:t>02</a:t>
+            </a:r>
+            <a:endParaRPr kumimoji="0" lang="zh-CN" altLang="en-US" sz="2400" b="1" i="0" u="none" strike="noStrike" kern="0" cap="none" spc="-150" normalizeH="0" baseline="0" noProof="0" dirty="0">
+              <a:ln>
+                <a:noFill/>
+              </a:ln>
+              <a:solidFill>
+                <a:prstClr val="white"/>
+              </a:solidFill>
+              <a:effectLst/>
+              <a:uLnTx/>
+              <a:uFillTx/>
+              <a:cs typeface="+mn-ea"/>
+              <a:sym typeface="+mn-lt"/>
+            </a:endParaRPr>
+          </a:p>
+        </p:txBody>
+      </p:sp>
+      <p:sp>
+        <p:nvSpPr>
+          <p:cNvPr id="11" name="文本框 10"/>
+          <p:cNvSpPr txBox="1"/>
+          <p:nvPr/>
+        </p:nvSpPr>
+        <p:spPr>
+          <a:xfrm>
+            <a:off x="860389" y="290687"/>
+            <a:ext cx="3711272" cy="522451"/>
+          </a:xfrm>
+          <a:prstGeom prst="rect">
+            <a:avLst/>
+          </a:prstGeom>
+          <a:noFill/>
+        </p:spPr>
+        <p:txBody>
+          <a:bodyPr wrap="none" rtlCol="0">
+            <a:spAutoFit/>
+          </a:bodyPr>
+          <a:lstStyle/>
+          <a:p>
+            <a:pPr marL="0" marR="0" lvl="0" indent="0" defTabSz="914400" eaLnBrk="1" fontAlgn="auto" latinLnBrk="0" hangingPunct="1">
+              <a:lnSpc>
+                <a:spcPct val="130000"/>
+              </a:lnSpc>
+              <a:buClrTx/>
+              <a:buSzTx/>
+              <a:buFontTx/>
+              <a:buNone/>
+              <a:defRPr/>
+            </a:pPr>
+            <a:r>
+              <a:rPr kumimoji="0" lang="en-US" altLang="zh-CN" sz="2400" b="1" i="0" u="none" strike="noStrike" kern="0" cap="none" spc="0" normalizeH="0" baseline="0" noProof="0" dirty="0">
+                <a:ln>
+                  <a:noFill/>
+                </a:ln>
+                <a:solidFill>
+                  <a:prstClr val="black"/>
+                </a:solidFill>
+                <a:effectLst/>
+                <a:uLnTx/>
+                <a:uFillTx/>
+                <a:cs typeface="+mn-ea"/>
+                <a:sym typeface="+mn-lt"/>
+              </a:rPr>
+              <a:t>Kubernetes ADVANCED</a:t>
+            </a:r>
+            <a:endParaRPr kumimoji="0" lang="zh-CN" altLang="en-US" sz="2400" b="1" i="0" u="none" strike="noStrike" kern="0" cap="none" spc="0" normalizeH="0" baseline="0" noProof="0" dirty="0">
+              <a:ln>
+                <a:noFill/>
+              </a:ln>
+              <a:solidFill>
+                <a:prstClr val="black"/>
+              </a:solidFill>
+              <a:effectLst/>
+              <a:uLnTx/>
+              <a:uFillTx/>
+              <a:cs typeface="+mn-ea"/>
+              <a:sym typeface="+mn-lt"/>
+            </a:endParaRPr>
+          </a:p>
+        </p:txBody>
+      </p:sp>
+      <p:pic>
+        <p:nvPicPr>
+          <p:cNvPr id="9" name="图片 8">
+            <a:extLst>
+              <a:ext uri="{FF2B5EF4-FFF2-40B4-BE49-F238E27FC236}">
+                <a16:creationId xmlns:a16="http://schemas.microsoft.com/office/drawing/2014/main" id="{3DE36822-08DF-4A6A-934B-7BC5EB4ED94C}"/>
+              </a:ext>
+            </a:extLst>
+          </p:cNvPr>
+          <p:cNvPicPr>
+            <a:picLocks noChangeAspect="1"/>
+          </p:cNvPicPr>
+          <p:nvPr/>
+        </p:nvPicPr>
+        <p:blipFill>
+          <a:blip r:embed="rId2"/>
+          <a:stretch>
+            <a:fillRect/>
+          </a:stretch>
+        </p:blipFill>
+        <p:spPr>
+          <a:xfrm>
+            <a:off x="9956369" y="290687"/>
+            <a:ext cx="1925856" cy="490330"/>
+          </a:xfrm>
+          <a:prstGeom prst="rect">
+            <a:avLst/>
+          </a:prstGeom>
+        </p:spPr>
+      </p:pic>
+      <p:pic>
+        <p:nvPicPr>
+          <p:cNvPr id="3" name="图片 2">
+            <a:extLst>
+              <a:ext uri="{FF2B5EF4-FFF2-40B4-BE49-F238E27FC236}">
+                <a16:creationId xmlns:a16="http://schemas.microsoft.com/office/drawing/2014/main" id="{9E8805E8-3F77-4084-9D92-CC8F9F222918}"/>
+              </a:ext>
+            </a:extLst>
+          </p:cNvPr>
+          <p:cNvPicPr>
+            <a:picLocks noChangeAspect="1"/>
+          </p:cNvPicPr>
+          <p:nvPr/>
+        </p:nvPicPr>
+        <p:blipFill>
+          <a:blip r:embed="rId3"/>
+          <a:stretch>
+            <a:fillRect/>
+          </a:stretch>
+        </p:blipFill>
+        <p:spPr>
+          <a:xfrm>
+            <a:off x="664841" y="1749090"/>
+            <a:ext cx="6210300" cy="1009650"/>
+          </a:xfrm>
+          <a:prstGeom prst="rect">
+            <a:avLst/>
+          </a:prstGeom>
+        </p:spPr>
+      </p:pic>
+      <p:sp>
+        <p:nvSpPr>
+          <p:cNvPr id="13" name="文本框 12">
+            <a:extLst>
+              <a:ext uri="{FF2B5EF4-FFF2-40B4-BE49-F238E27FC236}">
+                <a16:creationId xmlns:a16="http://schemas.microsoft.com/office/drawing/2014/main" id="{B4BFF59A-E258-423F-A7E5-76866BF286CE}"/>
+              </a:ext>
+            </a:extLst>
+          </p:cNvPr>
+          <p:cNvSpPr txBox="1"/>
+          <p:nvPr/>
+        </p:nvSpPr>
+        <p:spPr>
+          <a:xfrm>
+            <a:off x="664841" y="1162152"/>
+            <a:ext cx="6094268" cy="369332"/>
+          </a:xfrm>
+          <a:prstGeom prst="rect">
+            <a:avLst/>
+          </a:prstGeom>
+          <a:noFill/>
+        </p:spPr>
+        <p:txBody>
+          <a:bodyPr wrap="square">
+            <a:spAutoFit/>
+          </a:bodyPr>
+          <a:lstStyle/>
+          <a:p>
+            <a:r>
+              <a:rPr lang="en-US" altLang="zh-CN" sz="1800" b="1" dirty="0">
+                <a:solidFill>
+                  <a:srgbClr val="24292E"/>
+                </a:solidFill>
+                <a:effectLst/>
+                <a:latin typeface="微软雅黑" panose="020B0503020204020204" pitchFamily="34" charset="-122"/>
+                <a:ea typeface="微软雅黑" panose="020B0503020204020204" pitchFamily="34" charset="-122"/>
+              </a:rPr>
+              <a:t>JobSpec  </a:t>
+            </a:r>
+            <a:endParaRPr lang="zh-CN" altLang="en-US" dirty="0"/>
+          </a:p>
+        </p:txBody>
+      </p:sp>
+      <p:pic>
+        <p:nvPicPr>
+          <p:cNvPr id="5" name="图片 4">
+            <a:extLst>
+              <a:ext uri="{FF2B5EF4-FFF2-40B4-BE49-F238E27FC236}">
+                <a16:creationId xmlns:a16="http://schemas.microsoft.com/office/drawing/2014/main" id="{10521AC6-C0E8-40D8-8696-6EB5C43FEAF9}"/>
+              </a:ext>
+            </a:extLst>
+          </p:cNvPr>
+          <p:cNvPicPr>
+            <a:picLocks noChangeAspect="1"/>
+          </p:cNvPicPr>
+          <p:nvPr/>
+        </p:nvPicPr>
+        <p:blipFill>
+          <a:blip r:embed="rId4"/>
+          <a:stretch>
+            <a:fillRect/>
+          </a:stretch>
+        </p:blipFill>
+        <p:spPr>
+          <a:xfrm>
+            <a:off x="664841" y="2917560"/>
+            <a:ext cx="7733251" cy="3617589"/>
+          </a:xfrm>
+          <a:prstGeom prst="rect">
+            <a:avLst/>
+          </a:prstGeom>
+        </p:spPr>
+      </p:pic>
+    </p:spTree>
+    <p:extLst>
+      <p:ext uri="{BB962C8B-B14F-4D97-AF65-F5344CB8AC3E}">
+        <p14:creationId xmlns:p14="http://schemas.microsoft.com/office/powerpoint/2010/main" val="2151602281"/>
+      </p:ext>
+    </p:extLst>
+  </p:cSld>
+  <p:clrMapOvr>
+    <a:masterClrMapping/>
+  </p:clrMapOvr>
+</p:sld>
+</file>
+
+<file path=ppt/slides/slide37.xml><?xml version="1.0" encoding="utf-8"?>
+<p:sld xmlns:a="http://schemas.openxmlformats.org/drawingml/2006/main" xmlns:r="http://schemas.openxmlformats.org/officeDocument/2006/relationships" xmlns:p="http://schemas.openxmlformats.org/presentationml/2006/main">
+  <p:cSld>
+    <p:spTree>
+      <p:nvGrpSpPr>
+        <p:cNvPr id="1" name=""/>
+        <p:cNvGrpSpPr/>
+        <p:nvPr/>
+      </p:nvGrpSpPr>
+      <p:grpSpPr>
+        <a:xfrm>
+          <a:off x="0" y="0"/>
+          <a:ext cx="0" cy="0"/>
+          <a:chOff x="0" y="0"/>
+          <a:chExt cx="0" cy="0"/>
+        </a:xfrm>
+      </p:grpSpPr>
+      <p:sp>
+        <p:nvSpPr>
+          <p:cNvPr id="10" name="文本框 9"/>
+          <p:cNvSpPr txBox="1"/>
+          <p:nvPr/>
+        </p:nvSpPr>
+        <p:spPr>
+          <a:xfrm>
+            <a:off x="309775" y="290688"/>
+            <a:ext cx="489236" cy="522451"/>
+          </a:xfrm>
+          <a:prstGeom prst="rect">
+            <a:avLst/>
+          </a:prstGeom>
+          <a:noFill/>
+        </p:spPr>
+        <p:txBody>
+          <a:bodyPr wrap="none" rtlCol="0">
+            <a:spAutoFit/>
+          </a:bodyPr>
+          <a:lstStyle/>
+          <a:p>
+            <a:pPr marL="0" marR="0" lvl="0" indent="0" algn="ctr" defTabSz="914400" eaLnBrk="1" fontAlgn="auto" latinLnBrk="0" hangingPunct="1">
+              <a:lnSpc>
+                <a:spcPct val="130000"/>
+              </a:lnSpc>
+              <a:buClrTx/>
+              <a:buSzTx/>
+              <a:buFontTx/>
+              <a:buNone/>
+              <a:defRPr/>
+            </a:pPr>
+            <a:r>
+              <a:rPr kumimoji="0" lang="en-US" altLang="zh-CN" sz="2400" b="1" i="0" u="none" strike="noStrike" kern="0" cap="none" spc="-150" normalizeH="0" baseline="0" noProof="0" dirty="0">
+                <a:ln>
+                  <a:noFill/>
+                </a:ln>
+                <a:solidFill>
+                  <a:prstClr val="white"/>
+                </a:solidFill>
+                <a:effectLst/>
+                <a:uLnTx/>
+                <a:uFillTx/>
+                <a:cs typeface="+mn-ea"/>
+                <a:sym typeface="+mn-lt"/>
+              </a:rPr>
+              <a:t>02</a:t>
+            </a:r>
+            <a:endParaRPr kumimoji="0" lang="zh-CN" altLang="en-US" sz="2400" b="1" i="0" u="none" strike="noStrike" kern="0" cap="none" spc="-150" normalizeH="0" baseline="0" noProof="0" dirty="0">
+              <a:ln>
+                <a:noFill/>
+              </a:ln>
+              <a:solidFill>
+                <a:prstClr val="white"/>
+              </a:solidFill>
+              <a:effectLst/>
+              <a:uLnTx/>
+              <a:uFillTx/>
+              <a:cs typeface="+mn-ea"/>
+              <a:sym typeface="+mn-lt"/>
+            </a:endParaRPr>
+          </a:p>
+        </p:txBody>
+      </p:sp>
+      <p:sp>
+        <p:nvSpPr>
+          <p:cNvPr id="11" name="文本框 10"/>
+          <p:cNvSpPr txBox="1"/>
+          <p:nvPr/>
+        </p:nvSpPr>
+        <p:spPr>
+          <a:xfrm>
+            <a:off x="860389" y="290687"/>
+            <a:ext cx="3711272" cy="522451"/>
+          </a:xfrm>
+          <a:prstGeom prst="rect">
+            <a:avLst/>
+          </a:prstGeom>
+          <a:noFill/>
+        </p:spPr>
+        <p:txBody>
+          <a:bodyPr wrap="none" rtlCol="0">
+            <a:spAutoFit/>
+          </a:bodyPr>
+          <a:lstStyle/>
+          <a:p>
+            <a:pPr marL="0" marR="0" lvl="0" indent="0" defTabSz="914400" eaLnBrk="1" fontAlgn="auto" latinLnBrk="0" hangingPunct="1">
+              <a:lnSpc>
+                <a:spcPct val="130000"/>
+              </a:lnSpc>
+              <a:buClrTx/>
+              <a:buSzTx/>
+              <a:buFontTx/>
+              <a:buNone/>
+              <a:defRPr/>
+            </a:pPr>
+            <a:r>
+              <a:rPr kumimoji="0" lang="en-US" altLang="zh-CN" sz="2400" b="1" i="0" u="none" strike="noStrike" kern="0" cap="none" spc="0" normalizeH="0" baseline="0" noProof="0" dirty="0">
+                <a:ln>
+                  <a:noFill/>
+                </a:ln>
+                <a:solidFill>
+                  <a:prstClr val="black"/>
+                </a:solidFill>
+                <a:effectLst/>
+                <a:uLnTx/>
+                <a:uFillTx/>
+                <a:cs typeface="+mn-ea"/>
+                <a:sym typeface="+mn-lt"/>
+              </a:rPr>
+              <a:t>Kubernetes ADVANCED</a:t>
+            </a:r>
+            <a:endParaRPr kumimoji="0" lang="zh-CN" altLang="en-US" sz="2400" b="1" i="0" u="none" strike="noStrike" kern="0" cap="none" spc="0" normalizeH="0" baseline="0" noProof="0" dirty="0">
+              <a:ln>
+                <a:noFill/>
+              </a:ln>
+              <a:solidFill>
+                <a:prstClr val="black"/>
+              </a:solidFill>
+              <a:effectLst/>
+              <a:uLnTx/>
+              <a:uFillTx/>
+              <a:cs typeface="+mn-ea"/>
+              <a:sym typeface="+mn-lt"/>
+            </a:endParaRPr>
+          </a:p>
+        </p:txBody>
+      </p:sp>
+      <p:pic>
+        <p:nvPicPr>
+          <p:cNvPr id="9" name="图片 8">
+            <a:extLst>
+              <a:ext uri="{FF2B5EF4-FFF2-40B4-BE49-F238E27FC236}">
+                <a16:creationId xmlns:a16="http://schemas.microsoft.com/office/drawing/2014/main" id="{3DE36822-08DF-4A6A-934B-7BC5EB4ED94C}"/>
+              </a:ext>
+            </a:extLst>
+          </p:cNvPr>
+          <p:cNvPicPr>
+            <a:picLocks noChangeAspect="1"/>
+          </p:cNvPicPr>
+          <p:nvPr/>
+        </p:nvPicPr>
+        <p:blipFill>
+          <a:blip r:embed="rId2"/>
+          <a:stretch>
+            <a:fillRect/>
+          </a:stretch>
+        </p:blipFill>
+        <p:spPr>
+          <a:xfrm>
+            <a:off x="9956369" y="290687"/>
+            <a:ext cx="1925856" cy="490330"/>
+          </a:xfrm>
+          <a:prstGeom prst="rect">
+            <a:avLst/>
+          </a:prstGeom>
+        </p:spPr>
+      </p:pic>
+      <p:sp>
+        <p:nvSpPr>
+          <p:cNvPr id="12" name="文本框 11">
+            <a:extLst>
+              <a:ext uri="{FF2B5EF4-FFF2-40B4-BE49-F238E27FC236}">
+                <a16:creationId xmlns:a16="http://schemas.microsoft.com/office/drawing/2014/main" id="{C4F273FB-C719-4364-A9F5-1F73A6A20343}"/>
+              </a:ext>
+            </a:extLst>
+          </p:cNvPr>
+          <p:cNvSpPr txBox="1"/>
+          <p:nvPr/>
+        </p:nvSpPr>
+        <p:spPr>
+          <a:xfrm>
+            <a:off x="799011" y="1324693"/>
+            <a:ext cx="6097384" cy="369332"/>
+          </a:xfrm>
+          <a:prstGeom prst="rect">
+            <a:avLst/>
+          </a:prstGeom>
+          <a:noFill/>
+        </p:spPr>
+        <p:txBody>
+          <a:bodyPr wrap="square">
+            <a:spAutoFit/>
+          </a:bodyPr>
+          <a:lstStyle/>
+          <a:p>
+            <a:r>
+              <a:rPr lang="en-US" altLang="zh-CN" sz="1800" b="1" dirty="0">
+                <a:solidFill>
+                  <a:srgbClr val="24292E"/>
+                </a:solidFill>
+                <a:effectLst/>
+                <a:latin typeface="微软雅黑" panose="020B0503020204020204" pitchFamily="34" charset="-122"/>
+                <a:ea typeface="微软雅黑" panose="020B0503020204020204" pitchFamily="34" charset="-122"/>
+              </a:rPr>
+              <a:t>CronJobSpec </a:t>
+            </a:r>
+            <a:endParaRPr lang="zh-CN" altLang="en-US" dirty="0"/>
+          </a:p>
+        </p:txBody>
+      </p:sp>
+      <p:pic>
+        <p:nvPicPr>
+          <p:cNvPr id="6" name="图片 5">
+            <a:extLst>
+              <a:ext uri="{FF2B5EF4-FFF2-40B4-BE49-F238E27FC236}">
+                <a16:creationId xmlns:a16="http://schemas.microsoft.com/office/drawing/2014/main" id="{42E5999B-2D73-4741-8E78-3FF3C1F8494D}"/>
+              </a:ext>
+            </a:extLst>
+          </p:cNvPr>
+          <p:cNvPicPr>
+            <a:picLocks noChangeAspect="1"/>
+          </p:cNvPicPr>
+          <p:nvPr/>
+        </p:nvPicPr>
+        <p:blipFill>
+          <a:blip r:embed="rId3"/>
+          <a:stretch>
+            <a:fillRect/>
+          </a:stretch>
+        </p:blipFill>
+        <p:spPr>
+          <a:xfrm>
+            <a:off x="860389" y="2029295"/>
+            <a:ext cx="6229350" cy="657225"/>
+          </a:xfrm>
+          <a:prstGeom prst="rect">
+            <a:avLst/>
+          </a:prstGeom>
+        </p:spPr>
+      </p:pic>
+      <p:pic>
+        <p:nvPicPr>
+          <p:cNvPr id="8" name="图片 7">
+            <a:extLst>
+              <a:ext uri="{FF2B5EF4-FFF2-40B4-BE49-F238E27FC236}">
+                <a16:creationId xmlns:a16="http://schemas.microsoft.com/office/drawing/2014/main" id="{3DEAD031-0CBF-4E71-ACDB-41CFFAAD12D1}"/>
+              </a:ext>
+            </a:extLst>
+          </p:cNvPr>
+          <p:cNvPicPr>
+            <a:picLocks noChangeAspect="1"/>
+          </p:cNvPicPr>
+          <p:nvPr/>
+        </p:nvPicPr>
+        <p:blipFill>
+          <a:blip r:embed="rId4"/>
+          <a:stretch>
+            <a:fillRect/>
+          </a:stretch>
+        </p:blipFill>
+        <p:spPr>
+          <a:xfrm>
+            <a:off x="860389" y="3021790"/>
+            <a:ext cx="6790476" cy="1828571"/>
+          </a:xfrm>
+          <a:prstGeom prst="rect">
+            <a:avLst/>
+          </a:prstGeom>
+        </p:spPr>
+      </p:pic>
+    </p:spTree>
+    <p:extLst>
+      <p:ext uri="{BB962C8B-B14F-4D97-AF65-F5344CB8AC3E}">
+        <p14:creationId xmlns:p14="http://schemas.microsoft.com/office/powerpoint/2010/main" val="3658707599"/>
+      </p:ext>
+    </p:extLst>
+  </p:cSld>
+  <p:clrMapOvr>
+    <a:masterClrMapping/>
+  </p:clrMapOvr>
+</p:sld>
+</file>
+
+<file path=ppt/slides/slide38.xml><?xml version="1.0" encoding="utf-8"?>
+<p:sld xmlns:a="http://schemas.openxmlformats.org/drawingml/2006/main" xmlns:r="http://schemas.openxmlformats.org/officeDocument/2006/relationships" xmlns:p="http://schemas.openxmlformats.org/presentationml/2006/main">
+  <p:cSld>
+    <p:spTree>
+      <p:nvGrpSpPr>
+        <p:cNvPr id="1" name=""/>
+        <p:cNvGrpSpPr/>
+        <p:nvPr/>
+      </p:nvGrpSpPr>
+      <p:grpSpPr>
+        <a:xfrm>
+          <a:off x="0" y="0"/>
+          <a:ext cx="0" cy="0"/>
+          <a:chOff x="0" y="0"/>
+          <a:chExt cx="0" cy="0"/>
+        </a:xfrm>
+      </p:grpSpPr>
+      <p:sp>
+        <p:nvSpPr>
+          <p:cNvPr id="10" name="文本框 9"/>
+          <p:cNvSpPr txBox="1"/>
+          <p:nvPr/>
+        </p:nvSpPr>
+        <p:spPr>
+          <a:xfrm>
+            <a:off x="309775" y="290688"/>
+            <a:ext cx="489236" cy="522451"/>
+          </a:xfrm>
+          <a:prstGeom prst="rect">
+            <a:avLst/>
+          </a:prstGeom>
+          <a:noFill/>
+        </p:spPr>
+        <p:txBody>
+          <a:bodyPr wrap="none" rtlCol="0">
+            <a:spAutoFit/>
+          </a:bodyPr>
+          <a:lstStyle/>
+          <a:p>
+            <a:pPr marL="0" marR="0" lvl="0" indent="0" algn="ctr" defTabSz="914400" eaLnBrk="1" fontAlgn="auto" latinLnBrk="0" hangingPunct="1">
+              <a:lnSpc>
+                <a:spcPct val="130000"/>
+              </a:lnSpc>
+              <a:buClrTx/>
+              <a:buSzTx/>
+              <a:buFontTx/>
+              <a:buNone/>
+              <a:defRPr/>
+            </a:pPr>
+            <a:r>
+              <a:rPr kumimoji="0" lang="en-US" altLang="zh-CN" sz="2400" b="1" i="0" u="none" strike="noStrike" kern="0" cap="none" spc="-150" normalizeH="0" baseline="0" noProof="0" dirty="0">
+                <a:ln>
+                  <a:noFill/>
+                </a:ln>
+                <a:solidFill>
+                  <a:prstClr val="white"/>
+                </a:solidFill>
+                <a:effectLst/>
+                <a:uLnTx/>
+                <a:uFillTx/>
+                <a:cs typeface="+mn-ea"/>
+                <a:sym typeface="+mn-lt"/>
+              </a:rPr>
+              <a:t>02</a:t>
+            </a:r>
+            <a:endParaRPr kumimoji="0" lang="zh-CN" altLang="en-US" sz="2400" b="1" i="0" u="none" strike="noStrike" kern="0" cap="none" spc="-150" normalizeH="0" baseline="0" noProof="0" dirty="0">
+              <a:ln>
+                <a:noFill/>
+              </a:ln>
+              <a:solidFill>
+                <a:prstClr val="white"/>
+              </a:solidFill>
+              <a:effectLst/>
+              <a:uLnTx/>
+              <a:uFillTx/>
+              <a:cs typeface="+mn-ea"/>
+              <a:sym typeface="+mn-lt"/>
+            </a:endParaRPr>
+          </a:p>
+        </p:txBody>
+      </p:sp>
+      <p:sp>
+        <p:nvSpPr>
+          <p:cNvPr id="11" name="文本框 10"/>
+          <p:cNvSpPr txBox="1"/>
+          <p:nvPr/>
+        </p:nvSpPr>
+        <p:spPr>
+          <a:xfrm>
+            <a:off x="860389" y="290687"/>
+            <a:ext cx="3711272" cy="522451"/>
+          </a:xfrm>
+          <a:prstGeom prst="rect">
+            <a:avLst/>
+          </a:prstGeom>
+          <a:noFill/>
+        </p:spPr>
+        <p:txBody>
+          <a:bodyPr wrap="none" rtlCol="0">
+            <a:spAutoFit/>
+          </a:bodyPr>
+          <a:lstStyle/>
+          <a:p>
+            <a:pPr marL="0" marR="0" lvl="0" indent="0" defTabSz="914400" eaLnBrk="1" fontAlgn="auto" latinLnBrk="0" hangingPunct="1">
+              <a:lnSpc>
+                <a:spcPct val="130000"/>
+              </a:lnSpc>
+              <a:buClrTx/>
+              <a:buSzTx/>
+              <a:buFontTx/>
+              <a:buNone/>
+              <a:defRPr/>
+            </a:pPr>
+            <a:r>
+              <a:rPr kumimoji="0" lang="en-US" altLang="zh-CN" sz="2400" b="1" i="0" u="none" strike="noStrike" kern="0" cap="none" spc="0" normalizeH="0" baseline="0" noProof="0" dirty="0">
+                <a:ln>
+                  <a:noFill/>
+                </a:ln>
+                <a:solidFill>
+                  <a:prstClr val="black"/>
+                </a:solidFill>
+                <a:effectLst/>
+                <a:uLnTx/>
+                <a:uFillTx/>
+                <a:cs typeface="+mn-ea"/>
+                <a:sym typeface="+mn-lt"/>
+              </a:rPr>
+              <a:t>Kubernetes ADVANCED</a:t>
+            </a:r>
+            <a:endParaRPr kumimoji="0" lang="zh-CN" altLang="en-US" sz="2400" b="1" i="0" u="none" strike="noStrike" kern="0" cap="none" spc="0" normalizeH="0" baseline="0" noProof="0" dirty="0">
+              <a:ln>
+                <a:noFill/>
+              </a:ln>
+              <a:solidFill>
+                <a:prstClr val="black"/>
+              </a:solidFill>
+              <a:effectLst/>
+              <a:uLnTx/>
+              <a:uFillTx/>
+              <a:cs typeface="+mn-ea"/>
+              <a:sym typeface="+mn-lt"/>
+            </a:endParaRPr>
+          </a:p>
+        </p:txBody>
+      </p:sp>
+      <p:pic>
+        <p:nvPicPr>
+          <p:cNvPr id="9" name="图片 8">
+            <a:extLst>
+              <a:ext uri="{FF2B5EF4-FFF2-40B4-BE49-F238E27FC236}">
+                <a16:creationId xmlns:a16="http://schemas.microsoft.com/office/drawing/2014/main" id="{3DE36822-08DF-4A6A-934B-7BC5EB4ED94C}"/>
+              </a:ext>
+            </a:extLst>
+          </p:cNvPr>
+          <p:cNvPicPr>
+            <a:picLocks noChangeAspect="1"/>
+          </p:cNvPicPr>
+          <p:nvPr/>
+        </p:nvPicPr>
+        <p:blipFill>
+          <a:blip r:embed="rId2"/>
+          <a:stretch>
+            <a:fillRect/>
+          </a:stretch>
+        </p:blipFill>
+        <p:spPr>
+          <a:xfrm>
+            <a:off x="9956369" y="290687"/>
+            <a:ext cx="1925856" cy="490330"/>
+          </a:xfrm>
+          <a:prstGeom prst="rect">
+            <a:avLst/>
+          </a:prstGeom>
+        </p:spPr>
+      </p:pic>
+      <p:sp>
+        <p:nvSpPr>
+          <p:cNvPr id="12" name="文本框 11">
+            <a:extLst>
+              <a:ext uri="{FF2B5EF4-FFF2-40B4-BE49-F238E27FC236}">
+                <a16:creationId xmlns:a16="http://schemas.microsoft.com/office/drawing/2014/main" id="{C4F273FB-C719-4364-A9F5-1F73A6A20343}"/>
+              </a:ext>
+            </a:extLst>
+          </p:cNvPr>
+          <p:cNvSpPr txBox="1"/>
+          <p:nvPr/>
+        </p:nvSpPr>
+        <p:spPr>
+          <a:xfrm>
+            <a:off x="799011" y="932805"/>
+            <a:ext cx="6097384" cy="369332"/>
+          </a:xfrm>
+          <a:prstGeom prst="rect">
+            <a:avLst/>
+          </a:prstGeom>
+          <a:noFill/>
+        </p:spPr>
+        <p:txBody>
+          <a:bodyPr wrap="square">
+            <a:spAutoFit/>
+          </a:bodyPr>
+          <a:lstStyle/>
+          <a:p>
+            <a:r>
+              <a:rPr lang="en-US" altLang="zh-CN" sz="1800" b="1" dirty="0">
+                <a:solidFill>
+                  <a:srgbClr val="24292E"/>
+                </a:solidFill>
+                <a:effectLst/>
+                <a:latin typeface="微软雅黑" panose="020B0503020204020204" pitchFamily="34" charset="-122"/>
+                <a:ea typeface="微软雅黑" panose="020B0503020204020204" pitchFamily="34" charset="-122"/>
+              </a:rPr>
+              <a:t>Service </a:t>
+            </a:r>
+            <a:endParaRPr lang="zh-CN" altLang="en-US" dirty="0"/>
+          </a:p>
+        </p:txBody>
+      </p:sp>
+      <p:pic>
+        <p:nvPicPr>
+          <p:cNvPr id="3" name="图片 2">
+            <a:extLst>
+              <a:ext uri="{FF2B5EF4-FFF2-40B4-BE49-F238E27FC236}">
+                <a16:creationId xmlns:a16="http://schemas.microsoft.com/office/drawing/2014/main" id="{91189CFE-8936-488D-BE97-EE25096CF7FE}"/>
+              </a:ext>
+            </a:extLst>
+          </p:cNvPr>
+          <p:cNvPicPr>
+            <a:picLocks noChangeAspect="1"/>
+          </p:cNvPicPr>
+          <p:nvPr/>
+        </p:nvPicPr>
+        <p:blipFill>
+          <a:blip r:embed="rId3"/>
+          <a:stretch>
+            <a:fillRect/>
+          </a:stretch>
+        </p:blipFill>
+        <p:spPr>
+          <a:xfrm>
+            <a:off x="860390" y="1330691"/>
+            <a:ext cx="5511382" cy="2111995"/>
+          </a:xfrm>
+          <a:prstGeom prst="rect">
+            <a:avLst/>
+          </a:prstGeom>
+        </p:spPr>
+      </p:pic>
+      <p:sp>
+        <p:nvSpPr>
+          <p:cNvPr id="14" name="文本框 13">
+            <a:extLst>
+              <a:ext uri="{FF2B5EF4-FFF2-40B4-BE49-F238E27FC236}">
+                <a16:creationId xmlns:a16="http://schemas.microsoft.com/office/drawing/2014/main" id="{163057D1-9A6F-4E2F-B490-1258BB63374A}"/>
+              </a:ext>
+            </a:extLst>
+          </p:cNvPr>
+          <p:cNvSpPr txBox="1"/>
+          <p:nvPr/>
+        </p:nvSpPr>
+        <p:spPr>
+          <a:xfrm>
+            <a:off x="799011" y="3516647"/>
+            <a:ext cx="9425644" cy="307777"/>
+          </a:xfrm>
+          <a:prstGeom prst="rect">
+            <a:avLst/>
+          </a:prstGeom>
+          <a:noFill/>
+        </p:spPr>
+        <p:txBody>
+          <a:bodyPr wrap="square">
+            <a:spAutoFit/>
+          </a:bodyPr>
+          <a:lstStyle/>
+          <a:p>
+            <a:r>
+              <a:rPr lang="zh-CN" altLang="en-US" sz="1400" dirty="0">
+                <a:solidFill>
+                  <a:srgbClr val="24292E"/>
+                </a:solidFill>
+                <a:ea typeface="华文仿宋" panose="02010600040101010101" pitchFamily="2" charset="-122"/>
+              </a:rPr>
+              <a:t>当不定义</a:t>
+            </a:r>
+            <a:r>
+              <a:rPr lang="en-US" altLang="zh-CN" sz="1400" dirty="0">
+                <a:solidFill>
+                  <a:srgbClr val="24292E"/>
+                </a:solidFill>
+                <a:ea typeface="华文仿宋" panose="02010600040101010101" pitchFamily="2" charset="-122"/>
+              </a:rPr>
+              <a:t>selector</a:t>
+            </a:r>
+            <a:r>
+              <a:rPr lang="zh-CN" altLang="en-US" sz="1400" dirty="0">
+                <a:solidFill>
+                  <a:srgbClr val="24292E"/>
+                </a:solidFill>
+                <a:ea typeface="华文仿宋" panose="02010600040101010101" pitchFamily="2" charset="-122"/>
+              </a:rPr>
+              <a:t>属性，不会自动创建</a:t>
+            </a:r>
+            <a:r>
+              <a:rPr lang="en-US" altLang="zh-CN" sz="1400" dirty="0">
+                <a:solidFill>
+                  <a:srgbClr val="24292E"/>
+                </a:solidFill>
+                <a:ea typeface="华文仿宋" panose="02010600040101010101" pitchFamily="2" charset="-122"/>
+              </a:rPr>
+              <a:t>endpoints</a:t>
+            </a:r>
+            <a:r>
+              <a:rPr lang="zh-CN" altLang="en-US" sz="1400" dirty="0">
+                <a:solidFill>
+                  <a:srgbClr val="24292E"/>
+                </a:solidFill>
+                <a:ea typeface="华文仿宋" panose="02010600040101010101" pitchFamily="2" charset="-122"/>
+              </a:rPr>
+              <a:t>资源，这时可以通过手动配置</a:t>
+            </a:r>
+            <a:r>
+              <a:rPr lang="en-US" altLang="zh-CN" sz="1400" dirty="0">
+                <a:solidFill>
+                  <a:srgbClr val="24292E"/>
+                </a:solidFill>
+                <a:ea typeface="华文仿宋" panose="02010600040101010101" pitchFamily="2" charset="-122"/>
+              </a:rPr>
+              <a:t>endpoints</a:t>
+            </a:r>
+            <a:r>
+              <a:rPr lang="zh-CN" altLang="en-US" sz="1400" dirty="0">
+                <a:solidFill>
+                  <a:srgbClr val="24292E"/>
+                </a:solidFill>
+                <a:ea typeface="华文仿宋" panose="02010600040101010101" pitchFamily="2" charset="-122"/>
+              </a:rPr>
+              <a:t>引入集群 外部服务</a:t>
+            </a:r>
+          </a:p>
+        </p:txBody>
+      </p:sp>
+      <p:sp>
+        <p:nvSpPr>
+          <p:cNvPr id="15" name="文本框 14">
+            <a:extLst>
+              <a:ext uri="{FF2B5EF4-FFF2-40B4-BE49-F238E27FC236}">
+                <a16:creationId xmlns:a16="http://schemas.microsoft.com/office/drawing/2014/main" id="{7C595F18-BA08-4443-872E-E08FFB058DA8}"/>
+              </a:ext>
+            </a:extLst>
+          </p:cNvPr>
+          <p:cNvSpPr txBox="1"/>
+          <p:nvPr/>
+        </p:nvSpPr>
+        <p:spPr>
+          <a:xfrm>
+            <a:off x="800395" y="4126000"/>
+            <a:ext cx="6096000" cy="369332"/>
+          </a:xfrm>
+          <a:prstGeom prst="rect">
+            <a:avLst/>
+          </a:prstGeom>
+          <a:noFill/>
+        </p:spPr>
+        <p:txBody>
+          <a:bodyPr wrap="square">
+            <a:spAutoFit/>
+          </a:bodyPr>
+          <a:lstStyle/>
+          <a:p>
+            <a:r>
+              <a:rPr lang="en-US" altLang="zh-CN" sz="1800" b="1" dirty="0">
+                <a:solidFill>
+                  <a:srgbClr val="24292E"/>
+                </a:solidFill>
+                <a:effectLst/>
+                <a:latin typeface="微软雅黑" panose="020B0503020204020204" pitchFamily="34" charset="-122"/>
+                <a:ea typeface="微软雅黑" panose="020B0503020204020204" pitchFamily="34" charset="-122"/>
+              </a:rPr>
+              <a:t>endpoints </a:t>
+            </a:r>
+            <a:endParaRPr lang="zh-CN" altLang="en-US" dirty="0"/>
+          </a:p>
+        </p:txBody>
+      </p:sp>
+      <p:pic>
+        <p:nvPicPr>
+          <p:cNvPr id="17" name="图片 16">
+            <a:extLst>
+              <a:ext uri="{FF2B5EF4-FFF2-40B4-BE49-F238E27FC236}">
+                <a16:creationId xmlns:a16="http://schemas.microsoft.com/office/drawing/2014/main" id="{294F6518-EBBF-4A1D-B508-1A6BC0EA1588}"/>
+              </a:ext>
+            </a:extLst>
+          </p:cNvPr>
+          <p:cNvPicPr>
+            <a:picLocks noChangeAspect="1"/>
+          </p:cNvPicPr>
+          <p:nvPr/>
+        </p:nvPicPr>
+        <p:blipFill>
+          <a:blip r:embed="rId4"/>
+          <a:stretch>
+            <a:fillRect/>
+          </a:stretch>
+        </p:blipFill>
+        <p:spPr>
+          <a:xfrm>
+            <a:off x="908014" y="4512653"/>
+            <a:ext cx="4941243" cy="2029711"/>
+          </a:xfrm>
+          <a:prstGeom prst="rect">
+            <a:avLst/>
+          </a:prstGeom>
+        </p:spPr>
+      </p:pic>
+    </p:spTree>
+    <p:extLst>
+      <p:ext uri="{BB962C8B-B14F-4D97-AF65-F5344CB8AC3E}">
+        <p14:creationId xmlns:p14="http://schemas.microsoft.com/office/powerpoint/2010/main" val="3327983865"/>
+      </p:ext>
+    </p:extLst>
+  </p:cSld>
+  <p:clrMapOvr>
+    <a:masterClrMapping/>
+  </p:clrMapOvr>
+</p:sld>
+</file>
+
+<file path=ppt/slides/slide39.xml><?xml version="1.0" encoding="utf-8"?>
+<p:sld xmlns:a="http://schemas.openxmlformats.org/drawingml/2006/main" xmlns:r="http://schemas.openxmlformats.org/officeDocument/2006/relationships" xmlns:p="http://schemas.openxmlformats.org/presentationml/2006/main">
+  <p:cSld>
+    <p:spTree>
+      <p:nvGrpSpPr>
+        <p:cNvPr id="1" name=""/>
+        <p:cNvGrpSpPr/>
+        <p:nvPr/>
+      </p:nvGrpSpPr>
+      <p:grpSpPr>
+        <a:xfrm>
+          <a:off x="0" y="0"/>
+          <a:ext cx="0" cy="0"/>
+          <a:chOff x="0" y="0"/>
+          <a:chExt cx="0" cy="0"/>
+        </a:xfrm>
+      </p:grpSpPr>
+      <p:sp>
+        <p:nvSpPr>
+          <p:cNvPr id="10" name="文本框 9"/>
+          <p:cNvSpPr txBox="1"/>
+          <p:nvPr/>
+        </p:nvSpPr>
+        <p:spPr>
+          <a:xfrm>
+            <a:off x="309775" y="290688"/>
+            <a:ext cx="489236" cy="522451"/>
+          </a:xfrm>
+          <a:prstGeom prst="rect">
+            <a:avLst/>
+          </a:prstGeom>
+          <a:noFill/>
+        </p:spPr>
+        <p:txBody>
+          <a:bodyPr wrap="none" rtlCol="0">
+            <a:spAutoFit/>
+          </a:bodyPr>
+          <a:lstStyle/>
+          <a:p>
+            <a:pPr marL="0" marR="0" lvl="0" indent="0" algn="ctr" defTabSz="914400" eaLnBrk="1" fontAlgn="auto" latinLnBrk="0" hangingPunct="1">
+              <a:lnSpc>
+                <a:spcPct val="130000"/>
+              </a:lnSpc>
+              <a:buClrTx/>
+              <a:buSzTx/>
+              <a:buFontTx/>
+              <a:buNone/>
+              <a:defRPr/>
+            </a:pPr>
+            <a:r>
+              <a:rPr kumimoji="0" lang="en-US" altLang="zh-CN" sz="2400" b="1" i="0" u="none" strike="noStrike" kern="0" cap="none" spc="-150" normalizeH="0" baseline="0" noProof="0" dirty="0">
+                <a:ln>
+                  <a:noFill/>
+                </a:ln>
+                <a:solidFill>
+                  <a:prstClr val="white"/>
+                </a:solidFill>
+                <a:effectLst/>
+                <a:uLnTx/>
+                <a:uFillTx/>
+                <a:cs typeface="+mn-ea"/>
+                <a:sym typeface="+mn-lt"/>
+              </a:rPr>
+              <a:t>02</a:t>
+            </a:r>
+            <a:endParaRPr kumimoji="0" lang="zh-CN" altLang="en-US" sz="2400" b="1" i="0" u="none" strike="noStrike" kern="0" cap="none" spc="-150" normalizeH="0" baseline="0" noProof="0" dirty="0">
+              <a:ln>
+                <a:noFill/>
+              </a:ln>
+              <a:solidFill>
+                <a:prstClr val="white"/>
+              </a:solidFill>
+              <a:effectLst/>
+              <a:uLnTx/>
+              <a:uFillTx/>
+              <a:cs typeface="+mn-ea"/>
+              <a:sym typeface="+mn-lt"/>
+            </a:endParaRPr>
+          </a:p>
+        </p:txBody>
+      </p:sp>
+      <p:sp>
+        <p:nvSpPr>
+          <p:cNvPr id="11" name="文本框 10"/>
+          <p:cNvSpPr txBox="1"/>
+          <p:nvPr/>
+        </p:nvSpPr>
+        <p:spPr>
+          <a:xfrm>
+            <a:off x="860389" y="290687"/>
+            <a:ext cx="3711272" cy="522451"/>
+          </a:xfrm>
+          <a:prstGeom prst="rect">
+            <a:avLst/>
+          </a:prstGeom>
+          <a:noFill/>
+        </p:spPr>
+        <p:txBody>
+          <a:bodyPr wrap="none" rtlCol="0">
+            <a:spAutoFit/>
+          </a:bodyPr>
+          <a:lstStyle/>
+          <a:p>
+            <a:pPr marL="0" marR="0" lvl="0" indent="0" defTabSz="914400" eaLnBrk="1" fontAlgn="auto" latinLnBrk="0" hangingPunct="1">
+              <a:lnSpc>
+                <a:spcPct val="130000"/>
+              </a:lnSpc>
+              <a:buClrTx/>
+              <a:buSzTx/>
+              <a:buFontTx/>
+              <a:buNone/>
+              <a:defRPr/>
+            </a:pPr>
+            <a:r>
+              <a:rPr kumimoji="0" lang="en-US" altLang="zh-CN" sz="2400" b="1" i="0" u="none" strike="noStrike" kern="0" cap="none" spc="0" normalizeH="0" baseline="0" noProof="0" dirty="0">
+                <a:ln>
+                  <a:noFill/>
+                </a:ln>
+                <a:solidFill>
+                  <a:prstClr val="black"/>
+                </a:solidFill>
+                <a:effectLst/>
+                <a:uLnTx/>
+                <a:uFillTx/>
+                <a:cs typeface="+mn-ea"/>
+                <a:sym typeface="+mn-lt"/>
+              </a:rPr>
+              <a:t>Kubernetes ADVANCED</a:t>
+            </a:r>
+            <a:endParaRPr kumimoji="0" lang="zh-CN" altLang="en-US" sz="2400" b="1" i="0" u="none" strike="noStrike" kern="0" cap="none" spc="0" normalizeH="0" baseline="0" noProof="0" dirty="0">
+              <a:ln>
+                <a:noFill/>
+              </a:ln>
+              <a:solidFill>
+                <a:prstClr val="black"/>
+              </a:solidFill>
+              <a:effectLst/>
+              <a:uLnTx/>
+              <a:uFillTx/>
+              <a:cs typeface="+mn-ea"/>
+              <a:sym typeface="+mn-lt"/>
+            </a:endParaRPr>
+          </a:p>
+        </p:txBody>
+      </p:sp>
+      <p:pic>
+        <p:nvPicPr>
+          <p:cNvPr id="9" name="图片 8">
+            <a:extLst>
+              <a:ext uri="{FF2B5EF4-FFF2-40B4-BE49-F238E27FC236}">
+                <a16:creationId xmlns:a16="http://schemas.microsoft.com/office/drawing/2014/main" id="{3DE36822-08DF-4A6A-934B-7BC5EB4ED94C}"/>
+              </a:ext>
+            </a:extLst>
+          </p:cNvPr>
+          <p:cNvPicPr>
+            <a:picLocks noChangeAspect="1"/>
+          </p:cNvPicPr>
+          <p:nvPr/>
+        </p:nvPicPr>
+        <p:blipFill>
+          <a:blip r:embed="rId2"/>
+          <a:stretch>
+            <a:fillRect/>
+          </a:stretch>
+        </p:blipFill>
+        <p:spPr>
+          <a:xfrm>
+            <a:off x="9956369" y="290687"/>
+            <a:ext cx="1925856" cy="490330"/>
+          </a:xfrm>
+          <a:prstGeom prst="rect">
+            <a:avLst/>
+          </a:prstGeom>
+        </p:spPr>
+      </p:pic>
+      <p:sp>
+        <p:nvSpPr>
+          <p:cNvPr id="8" name="文本框 7">
+            <a:extLst>
+              <a:ext uri="{FF2B5EF4-FFF2-40B4-BE49-F238E27FC236}">
+                <a16:creationId xmlns:a16="http://schemas.microsoft.com/office/drawing/2014/main" id="{960A1D7C-CDC7-4F8C-92CB-B90E64DF8E4F}"/>
+              </a:ext>
+            </a:extLst>
+          </p:cNvPr>
+          <p:cNvSpPr txBox="1"/>
+          <p:nvPr/>
+        </p:nvSpPr>
+        <p:spPr>
+          <a:xfrm>
+            <a:off x="463550" y="925195"/>
+            <a:ext cx="2489835" cy="460375"/>
+          </a:xfrm>
+          <a:prstGeom prst="rect">
+            <a:avLst/>
+          </a:prstGeom>
+          <a:noFill/>
+        </p:spPr>
+        <p:txBody>
+          <a:bodyPr wrap="square" rtlCol="0">
+            <a:spAutoFit/>
+          </a:bodyPr>
+          <a:lstStyle/>
+          <a:p>
+            <a:pPr indent="0">
+              <a:lnSpc>
+                <a:spcPct val="150000"/>
+              </a:lnSpc>
+              <a:buFont typeface="Arial" panose="020B0604020202020204" pitchFamily="34" charset="0"/>
+              <a:buNone/>
+            </a:pPr>
+            <a:r>
+              <a:rPr lang="zh-CN" altLang="en-US" sz="1600" b="1" dirty="0">
+                <a:latin typeface="微软雅黑" panose="020B0503020204020204" pitchFamily="34" charset="-122"/>
+                <a:ea typeface="微软雅黑" panose="020B0503020204020204" pitchFamily="34" charset="-122"/>
+                <a:cs typeface="微软雅黑" panose="020B0503020204020204" pitchFamily="34" charset="-122"/>
+              </a:rPr>
+              <a:t>哪些资源拥有</a:t>
+            </a:r>
+            <a:r>
+              <a:rPr lang="en-US" altLang="zh-CN" sz="1600" b="1" dirty="0">
+                <a:latin typeface="微软雅黑" panose="020B0503020204020204" pitchFamily="34" charset="-122"/>
+                <a:ea typeface="微软雅黑" panose="020B0503020204020204" pitchFamily="34" charset="-122"/>
+                <a:cs typeface="微软雅黑" panose="020B0503020204020204" pitchFamily="34" charset="-122"/>
+              </a:rPr>
+              <a:t>DNS</a:t>
+            </a:r>
+            <a:r>
+              <a:rPr lang="zh-CN" altLang="en-US" sz="1600" b="1" dirty="0">
+                <a:latin typeface="微软雅黑" panose="020B0503020204020204" pitchFamily="34" charset="-122"/>
+                <a:ea typeface="微软雅黑" panose="020B0503020204020204" pitchFamily="34" charset="-122"/>
+                <a:cs typeface="微软雅黑" panose="020B0503020204020204" pitchFamily="34" charset="-122"/>
+              </a:rPr>
+              <a:t>记录？</a:t>
+            </a:r>
+          </a:p>
+        </p:txBody>
+      </p:sp>
+      <p:sp>
+        <p:nvSpPr>
+          <p:cNvPr id="12" name="六边形 11">
+            <a:extLst>
+              <a:ext uri="{FF2B5EF4-FFF2-40B4-BE49-F238E27FC236}">
+                <a16:creationId xmlns:a16="http://schemas.microsoft.com/office/drawing/2014/main" id="{4A28B826-99EC-480B-BA50-1CFCCA989966}"/>
+              </a:ext>
+            </a:extLst>
+          </p:cNvPr>
+          <p:cNvSpPr/>
+          <p:nvPr/>
+        </p:nvSpPr>
+        <p:spPr>
+          <a:xfrm>
+            <a:off x="412750" y="1574165"/>
+            <a:ext cx="1101090" cy="934720"/>
+          </a:xfrm>
+          <a:prstGeom prst="hexagon">
+            <a:avLst/>
+          </a:prstGeom>
+        </p:spPr>
+        <p:style>
+          <a:lnRef idx="2">
+            <a:schemeClr val="accent5">
+              <a:shade val="50000"/>
+            </a:schemeClr>
+          </a:lnRef>
+          <a:fillRef idx="1">
+            <a:schemeClr val="accent5"/>
+          </a:fillRef>
+          <a:effectRef idx="0">
+            <a:schemeClr val="accent5"/>
+          </a:effectRef>
+          <a:fontRef idx="minor">
+            <a:schemeClr val="lt1"/>
+          </a:fontRef>
+        </p:style>
+        <p:txBody>
+          <a:bodyPr rtlCol="0" anchor="ctr"/>
+          <a:lstStyle/>
+          <a:p>
+            <a:pPr algn="ctr"/>
+            <a:r>
+              <a:rPr lang="en-US" altLang="zh-CN" sz="1200" b="1" dirty="0"/>
+              <a:t>service</a:t>
+            </a:r>
+          </a:p>
+        </p:txBody>
+      </p:sp>
+      <p:sp>
+        <p:nvSpPr>
+          <p:cNvPr id="13" name="文本框 12">
+            <a:extLst>
+              <a:ext uri="{FF2B5EF4-FFF2-40B4-BE49-F238E27FC236}">
+                <a16:creationId xmlns:a16="http://schemas.microsoft.com/office/drawing/2014/main" id="{C8CE02D0-013F-4134-A7E3-0BC6CAFDF0C9}"/>
+              </a:ext>
+            </a:extLst>
+          </p:cNvPr>
+          <p:cNvSpPr txBox="1"/>
+          <p:nvPr/>
+        </p:nvSpPr>
+        <p:spPr>
+          <a:xfrm>
+            <a:off x="2103755" y="1660525"/>
+            <a:ext cx="672465" cy="306705"/>
+          </a:xfrm>
+          <a:prstGeom prst="rect">
+            <a:avLst/>
+          </a:prstGeom>
+          <a:noFill/>
+        </p:spPr>
+        <p:txBody>
+          <a:bodyPr wrap="none" rtlCol="0">
+            <a:spAutoFit/>
+          </a:bodyPr>
+          <a:lstStyle/>
+          <a:p>
+            <a:r>
+              <a:rPr lang="en-US" altLang="zh-CN" sz="1400" b="1">
+                <a:latin typeface="微软雅黑" panose="020B0503020204020204" pitchFamily="34" charset="-122"/>
+                <a:ea typeface="微软雅黑" panose="020B0503020204020204" pitchFamily="34" charset="-122"/>
+                <a:cs typeface="微软雅黑" panose="020B0503020204020204" pitchFamily="34" charset="-122"/>
+              </a:rPr>
+              <a:t>A</a:t>
+            </a:r>
+            <a:r>
+              <a:rPr lang="zh-CN" altLang="en-US" sz="1400" b="1">
+                <a:latin typeface="微软雅黑" panose="020B0503020204020204" pitchFamily="34" charset="-122"/>
+                <a:ea typeface="微软雅黑" panose="020B0503020204020204" pitchFamily="34" charset="-122"/>
+                <a:cs typeface="微软雅黑" panose="020B0503020204020204" pitchFamily="34" charset="-122"/>
+              </a:rPr>
+              <a:t>记录</a:t>
+            </a:r>
+          </a:p>
+        </p:txBody>
+      </p:sp>
+      <p:sp>
+        <p:nvSpPr>
+          <p:cNvPr id="14" name="文本框 13">
+            <a:extLst>
+              <a:ext uri="{FF2B5EF4-FFF2-40B4-BE49-F238E27FC236}">
+                <a16:creationId xmlns:a16="http://schemas.microsoft.com/office/drawing/2014/main" id="{D71F6940-CD66-4CC0-A2FA-491BEDA953E6}"/>
+              </a:ext>
+            </a:extLst>
+          </p:cNvPr>
+          <p:cNvSpPr txBox="1"/>
+          <p:nvPr/>
+        </p:nvSpPr>
+        <p:spPr>
+          <a:xfrm>
+            <a:off x="2103755" y="2202180"/>
+            <a:ext cx="896620" cy="306705"/>
+          </a:xfrm>
+          <a:prstGeom prst="rect">
+            <a:avLst/>
+          </a:prstGeom>
+          <a:noFill/>
+        </p:spPr>
+        <p:txBody>
+          <a:bodyPr wrap="none" rtlCol="0">
+            <a:spAutoFit/>
+          </a:bodyPr>
+          <a:lstStyle/>
+          <a:p>
+            <a:r>
+              <a:rPr lang="en-US" altLang="zh-CN" sz="1400" b="1">
+                <a:latin typeface="微软雅黑" panose="020B0503020204020204" pitchFamily="34" charset="-122"/>
+                <a:ea typeface="微软雅黑" panose="020B0503020204020204" pitchFamily="34" charset="-122"/>
+                <a:cs typeface="微软雅黑" panose="020B0503020204020204" pitchFamily="34" charset="-122"/>
+              </a:rPr>
+              <a:t>SRV</a:t>
+            </a:r>
+            <a:r>
+              <a:rPr lang="zh-CN" altLang="en-US" sz="1400" b="1">
+                <a:latin typeface="微软雅黑" panose="020B0503020204020204" pitchFamily="34" charset="-122"/>
+                <a:ea typeface="微软雅黑" panose="020B0503020204020204" pitchFamily="34" charset="-122"/>
+                <a:cs typeface="微软雅黑" panose="020B0503020204020204" pitchFamily="34" charset="-122"/>
+              </a:rPr>
+              <a:t>记录</a:t>
+            </a:r>
+          </a:p>
+        </p:txBody>
+      </p:sp>
+      <p:sp>
+        <p:nvSpPr>
+          <p:cNvPr id="15" name="文本框 14">
+            <a:extLst>
+              <a:ext uri="{FF2B5EF4-FFF2-40B4-BE49-F238E27FC236}">
+                <a16:creationId xmlns:a16="http://schemas.microsoft.com/office/drawing/2014/main" id="{9A346235-4EBA-4287-9B3E-5790170734AE}"/>
+              </a:ext>
+            </a:extLst>
+          </p:cNvPr>
+          <p:cNvSpPr txBox="1"/>
+          <p:nvPr/>
+        </p:nvSpPr>
+        <p:spPr>
+          <a:xfrm>
+            <a:off x="3522980" y="1660525"/>
+            <a:ext cx="3447415" cy="306705"/>
+          </a:xfrm>
+          <a:prstGeom prst="rect">
+            <a:avLst/>
+          </a:prstGeom>
+          <a:noFill/>
+        </p:spPr>
+        <p:txBody>
+          <a:bodyPr wrap="square" rtlCol="0" anchor="t">
+            <a:spAutoFit/>
+          </a:bodyPr>
+          <a:lstStyle/>
+          <a:p>
+            <a:r>
+              <a:rPr lang="zh-CN" altLang="en-US" sz="1400">
+                <a:latin typeface="等线" panose="02010600030101010101" charset="-122"/>
+                <a:ea typeface="等线" panose="02010600030101010101" charset="-122"/>
+                <a:cs typeface="微软雅黑" panose="020B0503020204020204" pitchFamily="34" charset="-122"/>
+                <a:sym typeface="+mn-ea"/>
+              </a:rPr>
+              <a:t>&lt;</a:t>
+            </a:r>
+            <a:r>
+              <a:rPr lang="en-US" altLang="zh-CN" sz="1400">
+                <a:latin typeface="等线" panose="02010600030101010101" charset="-122"/>
+                <a:ea typeface="等线" panose="02010600030101010101" charset="-122"/>
+                <a:cs typeface="微软雅黑" panose="020B0503020204020204" pitchFamily="34" charset="-122"/>
+                <a:sym typeface="+mn-ea"/>
+              </a:rPr>
+              <a:t>service</a:t>
+            </a:r>
+            <a:r>
+              <a:rPr lang="zh-CN" altLang="en-US" sz="1400">
+                <a:latin typeface="等线" panose="02010600030101010101" charset="-122"/>
+                <a:ea typeface="等线" panose="02010600030101010101" charset="-122"/>
+                <a:cs typeface="微软雅黑" panose="020B0503020204020204" pitchFamily="34" charset="-122"/>
+                <a:sym typeface="+mn-ea"/>
+              </a:rPr>
+              <a:t>&gt;.&lt;</a:t>
+            </a:r>
+            <a:r>
+              <a:rPr lang="en-US" altLang="zh-CN" sz="1400">
+                <a:latin typeface="等线" panose="02010600030101010101" charset="-122"/>
+                <a:ea typeface="等线" panose="02010600030101010101" charset="-122"/>
+                <a:cs typeface="微软雅黑" panose="020B0503020204020204" pitchFamily="34" charset="-122"/>
+                <a:sym typeface="+mn-ea"/>
+              </a:rPr>
+              <a:t>namespace</a:t>
+            </a:r>
+            <a:r>
+              <a:rPr lang="zh-CN" altLang="en-US" sz="1400">
+                <a:latin typeface="等线" panose="02010600030101010101" charset="-122"/>
+                <a:ea typeface="等线" panose="02010600030101010101" charset="-122"/>
+                <a:cs typeface="微软雅黑" panose="020B0503020204020204" pitchFamily="34" charset="-122"/>
+                <a:sym typeface="+mn-ea"/>
+              </a:rPr>
+              <a:t>&gt;.svc.</a:t>
+            </a:r>
+            <a:r>
+              <a:rPr lang="zh-CN" altLang="en-US" sz="1400">
+                <a:solidFill>
+                  <a:srgbClr val="FF0000"/>
+                </a:solidFill>
+                <a:latin typeface="等线" panose="02010600030101010101" charset="-122"/>
+                <a:ea typeface="等线" panose="02010600030101010101" charset="-122"/>
+                <a:cs typeface="微软雅黑" panose="020B0503020204020204" pitchFamily="34" charset="-122"/>
+                <a:sym typeface="+mn-ea"/>
+              </a:rPr>
+              <a:t>cluster.local</a:t>
+            </a:r>
+          </a:p>
+        </p:txBody>
+      </p:sp>
+      <p:sp>
+        <p:nvSpPr>
+          <p:cNvPr id="16" name="文本框 15">
+            <a:extLst>
+              <a:ext uri="{FF2B5EF4-FFF2-40B4-BE49-F238E27FC236}">
+                <a16:creationId xmlns:a16="http://schemas.microsoft.com/office/drawing/2014/main" id="{32184A22-3BA4-467A-806B-8720B37ED9C9}"/>
+              </a:ext>
+            </a:extLst>
+          </p:cNvPr>
+          <p:cNvSpPr txBox="1"/>
+          <p:nvPr/>
+        </p:nvSpPr>
+        <p:spPr>
+          <a:xfrm>
+            <a:off x="3522345" y="2202180"/>
+            <a:ext cx="5722620" cy="306705"/>
+          </a:xfrm>
+          <a:prstGeom prst="rect">
+            <a:avLst/>
+          </a:prstGeom>
+          <a:noFill/>
+        </p:spPr>
+        <p:txBody>
+          <a:bodyPr wrap="square" rtlCol="0" anchor="t">
+            <a:spAutoFit/>
+          </a:bodyPr>
+          <a:lstStyle/>
+          <a:p>
+            <a:r>
+              <a:rPr lang="zh-CN" altLang="en-US" sz="1400">
+                <a:latin typeface="等线" panose="02010600030101010101" charset="-122"/>
+                <a:ea typeface="等线" panose="02010600030101010101" charset="-122"/>
+                <a:cs typeface="微软雅黑" panose="020B0503020204020204" pitchFamily="34" charset="-122"/>
+                <a:sym typeface="+mn-ea"/>
+              </a:rPr>
+              <a:t>&lt;</a:t>
+            </a:r>
+            <a:r>
+              <a:rPr lang="en-US" altLang="zh-CN" sz="1400">
+                <a:latin typeface="等线" panose="02010600030101010101" charset="-122"/>
+                <a:ea typeface="等线" panose="02010600030101010101" charset="-122"/>
+                <a:cs typeface="微软雅黑" panose="020B0503020204020204" pitchFamily="34" charset="-122"/>
+                <a:sym typeface="+mn-ea"/>
+              </a:rPr>
+              <a:t>portname</a:t>
+            </a:r>
+            <a:r>
+              <a:rPr lang="zh-CN" altLang="en-US" sz="1400">
+                <a:latin typeface="等线" panose="02010600030101010101" charset="-122"/>
+                <a:ea typeface="等线" panose="02010600030101010101" charset="-122"/>
+                <a:cs typeface="微软雅黑" panose="020B0503020204020204" pitchFamily="34" charset="-122"/>
+                <a:sym typeface="+mn-ea"/>
+              </a:rPr>
+              <a:t>&gt;.&lt;</a:t>
+            </a:r>
+            <a:r>
+              <a:rPr lang="en-US" altLang="zh-CN" sz="1400">
+                <a:latin typeface="等线" panose="02010600030101010101" charset="-122"/>
+                <a:ea typeface="等线" panose="02010600030101010101" charset="-122"/>
+                <a:cs typeface="微软雅黑" panose="020B0503020204020204" pitchFamily="34" charset="-122"/>
+                <a:sym typeface="+mn-ea"/>
+              </a:rPr>
+              <a:t>protocol</a:t>
+            </a:r>
+            <a:r>
+              <a:rPr lang="zh-CN" altLang="en-US" sz="1400">
+                <a:latin typeface="等线" panose="02010600030101010101" charset="-122"/>
+                <a:ea typeface="等线" panose="02010600030101010101" charset="-122"/>
+                <a:cs typeface="微软雅黑" panose="020B0503020204020204" pitchFamily="34" charset="-122"/>
+                <a:sym typeface="+mn-ea"/>
+              </a:rPr>
+              <a:t>&gt;.</a:t>
+            </a:r>
+            <a:r>
+              <a:rPr lang="en-US" altLang="zh-CN" sz="1400">
+                <a:latin typeface="等线" panose="02010600030101010101" charset="-122"/>
+                <a:ea typeface="等线" panose="02010600030101010101" charset="-122"/>
+                <a:cs typeface="微软雅黑" panose="020B0503020204020204" pitchFamily="34" charset="-122"/>
+                <a:sym typeface="+mn-ea"/>
+              </a:rPr>
+              <a:t>&lt;service&gt;</a:t>
+            </a:r>
+            <a:r>
+              <a:rPr lang="zh-CN" altLang="en-US" sz="1400">
+                <a:latin typeface="等线" panose="02010600030101010101" charset="-122"/>
+                <a:ea typeface="等线" panose="02010600030101010101" charset="-122"/>
+                <a:cs typeface="微软雅黑" panose="020B0503020204020204" pitchFamily="34" charset="-122"/>
+                <a:sym typeface="+mn-ea"/>
+              </a:rPr>
+              <a:t>.&lt;</a:t>
+            </a:r>
+            <a:r>
+              <a:rPr lang="en-US" altLang="zh-CN" sz="1400">
+                <a:latin typeface="等线" panose="02010600030101010101" charset="-122"/>
+                <a:ea typeface="等线" panose="02010600030101010101" charset="-122"/>
+                <a:cs typeface="微软雅黑" panose="020B0503020204020204" pitchFamily="34" charset="-122"/>
+                <a:sym typeface="+mn-ea"/>
+              </a:rPr>
+              <a:t>namespace</a:t>
+            </a:r>
+            <a:r>
+              <a:rPr lang="zh-CN" altLang="en-US" sz="1400">
+                <a:latin typeface="等线" panose="02010600030101010101" charset="-122"/>
+                <a:ea typeface="等线" panose="02010600030101010101" charset="-122"/>
+                <a:cs typeface="微软雅黑" panose="020B0503020204020204" pitchFamily="34" charset="-122"/>
+                <a:sym typeface="+mn-ea"/>
+              </a:rPr>
+              <a:t>&gt;svc.</a:t>
+            </a:r>
+            <a:r>
+              <a:rPr lang="zh-CN" altLang="en-US" sz="1400">
+                <a:solidFill>
+                  <a:srgbClr val="FF0000"/>
+                </a:solidFill>
+                <a:latin typeface="等线" panose="02010600030101010101" charset="-122"/>
+                <a:ea typeface="等线" panose="02010600030101010101" charset="-122"/>
+                <a:cs typeface="微软雅黑" panose="020B0503020204020204" pitchFamily="34" charset="-122"/>
+                <a:sym typeface="+mn-ea"/>
+              </a:rPr>
+              <a:t>cluster.local</a:t>
+            </a:r>
+          </a:p>
+        </p:txBody>
+      </p:sp>
+      <p:sp>
+        <p:nvSpPr>
+          <p:cNvPr id="17" name="六边形 16">
+            <a:extLst>
+              <a:ext uri="{FF2B5EF4-FFF2-40B4-BE49-F238E27FC236}">
+                <a16:creationId xmlns:a16="http://schemas.microsoft.com/office/drawing/2014/main" id="{6534619B-01C7-4BA8-B17E-59C8DC757E11}"/>
+              </a:ext>
+            </a:extLst>
+          </p:cNvPr>
+          <p:cNvSpPr/>
+          <p:nvPr/>
+        </p:nvSpPr>
+        <p:spPr>
+          <a:xfrm>
+            <a:off x="412750" y="3129280"/>
+            <a:ext cx="1101090" cy="934720"/>
+          </a:xfrm>
+          <a:prstGeom prst="hexagon">
+            <a:avLst/>
+          </a:prstGeom>
+        </p:spPr>
+        <p:style>
+          <a:lnRef idx="2">
+            <a:schemeClr val="accent5">
+              <a:shade val="50000"/>
+            </a:schemeClr>
+          </a:lnRef>
+          <a:fillRef idx="1">
+            <a:schemeClr val="accent5"/>
+          </a:fillRef>
+          <a:effectRef idx="0">
+            <a:schemeClr val="accent5"/>
+          </a:effectRef>
+          <a:fontRef idx="minor">
+            <a:schemeClr val="lt1"/>
+          </a:fontRef>
+        </p:style>
+        <p:txBody>
+          <a:bodyPr rtlCol="0" anchor="ctr"/>
+          <a:lstStyle/>
+          <a:p>
+            <a:pPr algn="ctr"/>
+            <a:r>
+              <a:rPr lang="en-US" altLang="zh-CN" sz="1200" b="1" dirty="0"/>
+              <a:t>pod</a:t>
+            </a:r>
+          </a:p>
+        </p:txBody>
+      </p:sp>
+      <p:sp>
+        <p:nvSpPr>
+          <p:cNvPr id="18" name="文本框 17">
+            <a:extLst>
+              <a:ext uri="{FF2B5EF4-FFF2-40B4-BE49-F238E27FC236}">
+                <a16:creationId xmlns:a16="http://schemas.microsoft.com/office/drawing/2014/main" id="{F7CA55CA-7378-4AAB-82BC-977FC93372CC}"/>
+              </a:ext>
+            </a:extLst>
+          </p:cNvPr>
+          <p:cNvSpPr txBox="1"/>
+          <p:nvPr/>
+        </p:nvSpPr>
+        <p:spPr>
+          <a:xfrm>
+            <a:off x="2103755" y="3215640"/>
+            <a:ext cx="672465" cy="306705"/>
+          </a:xfrm>
+          <a:prstGeom prst="rect">
+            <a:avLst/>
+          </a:prstGeom>
+          <a:noFill/>
+        </p:spPr>
+        <p:txBody>
+          <a:bodyPr wrap="none" rtlCol="0">
+            <a:spAutoFit/>
+          </a:bodyPr>
+          <a:lstStyle/>
+          <a:p>
+            <a:r>
+              <a:rPr lang="en-US" altLang="zh-CN" sz="1400" b="1">
+                <a:latin typeface="微软雅黑" panose="020B0503020204020204" pitchFamily="34" charset="-122"/>
+                <a:ea typeface="微软雅黑" panose="020B0503020204020204" pitchFamily="34" charset="-122"/>
+                <a:cs typeface="微软雅黑" panose="020B0503020204020204" pitchFamily="34" charset="-122"/>
+              </a:rPr>
+              <a:t>A</a:t>
+            </a:r>
+            <a:r>
+              <a:rPr lang="zh-CN" altLang="en-US" sz="1400" b="1">
+                <a:latin typeface="微软雅黑" panose="020B0503020204020204" pitchFamily="34" charset="-122"/>
+                <a:ea typeface="微软雅黑" panose="020B0503020204020204" pitchFamily="34" charset="-122"/>
+                <a:cs typeface="微软雅黑" panose="020B0503020204020204" pitchFamily="34" charset="-122"/>
+              </a:rPr>
+              <a:t>记录</a:t>
+            </a:r>
+          </a:p>
+        </p:txBody>
+      </p:sp>
+      <p:sp>
+        <p:nvSpPr>
+          <p:cNvPr id="19" name="文本框 18">
+            <a:extLst>
+              <a:ext uri="{FF2B5EF4-FFF2-40B4-BE49-F238E27FC236}">
+                <a16:creationId xmlns:a16="http://schemas.microsoft.com/office/drawing/2014/main" id="{3519FF3C-1D7B-458C-9E14-75B3F29FCAEA}"/>
+              </a:ext>
+            </a:extLst>
+          </p:cNvPr>
+          <p:cNvSpPr txBox="1"/>
+          <p:nvPr/>
+        </p:nvSpPr>
+        <p:spPr>
+          <a:xfrm>
+            <a:off x="2103755" y="3757295"/>
+            <a:ext cx="896620" cy="306705"/>
+          </a:xfrm>
+          <a:prstGeom prst="rect">
+            <a:avLst/>
+          </a:prstGeom>
+          <a:noFill/>
+        </p:spPr>
+        <p:txBody>
+          <a:bodyPr wrap="none" rtlCol="0">
+            <a:spAutoFit/>
+          </a:bodyPr>
+          <a:lstStyle/>
+          <a:p>
+            <a:r>
+              <a:rPr lang="en-US" altLang="zh-CN" sz="1400" b="1">
+                <a:latin typeface="微软雅黑" panose="020B0503020204020204" pitchFamily="34" charset="-122"/>
+                <a:ea typeface="微软雅黑" panose="020B0503020204020204" pitchFamily="34" charset="-122"/>
+                <a:cs typeface="微软雅黑" panose="020B0503020204020204" pitchFamily="34" charset="-122"/>
+              </a:rPr>
+              <a:t>SRV</a:t>
+            </a:r>
+            <a:r>
+              <a:rPr lang="zh-CN" altLang="en-US" sz="1400" b="1">
+                <a:latin typeface="微软雅黑" panose="020B0503020204020204" pitchFamily="34" charset="-122"/>
+                <a:ea typeface="微软雅黑" panose="020B0503020204020204" pitchFamily="34" charset="-122"/>
+                <a:cs typeface="微软雅黑" panose="020B0503020204020204" pitchFamily="34" charset="-122"/>
+              </a:rPr>
+              <a:t>记录</a:t>
+            </a:r>
+          </a:p>
+        </p:txBody>
+      </p:sp>
+      <p:sp>
+        <p:nvSpPr>
+          <p:cNvPr id="20" name="文本框 19">
+            <a:extLst>
+              <a:ext uri="{FF2B5EF4-FFF2-40B4-BE49-F238E27FC236}">
+                <a16:creationId xmlns:a16="http://schemas.microsoft.com/office/drawing/2014/main" id="{17E941B6-7290-4FA9-B6E7-AFDAE3999BC5}"/>
+              </a:ext>
+            </a:extLst>
+          </p:cNvPr>
+          <p:cNvSpPr txBox="1"/>
+          <p:nvPr/>
+        </p:nvSpPr>
+        <p:spPr>
+          <a:xfrm>
+            <a:off x="3522980" y="3215640"/>
+            <a:ext cx="3447415" cy="306705"/>
+          </a:xfrm>
+          <a:prstGeom prst="rect">
+            <a:avLst/>
+          </a:prstGeom>
+          <a:noFill/>
+        </p:spPr>
+        <p:txBody>
+          <a:bodyPr wrap="square" rtlCol="0" anchor="t">
+            <a:spAutoFit/>
+          </a:bodyPr>
+          <a:lstStyle/>
+          <a:p>
+            <a:r>
+              <a:rPr lang="zh-CN" altLang="en-US" sz="1400">
+                <a:latin typeface="等线" panose="02010600030101010101" charset="-122"/>
+                <a:ea typeface="等线" panose="02010600030101010101" charset="-122"/>
+                <a:cs typeface="微软雅黑" panose="020B0503020204020204" pitchFamily="34" charset="-122"/>
+                <a:sym typeface="+mn-ea"/>
+              </a:rPr>
+              <a:t>&lt;</a:t>
+            </a:r>
+            <a:r>
+              <a:rPr lang="en-US" altLang="zh-CN" sz="1400">
+                <a:latin typeface="等线" panose="02010600030101010101" charset="-122"/>
+                <a:ea typeface="等线" panose="02010600030101010101" charset="-122"/>
+                <a:cs typeface="微软雅黑" panose="020B0503020204020204" pitchFamily="34" charset="-122"/>
+                <a:sym typeface="+mn-ea"/>
+              </a:rPr>
+              <a:t>pod-ip</a:t>
+            </a:r>
+            <a:r>
+              <a:rPr lang="zh-CN" altLang="en-US" sz="1400">
+                <a:latin typeface="等线" panose="02010600030101010101" charset="-122"/>
+                <a:ea typeface="等线" panose="02010600030101010101" charset="-122"/>
+                <a:cs typeface="微软雅黑" panose="020B0503020204020204" pitchFamily="34" charset="-122"/>
+                <a:sym typeface="+mn-ea"/>
+              </a:rPr>
+              <a:t>&gt;.&lt;</a:t>
+            </a:r>
+            <a:r>
+              <a:rPr lang="en-US" altLang="zh-CN" sz="1400">
+                <a:latin typeface="等线" panose="02010600030101010101" charset="-122"/>
+                <a:ea typeface="等线" panose="02010600030101010101" charset="-122"/>
+                <a:cs typeface="微软雅黑" panose="020B0503020204020204" pitchFamily="34" charset="-122"/>
+                <a:sym typeface="+mn-ea"/>
+              </a:rPr>
+              <a:t>namespace</a:t>
+            </a:r>
+            <a:r>
+              <a:rPr lang="zh-CN" altLang="en-US" sz="1400">
+                <a:latin typeface="等线" panose="02010600030101010101" charset="-122"/>
+                <a:ea typeface="等线" panose="02010600030101010101" charset="-122"/>
+                <a:cs typeface="微软雅黑" panose="020B0503020204020204" pitchFamily="34" charset="-122"/>
+                <a:sym typeface="+mn-ea"/>
+              </a:rPr>
+              <a:t>&gt;.</a:t>
+            </a:r>
+            <a:r>
+              <a:rPr lang="en-US" altLang="zh-CN" sz="1400">
+                <a:latin typeface="等线" panose="02010600030101010101" charset="-122"/>
+                <a:ea typeface="等线" panose="02010600030101010101" charset="-122"/>
+                <a:cs typeface="微软雅黑" panose="020B0503020204020204" pitchFamily="34" charset="-122"/>
+                <a:sym typeface="+mn-ea"/>
+              </a:rPr>
+              <a:t>pod</a:t>
+            </a:r>
+            <a:r>
+              <a:rPr lang="zh-CN" altLang="en-US" sz="1400">
+                <a:latin typeface="等线" panose="02010600030101010101" charset="-122"/>
+                <a:ea typeface="等线" panose="02010600030101010101" charset="-122"/>
+                <a:cs typeface="微软雅黑" panose="020B0503020204020204" pitchFamily="34" charset="-122"/>
+                <a:sym typeface="+mn-ea"/>
+              </a:rPr>
+              <a:t>.</a:t>
+            </a:r>
+            <a:r>
+              <a:rPr lang="zh-CN" altLang="en-US" sz="1400">
+                <a:solidFill>
+                  <a:srgbClr val="FF0000"/>
+                </a:solidFill>
+                <a:latin typeface="等线" panose="02010600030101010101" charset="-122"/>
+                <a:ea typeface="等线" panose="02010600030101010101" charset="-122"/>
+                <a:cs typeface="微软雅黑" panose="020B0503020204020204" pitchFamily="34" charset="-122"/>
+                <a:sym typeface="+mn-ea"/>
+              </a:rPr>
+              <a:t>cluster.local</a:t>
+            </a:r>
+          </a:p>
+        </p:txBody>
+      </p:sp>
+      <p:sp>
+        <p:nvSpPr>
+          <p:cNvPr id="21" name="文本框 20">
+            <a:extLst>
+              <a:ext uri="{FF2B5EF4-FFF2-40B4-BE49-F238E27FC236}">
+                <a16:creationId xmlns:a16="http://schemas.microsoft.com/office/drawing/2014/main" id="{F78D3055-027F-42E8-B444-3659F76CE6EA}"/>
+              </a:ext>
+            </a:extLst>
+          </p:cNvPr>
+          <p:cNvSpPr txBox="1"/>
+          <p:nvPr/>
+        </p:nvSpPr>
+        <p:spPr>
+          <a:xfrm>
+            <a:off x="3522345" y="3757295"/>
+            <a:ext cx="5722620" cy="306705"/>
+          </a:xfrm>
+          <a:prstGeom prst="rect">
+            <a:avLst/>
+          </a:prstGeom>
+          <a:noFill/>
+        </p:spPr>
+        <p:txBody>
+          <a:bodyPr wrap="square" rtlCol="0" anchor="t">
+            <a:spAutoFit/>
+          </a:bodyPr>
+          <a:lstStyle/>
+          <a:p>
+            <a:r>
+              <a:rPr lang="zh-CN" altLang="en-US" sz="1400">
+                <a:latin typeface="等线" panose="02010600030101010101" charset="-122"/>
+                <a:ea typeface="等线" panose="02010600030101010101" charset="-122"/>
+                <a:cs typeface="微软雅黑" panose="020B0503020204020204" pitchFamily="34" charset="-122"/>
+                <a:sym typeface="+mn-ea"/>
+              </a:rPr>
+              <a:t>&lt;</a:t>
+            </a:r>
+            <a:r>
+              <a:rPr lang="en-US" altLang="zh-CN" sz="1400">
+                <a:latin typeface="等线" panose="02010600030101010101" charset="-122"/>
+                <a:ea typeface="等线" panose="02010600030101010101" charset="-122"/>
+                <a:cs typeface="微软雅黑" panose="020B0503020204020204" pitchFamily="34" charset="-122"/>
+                <a:sym typeface="+mn-ea"/>
+              </a:rPr>
+              <a:t>portname</a:t>
+            </a:r>
+            <a:r>
+              <a:rPr lang="zh-CN" altLang="en-US" sz="1400">
+                <a:latin typeface="等线" panose="02010600030101010101" charset="-122"/>
+                <a:ea typeface="等线" panose="02010600030101010101" charset="-122"/>
+                <a:cs typeface="微软雅黑" panose="020B0503020204020204" pitchFamily="34" charset="-122"/>
+                <a:sym typeface="+mn-ea"/>
+              </a:rPr>
+              <a:t>&gt;.&lt;</a:t>
+            </a:r>
+            <a:r>
+              <a:rPr lang="en-US" altLang="zh-CN" sz="1400">
+                <a:latin typeface="等线" panose="02010600030101010101" charset="-122"/>
+                <a:ea typeface="等线" panose="02010600030101010101" charset="-122"/>
+                <a:cs typeface="微软雅黑" panose="020B0503020204020204" pitchFamily="34" charset="-122"/>
+                <a:sym typeface="+mn-ea"/>
+              </a:rPr>
+              <a:t>protocol</a:t>
+            </a:r>
+            <a:r>
+              <a:rPr lang="zh-CN" altLang="en-US" sz="1400">
+                <a:latin typeface="等线" panose="02010600030101010101" charset="-122"/>
+                <a:ea typeface="等线" panose="02010600030101010101" charset="-122"/>
+                <a:cs typeface="微软雅黑" panose="020B0503020204020204" pitchFamily="34" charset="-122"/>
+                <a:sym typeface="+mn-ea"/>
+              </a:rPr>
+              <a:t>&gt;.</a:t>
+            </a:r>
+            <a:r>
+              <a:rPr lang="en-US" altLang="zh-CN" sz="1400">
+                <a:latin typeface="等线" panose="02010600030101010101" charset="-122"/>
+                <a:ea typeface="等线" panose="02010600030101010101" charset="-122"/>
+                <a:cs typeface="微软雅黑" panose="020B0503020204020204" pitchFamily="34" charset="-122"/>
+                <a:sym typeface="+mn-ea"/>
+              </a:rPr>
+              <a:t>&lt;service&gt;</a:t>
+            </a:r>
+            <a:r>
+              <a:rPr lang="zh-CN" altLang="en-US" sz="1400">
+                <a:latin typeface="等线" panose="02010600030101010101" charset="-122"/>
+                <a:ea typeface="等线" panose="02010600030101010101" charset="-122"/>
+                <a:cs typeface="微软雅黑" panose="020B0503020204020204" pitchFamily="34" charset="-122"/>
+                <a:sym typeface="+mn-ea"/>
+              </a:rPr>
+              <a:t>.&lt;</a:t>
+            </a:r>
+            <a:r>
+              <a:rPr lang="en-US" altLang="zh-CN" sz="1400">
+                <a:latin typeface="等线" panose="02010600030101010101" charset="-122"/>
+                <a:ea typeface="等线" panose="02010600030101010101" charset="-122"/>
+                <a:cs typeface="微软雅黑" panose="020B0503020204020204" pitchFamily="34" charset="-122"/>
+                <a:sym typeface="+mn-ea"/>
+              </a:rPr>
+              <a:t>namespace</a:t>
+            </a:r>
+            <a:r>
+              <a:rPr lang="zh-CN" altLang="en-US" sz="1400">
+                <a:latin typeface="等线" panose="02010600030101010101" charset="-122"/>
+                <a:ea typeface="等线" panose="02010600030101010101" charset="-122"/>
+                <a:cs typeface="微软雅黑" panose="020B0503020204020204" pitchFamily="34" charset="-122"/>
+                <a:sym typeface="+mn-ea"/>
+              </a:rPr>
+              <a:t>&gt;svc.</a:t>
+            </a:r>
+            <a:r>
+              <a:rPr lang="zh-CN" altLang="en-US" sz="1400">
+                <a:solidFill>
+                  <a:srgbClr val="FF0000"/>
+                </a:solidFill>
+                <a:latin typeface="等线" panose="02010600030101010101" charset="-122"/>
+                <a:ea typeface="等线" panose="02010600030101010101" charset="-122"/>
+                <a:cs typeface="微软雅黑" panose="020B0503020204020204" pitchFamily="34" charset="-122"/>
+                <a:sym typeface="+mn-ea"/>
+              </a:rPr>
+              <a:t>cluster.local</a:t>
+            </a:r>
+          </a:p>
+        </p:txBody>
+      </p:sp>
+      <p:sp>
+        <p:nvSpPr>
+          <p:cNvPr id="22" name="文本框 21">
+            <a:extLst>
+              <a:ext uri="{FF2B5EF4-FFF2-40B4-BE49-F238E27FC236}">
+                <a16:creationId xmlns:a16="http://schemas.microsoft.com/office/drawing/2014/main" id="{48690A3F-35AC-4BEA-B25D-02CEFC256322}"/>
+              </a:ext>
+            </a:extLst>
+          </p:cNvPr>
+          <p:cNvSpPr txBox="1"/>
+          <p:nvPr/>
+        </p:nvSpPr>
+        <p:spPr>
+          <a:xfrm>
+            <a:off x="412750" y="4344670"/>
+            <a:ext cx="9846310" cy="275590"/>
+          </a:xfrm>
+          <a:prstGeom prst="rect">
+            <a:avLst/>
+          </a:prstGeom>
+          <a:noFill/>
+        </p:spPr>
+        <p:txBody>
+          <a:bodyPr wrap="square" rtlCol="0" anchor="t">
+            <a:spAutoFit/>
+          </a:bodyPr>
+          <a:lstStyle/>
+          <a:p>
+            <a:r>
+              <a:rPr lang="zh-CN" altLang="en-US" sz="1200">
+                <a:latin typeface="微软雅黑" panose="020B0503020204020204" pitchFamily="34" charset="-122"/>
+                <a:ea typeface="微软雅黑" panose="020B0503020204020204" pitchFamily="34" charset="-122"/>
+                <a:cs typeface="微软雅黑" panose="020B0503020204020204" pitchFamily="34" charset="-122"/>
+              </a:rPr>
+              <a:t>Pod 的 hostname 和 subdomain 字段设置之后 </a:t>
+            </a:r>
+            <a:r>
+              <a:rPr lang="en-US" altLang="zh-CN" sz="1200">
+                <a:latin typeface="微软雅黑" panose="020B0503020204020204" pitchFamily="34" charset="-122"/>
+                <a:ea typeface="微软雅黑" panose="020B0503020204020204" pitchFamily="34" charset="-122"/>
+                <a:cs typeface="微软雅黑" panose="020B0503020204020204" pitchFamily="34" charset="-122"/>
+              </a:rPr>
+              <a:t>A</a:t>
+            </a:r>
+            <a:r>
+              <a:rPr lang="zh-CN" altLang="en-US" sz="1200">
+                <a:latin typeface="微软雅黑" panose="020B0503020204020204" pitchFamily="34" charset="-122"/>
+                <a:ea typeface="微软雅黑" panose="020B0503020204020204" pitchFamily="34" charset="-122"/>
+                <a:cs typeface="微软雅黑" panose="020B0503020204020204" pitchFamily="34" charset="-122"/>
+              </a:rPr>
+              <a:t>记录可为：</a:t>
+            </a:r>
+            <a:r>
+              <a:rPr lang="en-US" altLang="zh-CN" sz="1200" b="1">
+                <a:latin typeface="微软雅黑" panose="020B0503020204020204" pitchFamily="34" charset="-122"/>
+                <a:ea typeface="微软雅黑" panose="020B0503020204020204" pitchFamily="34" charset="-122"/>
+                <a:cs typeface="微软雅黑" panose="020B0503020204020204" pitchFamily="34" charset="-122"/>
+              </a:rPr>
+              <a:t>&lt;hostname&gt;</a:t>
+            </a:r>
+            <a:r>
+              <a:rPr lang="zh-CN" altLang="en-US" sz="1200" b="1">
+                <a:latin typeface="微软雅黑" panose="020B0503020204020204" pitchFamily="34" charset="-122"/>
+                <a:ea typeface="微软雅黑" panose="020B0503020204020204" pitchFamily="34" charset="-122"/>
+                <a:cs typeface="微软雅黑" panose="020B0503020204020204" pitchFamily="34" charset="-122"/>
+              </a:rPr>
+              <a:t>.</a:t>
+            </a:r>
+            <a:r>
+              <a:rPr lang="en-US" altLang="zh-CN" sz="1200" b="1">
+                <a:latin typeface="微软雅黑" panose="020B0503020204020204" pitchFamily="34" charset="-122"/>
+                <a:ea typeface="微软雅黑" panose="020B0503020204020204" pitchFamily="34" charset="-122"/>
+                <a:cs typeface="微软雅黑" panose="020B0503020204020204" pitchFamily="34" charset="-122"/>
+              </a:rPr>
+              <a:t>&lt;subdomain&gt;</a:t>
+            </a:r>
+            <a:r>
+              <a:rPr lang="zh-CN" altLang="en-US" sz="1200" b="1">
+                <a:latin typeface="微软雅黑" panose="020B0503020204020204" pitchFamily="34" charset="-122"/>
+                <a:ea typeface="微软雅黑" panose="020B0503020204020204" pitchFamily="34" charset="-122"/>
+                <a:cs typeface="微软雅黑" panose="020B0503020204020204" pitchFamily="34" charset="-122"/>
+              </a:rPr>
+              <a:t>.</a:t>
+            </a:r>
+            <a:r>
+              <a:rPr lang="en-US" altLang="zh-CN" sz="1200" b="1">
+                <a:latin typeface="微软雅黑" panose="020B0503020204020204" pitchFamily="34" charset="-122"/>
+                <a:ea typeface="微软雅黑" panose="020B0503020204020204" pitchFamily="34" charset="-122"/>
+                <a:cs typeface="微软雅黑" panose="020B0503020204020204" pitchFamily="34" charset="-122"/>
+              </a:rPr>
+              <a:t>&lt;namespace&gt;</a:t>
+            </a:r>
+            <a:r>
+              <a:rPr lang="zh-CN" altLang="en-US" sz="1200" b="1">
+                <a:latin typeface="微软雅黑" panose="020B0503020204020204" pitchFamily="34" charset="-122"/>
+                <a:ea typeface="微软雅黑" panose="020B0503020204020204" pitchFamily="34" charset="-122"/>
+                <a:cs typeface="微软雅黑" panose="020B0503020204020204" pitchFamily="34" charset="-122"/>
+              </a:rPr>
+              <a:t>.svc.</a:t>
+            </a:r>
+            <a:r>
+              <a:rPr lang="en-US" altLang="zh-CN" sz="1200" b="1">
+                <a:latin typeface="微软雅黑" panose="020B0503020204020204" pitchFamily="34" charset="-122"/>
+                <a:ea typeface="微软雅黑" panose="020B0503020204020204" pitchFamily="34" charset="-122"/>
+                <a:cs typeface="微软雅黑" panose="020B0503020204020204" pitchFamily="34" charset="-122"/>
+              </a:rPr>
+              <a:t>cluster.local</a:t>
+            </a:r>
+          </a:p>
+        </p:txBody>
+      </p:sp>
+      <p:sp>
+        <p:nvSpPr>
+          <p:cNvPr id="23" name="文本框 22">
+            <a:extLst>
+              <a:ext uri="{FF2B5EF4-FFF2-40B4-BE49-F238E27FC236}">
+                <a16:creationId xmlns:a16="http://schemas.microsoft.com/office/drawing/2014/main" id="{C2DD527D-0CAD-46C0-946E-50BF8EAB2C79}"/>
+              </a:ext>
+            </a:extLst>
+          </p:cNvPr>
+          <p:cNvSpPr txBox="1"/>
+          <p:nvPr/>
+        </p:nvSpPr>
+        <p:spPr>
+          <a:xfrm>
+            <a:off x="463550" y="4744720"/>
+            <a:ext cx="2489835" cy="460375"/>
+          </a:xfrm>
+          <a:prstGeom prst="rect">
+            <a:avLst/>
+          </a:prstGeom>
+          <a:noFill/>
+        </p:spPr>
+        <p:txBody>
+          <a:bodyPr wrap="square" rtlCol="0">
+            <a:spAutoFit/>
+          </a:bodyPr>
+          <a:lstStyle/>
+          <a:p>
+            <a:pPr indent="0">
+              <a:lnSpc>
+                <a:spcPct val="150000"/>
+              </a:lnSpc>
+              <a:buFont typeface="Arial" panose="020B0604020202020204" pitchFamily="34" charset="0"/>
+              <a:buNone/>
+            </a:pPr>
+            <a:r>
+              <a:rPr lang="en-US" sz="1600" b="1">
+                <a:latin typeface="微软雅黑" panose="020B0503020204020204" pitchFamily="34" charset="-122"/>
+                <a:ea typeface="微软雅黑" panose="020B0503020204020204" pitchFamily="34" charset="-122"/>
+                <a:cs typeface="微软雅黑" panose="020B0503020204020204" pitchFamily="34" charset="-122"/>
+              </a:rPr>
+              <a:t>DNS</a:t>
+            </a:r>
+            <a:r>
+              <a:rPr lang="zh-CN" altLang="en-US" sz="1600" b="1">
+                <a:latin typeface="微软雅黑" panose="020B0503020204020204" pitchFamily="34" charset="-122"/>
+                <a:ea typeface="微软雅黑" panose="020B0503020204020204" pitchFamily="34" charset="-122"/>
+                <a:cs typeface="微软雅黑" panose="020B0503020204020204" pitchFamily="34" charset="-122"/>
+              </a:rPr>
+              <a:t>策略</a:t>
+            </a:r>
+          </a:p>
+        </p:txBody>
+      </p:sp>
+      <p:sp>
+        <p:nvSpPr>
+          <p:cNvPr id="24" name="文本框 23">
+            <a:extLst>
+              <a:ext uri="{FF2B5EF4-FFF2-40B4-BE49-F238E27FC236}">
+                <a16:creationId xmlns:a16="http://schemas.microsoft.com/office/drawing/2014/main" id="{C0CD4256-FE22-43B5-933F-3C63C372662F}"/>
+              </a:ext>
+            </a:extLst>
+          </p:cNvPr>
+          <p:cNvSpPr txBox="1"/>
+          <p:nvPr/>
+        </p:nvSpPr>
+        <p:spPr>
+          <a:xfrm>
+            <a:off x="2599055" y="5280025"/>
+            <a:ext cx="923925" cy="368300"/>
+          </a:xfrm>
+          <a:prstGeom prst="rect">
+            <a:avLst/>
+          </a:prstGeom>
+          <a:noFill/>
+        </p:spPr>
+        <p:txBody>
+          <a:bodyPr wrap="square" rtlCol="0" anchor="t">
+            <a:spAutoFit/>
+          </a:bodyPr>
+          <a:lstStyle/>
+          <a:p>
+            <a:r>
+              <a:rPr lang="zh-CN" altLang="en-US"/>
+              <a:t>Default</a:t>
+            </a:r>
+          </a:p>
+        </p:txBody>
+      </p:sp>
+      <p:sp>
+        <p:nvSpPr>
+          <p:cNvPr id="25" name="文本框 24">
+            <a:extLst>
+              <a:ext uri="{FF2B5EF4-FFF2-40B4-BE49-F238E27FC236}">
+                <a16:creationId xmlns:a16="http://schemas.microsoft.com/office/drawing/2014/main" id="{40DAFF9E-EE41-4F63-9BAD-EE56657E274B}"/>
+              </a:ext>
+            </a:extLst>
+          </p:cNvPr>
+          <p:cNvSpPr txBox="1"/>
+          <p:nvPr/>
+        </p:nvSpPr>
+        <p:spPr>
+          <a:xfrm>
+            <a:off x="2599055" y="6042025"/>
+            <a:ext cx="1368425" cy="368300"/>
+          </a:xfrm>
+          <a:prstGeom prst="rect">
+            <a:avLst/>
+          </a:prstGeom>
+          <a:noFill/>
+        </p:spPr>
+        <p:txBody>
+          <a:bodyPr wrap="square" rtlCol="0" anchor="t">
+            <a:spAutoFit/>
+          </a:bodyPr>
+          <a:lstStyle/>
+          <a:p>
+            <a:r>
+              <a:rPr lang="zh-CN" altLang="en-US"/>
+              <a:t>ClusterFirst</a:t>
+            </a:r>
+          </a:p>
+        </p:txBody>
+      </p:sp>
+      <p:sp>
+        <p:nvSpPr>
+          <p:cNvPr id="26" name="文本框 25">
+            <a:extLst>
+              <a:ext uri="{FF2B5EF4-FFF2-40B4-BE49-F238E27FC236}">
+                <a16:creationId xmlns:a16="http://schemas.microsoft.com/office/drawing/2014/main" id="{5C048F1F-8267-4435-88E2-50352D09F667}"/>
+              </a:ext>
+            </a:extLst>
+          </p:cNvPr>
+          <p:cNvSpPr txBox="1"/>
+          <p:nvPr/>
+        </p:nvSpPr>
+        <p:spPr>
+          <a:xfrm>
+            <a:off x="5416550" y="6042025"/>
+            <a:ext cx="3403254" cy="368300"/>
+          </a:xfrm>
+          <a:prstGeom prst="rect">
+            <a:avLst/>
+          </a:prstGeom>
+          <a:noFill/>
+        </p:spPr>
+        <p:txBody>
+          <a:bodyPr wrap="square" rtlCol="0" anchor="t">
+            <a:spAutoFit/>
+          </a:bodyPr>
+          <a:lstStyle/>
+          <a:p>
+            <a:r>
+              <a:rPr lang="zh-CN" altLang="en-US" dirty="0"/>
+              <a:t>ClusterFirstWithHostNet</a:t>
+            </a:r>
+          </a:p>
+        </p:txBody>
+      </p:sp>
+      <p:sp>
+        <p:nvSpPr>
+          <p:cNvPr id="27" name="文本框 26">
+            <a:extLst>
+              <a:ext uri="{FF2B5EF4-FFF2-40B4-BE49-F238E27FC236}">
+                <a16:creationId xmlns:a16="http://schemas.microsoft.com/office/drawing/2014/main" id="{EB10B226-E4F0-4338-8773-895D4ECA82CC}"/>
+              </a:ext>
+            </a:extLst>
+          </p:cNvPr>
+          <p:cNvSpPr txBox="1"/>
+          <p:nvPr/>
+        </p:nvSpPr>
+        <p:spPr>
+          <a:xfrm>
+            <a:off x="5416550" y="5280025"/>
+            <a:ext cx="797560" cy="368300"/>
+          </a:xfrm>
+          <a:prstGeom prst="rect">
+            <a:avLst/>
+          </a:prstGeom>
+          <a:noFill/>
+        </p:spPr>
+        <p:txBody>
+          <a:bodyPr wrap="square" rtlCol="0" anchor="t">
+            <a:spAutoFit/>
+          </a:bodyPr>
+          <a:lstStyle/>
+          <a:p>
+            <a:r>
+              <a:rPr lang="zh-CN" altLang="en-US"/>
+              <a:t>None</a:t>
+            </a:r>
+          </a:p>
+        </p:txBody>
+      </p:sp>
+    </p:spTree>
+    <p:extLst>
+      <p:ext uri="{BB962C8B-B14F-4D97-AF65-F5344CB8AC3E}">
+        <p14:creationId xmlns:p14="http://schemas.microsoft.com/office/powerpoint/2010/main" val="3809100493"/>
+      </p:ext>
+    </p:extLst>
+  </p:cSld>
+  <p:clrMapOvr>
+    <a:masterClrMapping/>
+  </p:clrMapOvr>
+</p:sld>
+</file>
+
+<file path=ppt/slides/slide4.xml><?xml version="1.0" encoding="utf-8"?>
+<p:sld xmlns:a="http://schemas.openxmlformats.org/drawingml/2006/main" xmlns:r="http://schemas.openxmlformats.org/officeDocument/2006/relationships" xmlns:p="http://schemas.openxmlformats.org/presentationml/2006/main">
+  <p:cSld>
+    <p:spTree>
+      <p:nvGrpSpPr>
+        <p:cNvPr id="1" name=""/>
+        <p:cNvGrpSpPr/>
+        <p:nvPr/>
+      </p:nvGrpSpPr>
+      <p:grpSpPr>
+        <a:xfrm>
+          <a:off x="0" y="0"/>
+          <a:ext cx="0" cy="0"/>
+          <a:chOff x="0" y="0"/>
+          <a:chExt cx="0" cy="0"/>
+        </a:xfrm>
+      </p:grpSpPr>
+      <p:sp>
+        <p:nvSpPr>
+          <p:cNvPr id="10" name="文本框 9"/>
+          <p:cNvSpPr txBox="1"/>
+          <p:nvPr/>
+        </p:nvSpPr>
+        <p:spPr>
+          <a:xfrm>
+            <a:off x="309775" y="290688"/>
+            <a:ext cx="489236" cy="522451"/>
+          </a:xfrm>
+          <a:prstGeom prst="rect">
+            <a:avLst/>
+          </a:prstGeom>
+          <a:noFill/>
+        </p:spPr>
+        <p:txBody>
+          <a:bodyPr wrap="none" rtlCol="0">
+            <a:spAutoFit/>
+          </a:bodyPr>
+          <a:lstStyle/>
+          <a:p>
+            <a:pPr marL="0" marR="0" lvl="0" indent="0" algn="ctr" defTabSz="914400" eaLnBrk="1" fontAlgn="auto" latinLnBrk="0" hangingPunct="1">
+              <a:lnSpc>
+                <a:spcPct val="130000"/>
+              </a:lnSpc>
+              <a:buClrTx/>
+              <a:buSzTx/>
+              <a:buFontTx/>
+              <a:buNone/>
+              <a:defRPr/>
+            </a:pPr>
+            <a:r>
+              <a:rPr kumimoji="0" lang="en-US" altLang="zh-CN" sz="2400" b="1" i="0" u="none" strike="noStrike" kern="0" cap="none" spc="-150" normalizeH="0" baseline="0" noProof="0" dirty="0">
+                <a:ln>
+                  <a:noFill/>
+                </a:ln>
+                <a:solidFill>
+                  <a:prstClr val="white"/>
+                </a:solidFill>
+                <a:effectLst/>
+                <a:uLnTx/>
+                <a:uFillTx/>
+                <a:cs typeface="+mn-ea"/>
+                <a:sym typeface="+mn-lt"/>
+              </a:rPr>
+              <a:t>01</a:t>
+            </a:r>
+            <a:endParaRPr kumimoji="0" lang="zh-CN" altLang="en-US" sz="2400" b="1" i="0" u="none" strike="noStrike" kern="0" cap="none" spc="-150" normalizeH="0" baseline="0" noProof="0" dirty="0">
+              <a:ln>
+                <a:noFill/>
+              </a:ln>
+              <a:solidFill>
+                <a:prstClr val="white"/>
+              </a:solidFill>
+              <a:effectLst/>
+              <a:uLnTx/>
+              <a:uFillTx/>
+              <a:cs typeface="+mn-ea"/>
+              <a:sym typeface="+mn-lt"/>
+            </a:endParaRPr>
+          </a:p>
+        </p:txBody>
+      </p:sp>
+      <p:sp>
+        <p:nvSpPr>
+          <p:cNvPr id="11" name="文本框 10"/>
+          <p:cNvSpPr txBox="1"/>
+          <p:nvPr/>
+        </p:nvSpPr>
+        <p:spPr>
+          <a:xfrm>
+            <a:off x="860389" y="290687"/>
+            <a:ext cx="2820003" cy="522451"/>
+          </a:xfrm>
+          <a:prstGeom prst="rect">
+            <a:avLst/>
+          </a:prstGeom>
+          <a:noFill/>
+        </p:spPr>
+        <p:txBody>
+          <a:bodyPr wrap="none" rtlCol="0">
+            <a:spAutoFit/>
+          </a:bodyPr>
+          <a:lstStyle/>
+          <a:p>
+            <a:pPr marL="0" marR="0" lvl="0" indent="0" defTabSz="914400" eaLnBrk="1" fontAlgn="auto" latinLnBrk="0" hangingPunct="1">
+              <a:lnSpc>
+                <a:spcPct val="130000"/>
+              </a:lnSpc>
+              <a:buClrTx/>
+              <a:buSzTx/>
+              <a:buFontTx/>
+              <a:buNone/>
+              <a:defRPr/>
+            </a:pPr>
+            <a:r>
+              <a:rPr kumimoji="0" lang="en-US" altLang="zh-CN" sz="2400" b="1" i="0" u="none" strike="noStrike" kern="0" cap="none" spc="0" normalizeH="0" baseline="0" noProof="0" dirty="0">
+                <a:ln>
+                  <a:noFill/>
+                </a:ln>
+                <a:solidFill>
+                  <a:prstClr val="black"/>
+                </a:solidFill>
+                <a:effectLst/>
+                <a:uLnTx/>
+                <a:uFillTx/>
+                <a:cs typeface="+mn-ea"/>
+                <a:sym typeface="+mn-lt"/>
+              </a:rPr>
+              <a:t>Kubernetes BASE</a:t>
+            </a:r>
+            <a:endParaRPr kumimoji="0" lang="zh-CN" altLang="en-US" sz="2400" b="1" i="0" u="none" strike="noStrike" kern="0" cap="none" spc="0" normalizeH="0" baseline="0" noProof="0" dirty="0">
+              <a:ln>
+                <a:noFill/>
+              </a:ln>
+              <a:solidFill>
+                <a:prstClr val="black"/>
+              </a:solidFill>
+              <a:effectLst/>
+              <a:uLnTx/>
+              <a:uFillTx/>
+              <a:cs typeface="+mn-ea"/>
+              <a:sym typeface="+mn-lt"/>
+            </a:endParaRPr>
+          </a:p>
+        </p:txBody>
+      </p:sp>
+      <p:pic>
+        <p:nvPicPr>
+          <p:cNvPr id="9" name="图片 8">
+            <a:extLst>
+              <a:ext uri="{FF2B5EF4-FFF2-40B4-BE49-F238E27FC236}">
+                <a16:creationId xmlns:a16="http://schemas.microsoft.com/office/drawing/2014/main" id="{3DE36822-08DF-4A6A-934B-7BC5EB4ED94C}"/>
+              </a:ext>
+            </a:extLst>
+          </p:cNvPr>
+          <p:cNvPicPr>
+            <a:picLocks noChangeAspect="1"/>
+          </p:cNvPicPr>
+          <p:nvPr/>
+        </p:nvPicPr>
+        <p:blipFill>
+          <a:blip r:embed="rId2"/>
+          <a:stretch>
+            <a:fillRect/>
+          </a:stretch>
+        </p:blipFill>
+        <p:spPr>
+          <a:xfrm>
+            <a:off x="9956369" y="290687"/>
+            <a:ext cx="1925856" cy="490330"/>
+          </a:xfrm>
+          <a:prstGeom prst="rect">
+            <a:avLst/>
+          </a:prstGeom>
+        </p:spPr>
+      </p:pic>
+      <p:grpSp>
+        <p:nvGrpSpPr>
+          <p:cNvPr id="36" name="组合 35">
+            <a:extLst>
+              <a:ext uri="{FF2B5EF4-FFF2-40B4-BE49-F238E27FC236}">
+                <a16:creationId xmlns:a16="http://schemas.microsoft.com/office/drawing/2014/main" id="{90752FD9-B5EA-4793-8F72-01978227B742}"/>
+              </a:ext>
+            </a:extLst>
+          </p:cNvPr>
+          <p:cNvGrpSpPr/>
+          <p:nvPr/>
+        </p:nvGrpSpPr>
+        <p:grpSpPr>
+          <a:xfrm>
+            <a:off x="3937885" y="3026242"/>
+            <a:ext cx="6018484" cy="696276"/>
+            <a:chOff x="5715000" y="1581359"/>
+            <a:chExt cx="3762375" cy="553348"/>
+          </a:xfrm>
+        </p:grpSpPr>
+        <p:grpSp>
+          <p:nvGrpSpPr>
+            <p:cNvPr id="37" name="组合 36">
+              <a:extLst>
+                <a:ext uri="{FF2B5EF4-FFF2-40B4-BE49-F238E27FC236}">
+                  <a16:creationId xmlns:a16="http://schemas.microsoft.com/office/drawing/2014/main" id="{A607C8E7-6A50-44CF-A286-8D8E01C59A81}"/>
+                </a:ext>
+              </a:extLst>
+            </p:cNvPr>
+            <p:cNvGrpSpPr/>
+            <p:nvPr/>
+          </p:nvGrpSpPr>
+          <p:grpSpPr>
+            <a:xfrm>
+              <a:off x="5715000" y="1581359"/>
+              <a:ext cx="381000" cy="381000"/>
+              <a:chOff x="-695325" y="2305050"/>
+              <a:chExt cx="1028700" cy="1028700"/>
+            </a:xfrm>
+          </p:grpSpPr>
+          <p:cxnSp>
+            <p:nvCxnSpPr>
+              <p:cNvPr id="39" name="直接连接符 38">
+                <a:extLst>
+                  <a:ext uri="{FF2B5EF4-FFF2-40B4-BE49-F238E27FC236}">
+                    <a16:creationId xmlns:a16="http://schemas.microsoft.com/office/drawing/2014/main" id="{898AE9B7-E7A8-4EC0-9F41-F1BBB1280089}"/>
+                  </a:ext>
+                </a:extLst>
+              </p:cNvPr>
+              <p:cNvCxnSpPr/>
+              <p:nvPr/>
+            </p:nvCxnSpPr>
+            <p:spPr>
+              <a:xfrm>
+                <a:off x="-695325" y="2305050"/>
+                <a:ext cx="1028700" cy="0"/>
+              </a:xfrm>
+              <a:prstGeom prst="line">
+                <a:avLst/>
+              </a:prstGeom>
+              <a:ln/>
+            </p:spPr>
+            <p:style>
+              <a:lnRef idx="3">
+                <a:schemeClr val="dk1"/>
+              </a:lnRef>
+              <a:fillRef idx="0">
+                <a:schemeClr val="dk1"/>
+              </a:fillRef>
+              <a:effectRef idx="2">
+                <a:schemeClr val="dk1"/>
+              </a:effectRef>
+              <a:fontRef idx="minor">
+                <a:schemeClr val="tx1"/>
+              </a:fontRef>
+            </p:style>
+          </p:cxnSp>
+          <p:cxnSp>
+            <p:nvCxnSpPr>
+              <p:cNvPr id="40" name="直接连接符 39">
+                <a:extLst>
+                  <a:ext uri="{FF2B5EF4-FFF2-40B4-BE49-F238E27FC236}">
+                    <a16:creationId xmlns:a16="http://schemas.microsoft.com/office/drawing/2014/main" id="{D76C1E75-DDC1-47F0-9248-6686531851E3}"/>
+                  </a:ext>
+                </a:extLst>
+              </p:cNvPr>
+              <p:cNvCxnSpPr/>
+              <p:nvPr/>
+            </p:nvCxnSpPr>
+            <p:spPr>
+              <a:xfrm rot="16200000">
+                <a:off x="-1209675" y="2819400"/>
+                <a:ext cx="1028700" cy="0"/>
+              </a:xfrm>
+              <a:prstGeom prst="line">
+                <a:avLst/>
+              </a:prstGeom>
+              <a:ln/>
+            </p:spPr>
+            <p:style>
+              <a:lnRef idx="3">
+                <a:schemeClr val="dk1"/>
+              </a:lnRef>
+              <a:fillRef idx="0">
+                <a:schemeClr val="dk1"/>
+              </a:fillRef>
+              <a:effectRef idx="2">
+                <a:schemeClr val="dk1"/>
+              </a:effectRef>
+              <a:fontRef idx="minor">
+                <a:schemeClr val="tx1"/>
+              </a:fontRef>
+            </p:style>
+          </p:cxnSp>
+        </p:grpSp>
+        <p:sp>
+          <p:nvSpPr>
+            <p:cNvPr id="38" name="文本框 37">
+              <a:extLst>
+                <a:ext uri="{FF2B5EF4-FFF2-40B4-BE49-F238E27FC236}">
+                  <a16:creationId xmlns:a16="http://schemas.microsoft.com/office/drawing/2014/main" id="{B9068386-55ED-4FD0-8109-8886CF7E4184}"/>
+                </a:ext>
+              </a:extLst>
+            </p:cNvPr>
+            <p:cNvSpPr txBox="1"/>
+            <p:nvPr/>
+          </p:nvSpPr>
+          <p:spPr>
+            <a:xfrm>
+              <a:off x="5800725" y="1669972"/>
+              <a:ext cx="3676650" cy="464735"/>
+            </a:xfrm>
+            <a:prstGeom prst="rect">
+              <a:avLst/>
+            </a:prstGeom>
+            <a:noFill/>
+          </p:spPr>
+          <p:txBody>
+            <a:bodyPr wrap="square" rtlCol="0">
+              <a:spAutoFit/>
+            </a:bodyPr>
+            <a:lstStyle/>
+            <a:p>
+              <a:r>
+                <a:rPr lang="zh-CN" altLang="en-US" sz="3200" dirty="0"/>
+                <a:t>鸟瞰</a:t>
+              </a:r>
+              <a:r>
+                <a:rPr lang="en-US" altLang="zh-CN" sz="3200" dirty="0"/>
+                <a:t>Kubernetes</a:t>
+              </a:r>
+            </a:p>
+          </p:txBody>
+        </p:sp>
+      </p:grpSp>
+    </p:spTree>
+  </p:cSld>
+  <p:clrMapOvr>
+    <a:masterClrMapping/>
+  </p:clrMapOvr>
+</p:sld>
+</file>
+
+<file path=ppt/slides/slide40.xml><?xml version="1.0" encoding="utf-8"?>
+<p:sld xmlns:a="http://schemas.openxmlformats.org/drawingml/2006/main" xmlns:r="http://schemas.openxmlformats.org/officeDocument/2006/relationships" xmlns:p="http://schemas.openxmlformats.org/presentationml/2006/main">
+  <p:cSld>
+    <p:spTree>
+      <p:nvGrpSpPr>
+        <p:cNvPr id="1" name=""/>
+        <p:cNvGrpSpPr/>
+        <p:nvPr/>
+      </p:nvGrpSpPr>
+      <p:grpSpPr>
+        <a:xfrm>
+          <a:off x="0" y="0"/>
+          <a:ext cx="0" cy="0"/>
+          <a:chOff x="0" y="0"/>
+          <a:chExt cx="0" cy="0"/>
+        </a:xfrm>
+      </p:grpSpPr>
+      <p:sp>
+        <p:nvSpPr>
+          <p:cNvPr id="10" name="文本框 9"/>
+          <p:cNvSpPr txBox="1"/>
+          <p:nvPr/>
+        </p:nvSpPr>
+        <p:spPr>
+          <a:xfrm>
+            <a:off x="309775" y="290688"/>
+            <a:ext cx="489236" cy="522451"/>
+          </a:xfrm>
+          <a:prstGeom prst="rect">
+            <a:avLst/>
+          </a:prstGeom>
+          <a:noFill/>
+        </p:spPr>
+        <p:txBody>
+          <a:bodyPr wrap="none" rtlCol="0">
+            <a:spAutoFit/>
+          </a:bodyPr>
+          <a:lstStyle/>
+          <a:p>
+            <a:pPr marL="0" marR="0" lvl="0" indent="0" algn="ctr" defTabSz="914400" eaLnBrk="1" fontAlgn="auto" latinLnBrk="0" hangingPunct="1">
+              <a:lnSpc>
+                <a:spcPct val="130000"/>
+              </a:lnSpc>
+              <a:buClrTx/>
+              <a:buSzTx/>
+              <a:buFontTx/>
+              <a:buNone/>
+              <a:defRPr/>
+            </a:pPr>
+            <a:r>
+              <a:rPr kumimoji="0" lang="en-US" altLang="zh-CN" sz="2400" b="1" i="0" u="none" strike="noStrike" kern="0" cap="none" spc="-150" normalizeH="0" baseline="0" noProof="0" dirty="0">
+                <a:ln>
+                  <a:noFill/>
+                </a:ln>
+                <a:solidFill>
+                  <a:prstClr val="white"/>
+                </a:solidFill>
+                <a:effectLst/>
+                <a:uLnTx/>
+                <a:uFillTx/>
+                <a:cs typeface="+mn-ea"/>
+                <a:sym typeface="+mn-lt"/>
+              </a:rPr>
+              <a:t>02</a:t>
+            </a:r>
+            <a:endParaRPr kumimoji="0" lang="zh-CN" altLang="en-US" sz="2400" b="1" i="0" u="none" strike="noStrike" kern="0" cap="none" spc="-150" normalizeH="0" baseline="0" noProof="0" dirty="0">
+              <a:ln>
+                <a:noFill/>
+              </a:ln>
+              <a:solidFill>
+                <a:prstClr val="white"/>
+              </a:solidFill>
+              <a:effectLst/>
+              <a:uLnTx/>
+              <a:uFillTx/>
+              <a:cs typeface="+mn-ea"/>
+              <a:sym typeface="+mn-lt"/>
+            </a:endParaRPr>
+          </a:p>
+        </p:txBody>
+      </p:sp>
+      <p:sp>
+        <p:nvSpPr>
+          <p:cNvPr id="11" name="文本框 10"/>
+          <p:cNvSpPr txBox="1"/>
+          <p:nvPr/>
+        </p:nvSpPr>
+        <p:spPr>
+          <a:xfrm>
+            <a:off x="860389" y="290687"/>
+            <a:ext cx="3711272" cy="522451"/>
+          </a:xfrm>
+          <a:prstGeom prst="rect">
+            <a:avLst/>
+          </a:prstGeom>
+          <a:noFill/>
+        </p:spPr>
+        <p:txBody>
+          <a:bodyPr wrap="none" rtlCol="0">
+            <a:spAutoFit/>
+          </a:bodyPr>
+          <a:lstStyle/>
+          <a:p>
+            <a:pPr marL="0" marR="0" lvl="0" indent="0" defTabSz="914400" eaLnBrk="1" fontAlgn="auto" latinLnBrk="0" hangingPunct="1">
+              <a:lnSpc>
+                <a:spcPct val="130000"/>
+              </a:lnSpc>
+              <a:buClrTx/>
+              <a:buSzTx/>
+              <a:buFontTx/>
+              <a:buNone/>
+              <a:defRPr/>
+            </a:pPr>
+            <a:r>
+              <a:rPr kumimoji="0" lang="en-US" altLang="zh-CN" sz="2400" b="1" i="0" u="none" strike="noStrike" kern="0" cap="none" spc="0" normalizeH="0" baseline="0" noProof="0" dirty="0">
+                <a:ln>
+                  <a:noFill/>
+                </a:ln>
+                <a:solidFill>
+                  <a:prstClr val="black"/>
+                </a:solidFill>
+                <a:effectLst/>
+                <a:uLnTx/>
+                <a:uFillTx/>
+                <a:cs typeface="+mn-ea"/>
+                <a:sym typeface="+mn-lt"/>
+              </a:rPr>
+              <a:t>Kubernetes ADVANCED</a:t>
+            </a:r>
+            <a:endParaRPr kumimoji="0" lang="zh-CN" altLang="en-US" sz="2400" b="1" i="0" u="none" strike="noStrike" kern="0" cap="none" spc="0" normalizeH="0" baseline="0" noProof="0" dirty="0">
+              <a:ln>
+                <a:noFill/>
+              </a:ln>
+              <a:solidFill>
+                <a:prstClr val="black"/>
+              </a:solidFill>
+              <a:effectLst/>
+              <a:uLnTx/>
+              <a:uFillTx/>
+              <a:cs typeface="+mn-ea"/>
+              <a:sym typeface="+mn-lt"/>
+            </a:endParaRPr>
+          </a:p>
+        </p:txBody>
+      </p:sp>
+      <p:pic>
+        <p:nvPicPr>
+          <p:cNvPr id="9" name="图片 8">
+            <a:extLst>
+              <a:ext uri="{FF2B5EF4-FFF2-40B4-BE49-F238E27FC236}">
+                <a16:creationId xmlns:a16="http://schemas.microsoft.com/office/drawing/2014/main" id="{3DE36822-08DF-4A6A-934B-7BC5EB4ED94C}"/>
+              </a:ext>
+            </a:extLst>
+          </p:cNvPr>
+          <p:cNvPicPr>
+            <a:picLocks noChangeAspect="1"/>
+          </p:cNvPicPr>
+          <p:nvPr/>
+        </p:nvPicPr>
+        <p:blipFill>
+          <a:blip r:embed="rId3"/>
+          <a:stretch>
+            <a:fillRect/>
+          </a:stretch>
+        </p:blipFill>
+        <p:spPr>
+          <a:xfrm>
+            <a:off x="9956369" y="290687"/>
+            <a:ext cx="1925856" cy="490330"/>
+          </a:xfrm>
+          <a:prstGeom prst="rect">
+            <a:avLst/>
+          </a:prstGeom>
+        </p:spPr>
+      </p:pic>
+      <p:sp>
+        <p:nvSpPr>
+          <p:cNvPr id="13" name="文本框 12">
+            <a:extLst>
+              <a:ext uri="{FF2B5EF4-FFF2-40B4-BE49-F238E27FC236}">
+                <a16:creationId xmlns:a16="http://schemas.microsoft.com/office/drawing/2014/main" id="{764F0AE5-F15D-425A-B021-0C51BD44C30B}"/>
+              </a:ext>
+            </a:extLst>
+          </p:cNvPr>
+          <p:cNvSpPr txBox="1"/>
+          <p:nvPr/>
+        </p:nvSpPr>
+        <p:spPr>
+          <a:xfrm>
+            <a:off x="463550" y="1181100"/>
+            <a:ext cx="7802245" cy="306705"/>
+          </a:xfrm>
+          <a:prstGeom prst="rect">
+            <a:avLst/>
+          </a:prstGeom>
+          <a:noFill/>
+        </p:spPr>
+        <p:txBody>
+          <a:bodyPr wrap="square" rtlCol="0" anchor="t">
+            <a:spAutoFit/>
+          </a:bodyPr>
+          <a:lstStyle/>
+          <a:p>
+            <a:r>
+              <a:rPr lang="en-US" sz="1400" b="1">
+                <a:latin typeface="微软雅黑" panose="020B0503020204020204" pitchFamily="34" charset="-122"/>
+                <a:ea typeface="微软雅黑" panose="020B0503020204020204" pitchFamily="34" charset="-122"/>
+                <a:cs typeface="微软雅黑" panose="020B0503020204020204" pitchFamily="34" charset="-122"/>
+              </a:rPr>
+              <a:t>Pod</a:t>
+            </a:r>
+            <a:r>
+              <a:rPr lang="zh-CN" altLang="en-US" sz="1400" b="1">
+                <a:latin typeface="微软雅黑" panose="020B0503020204020204" pitchFamily="34" charset="-122"/>
+                <a:ea typeface="微软雅黑" panose="020B0503020204020204" pitchFamily="34" charset="-122"/>
+                <a:cs typeface="微软雅黑" panose="020B0503020204020204" pitchFamily="34" charset="-122"/>
+              </a:rPr>
+              <a:t>标识符</a:t>
+            </a:r>
+          </a:p>
+        </p:txBody>
+      </p:sp>
+      <p:pic>
+        <p:nvPicPr>
+          <p:cNvPr id="16" name="图片 15">
+            <a:extLst>
+              <a:ext uri="{FF2B5EF4-FFF2-40B4-BE49-F238E27FC236}">
+                <a16:creationId xmlns:a16="http://schemas.microsoft.com/office/drawing/2014/main" id="{40DE41F9-71FF-4F83-AC07-43508DCD8578}"/>
+              </a:ext>
+            </a:extLst>
+          </p:cNvPr>
+          <p:cNvPicPr>
+            <a:picLocks noChangeAspect="1"/>
+          </p:cNvPicPr>
+          <p:nvPr/>
+        </p:nvPicPr>
+        <p:blipFill>
+          <a:blip r:embed="rId4"/>
+          <a:stretch>
+            <a:fillRect/>
+          </a:stretch>
+        </p:blipFill>
+        <p:spPr>
+          <a:xfrm>
+            <a:off x="1897380" y="1181100"/>
+            <a:ext cx="4933950" cy="1562100"/>
+          </a:xfrm>
+          <a:prstGeom prst="rect">
+            <a:avLst/>
+          </a:prstGeom>
+        </p:spPr>
+      </p:pic>
+      <p:sp>
+        <p:nvSpPr>
+          <p:cNvPr id="18" name="文本框 17">
+            <a:extLst>
+              <a:ext uri="{FF2B5EF4-FFF2-40B4-BE49-F238E27FC236}">
+                <a16:creationId xmlns:a16="http://schemas.microsoft.com/office/drawing/2014/main" id="{53238EAA-4B19-463E-90AC-BF6E29DDEB0A}"/>
+              </a:ext>
+            </a:extLst>
+          </p:cNvPr>
+          <p:cNvSpPr txBox="1"/>
+          <p:nvPr/>
+        </p:nvSpPr>
+        <p:spPr>
+          <a:xfrm>
+            <a:off x="462915" y="3088005"/>
+            <a:ext cx="11231880" cy="953135"/>
+          </a:xfrm>
+          <a:prstGeom prst="rect">
+            <a:avLst/>
+          </a:prstGeom>
+          <a:noFill/>
+        </p:spPr>
+        <p:txBody>
+          <a:bodyPr wrap="square" rtlCol="0" anchor="t">
+            <a:spAutoFit/>
+          </a:bodyPr>
+          <a:lstStyle/>
+          <a:p>
+            <a:r>
+              <a:rPr lang="zh-CN" sz="1400" b="1">
+                <a:latin typeface="微软雅黑" panose="020B0503020204020204" pitchFamily="34" charset="-122"/>
+                <a:ea typeface="微软雅黑" panose="020B0503020204020204" pitchFamily="34" charset="-122"/>
+                <a:cs typeface="微软雅黑" panose="020B0503020204020204" pitchFamily="34" charset="-122"/>
+              </a:rPr>
+              <a:t>有序的索引：</a:t>
+            </a:r>
+          </a:p>
+          <a:p>
+            <a:r>
+              <a:rPr lang="zh-CN" sz="1400">
+                <a:latin typeface="微软雅黑" panose="020B0503020204020204" pitchFamily="34" charset="-122"/>
+                <a:ea typeface="微软雅黑" panose="020B0503020204020204" pitchFamily="34" charset="-122"/>
+                <a:cs typeface="微软雅黑" panose="020B0503020204020204" pitchFamily="34" charset="-122"/>
+              </a:rPr>
+              <a:t>对于具有 N 个副本的 StatefulSet，StatefulSet 中的每个 Pod 将被分配一个整数序号， 从 0 到 N-1，该序号在 StatefulSet 上是唯一的</a:t>
+            </a:r>
+          </a:p>
+          <a:p>
+            <a:endParaRPr lang="zh-CN" sz="1400">
+              <a:latin typeface="微软雅黑" panose="020B0503020204020204" pitchFamily="34" charset="-122"/>
+              <a:ea typeface="微软雅黑" panose="020B0503020204020204" pitchFamily="34" charset="-122"/>
+              <a:cs typeface="微软雅黑" panose="020B0503020204020204" pitchFamily="34" charset="-122"/>
+            </a:endParaRPr>
+          </a:p>
+          <a:p>
+            <a:r>
+              <a:rPr lang="zh-CN" sz="1400" b="1">
+                <a:latin typeface="微软雅黑" panose="020B0503020204020204" pitchFamily="34" charset="-122"/>
+                <a:ea typeface="微软雅黑" panose="020B0503020204020204" pitchFamily="34" charset="-122"/>
+                <a:cs typeface="微软雅黑" panose="020B0503020204020204" pitchFamily="34" charset="-122"/>
+              </a:rPr>
+              <a:t>稳定的网络</a:t>
+            </a:r>
+            <a:r>
+              <a:rPr lang="en-US" altLang="zh-CN" sz="1400" b="1">
+                <a:latin typeface="微软雅黑" panose="020B0503020204020204" pitchFamily="34" charset="-122"/>
+                <a:ea typeface="微软雅黑" panose="020B0503020204020204" pitchFamily="34" charset="-122"/>
+                <a:cs typeface="微软雅黑" panose="020B0503020204020204" pitchFamily="34" charset="-122"/>
+              </a:rPr>
+              <a:t>ID</a:t>
+            </a:r>
+            <a:r>
+              <a:rPr lang="zh-CN" altLang="en-US" sz="1400" b="1">
+                <a:latin typeface="微软雅黑" panose="020B0503020204020204" pitchFamily="34" charset="-122"/>
+                <a:ea typeface="微软雅黑" panose="020B0503020204020204" pitchFamily="34" charset="-122"/>
+                <a:cs typeface="微软雅黑" panose="020B0503020204020204" pitchFamily="34" charset="-122"/>
+              </a:rPr>
+              <a:t>：</a:t>
+            </a:r>
+          </a:p>
+        </p:txBody>
+      </p:sp>
+      <p:graphicFrame>
+        <p:nvGraphicFramePr>
+          <p:cNvPr id="19" name="表格 18">
+            <a:extLst>
+              <a:ext uri="{FF2B5EF4-FFF2-40B4-BE49-F238E27FC236}">
+                <a16:creationId xmlns:a16="http://schemas.microsoft.com/office/drawing/2014/main" id="{2EA39D2C-E80C-4471-9BF2-A51576BE7E90}"/>
+              </a:ext>
+            </a:extLst>
+          </p:cNvPr>
+          <p:cNvGraphicFramePr/>
+          <p:nvPr>
+            <p:custDataLst>
+              <p:tags r:id="rId1"/>
+            </p:custDataLst>
+          </p:nvPr>
+        </p:nvGraphicFramePr>
+        <p:xfrm>
+          <a:off x="480060" y="4105910"/>
+          <a:ext cx="11231880" cy="1554480"/>
+        </p:xfrm>
+        <a:graphic>
+          <a:graphicData uri="http://schemas.openxmlformats.org/drawingml/2006/table">
+            <a:tbl>
+              <a:tblPr firstRow="1" bandRow="1">
+                <a:tableStyleId>{5C22544A-7EE6-4342-B048-85BDC9FD1C3A}</a:tableStyleId>
+              </a:tblPr>
+              <a:tblGrid>
+                <a:gridCol w="1871980">
+                  <a:extLst>
+                    <a:ext uri="{9D8B030D-6E8A-4147-A177-3AD203B41FA5}">
+                      <a16:colId xmlns:a16="http://schemas.microsoft.com/office/drawing/2014/main" val="20000"/>
+                    </a:ext>
+                  </a:extLst>
+                </a:gridCol>
+                <a:gridCol w="1871980">
+                  <a:extLst>
+                    <a:ext uri="{9D8B030D-6E8A-4147-A177-3AD203B41FA5}">
+                      <a16:colId xmlns:a16="http://schemas.microsoft.com/office/drawing/2014/main" val="20001"/>
+                    </a:ext>
+                  </a:extLst>
+                </a:gridCol>
+                <a:gridCol w="1871980">
+                  <a:extLst>
+                    <a:ext uri="{9D8B030D-6E8A-4147-A177-3AD203B41FA5}">
+                      <a16:colId xmlns:a16="http://schemas.microsoft.com/office/drawing/2014/main" val="20002"/>
+                    </a:ext>
+                  </a:extLst>
+                </a:gridCol>
+                <a:gridCol w="1871980">
+                  <a:extLst>
+                    <a:ext uri="{9D8B030D-6E8A-4147-A177-3AD203B41FA5}">
+                      <a16:colId xmlns:a16="http://schemas.microsoft.com/office/drawing/2014/main" val="20003"/>
+                    </a:ext>
+                  </a:extLst>
+                </a:gridCol>
+                <a:gridCol w="1871980">
+                  <a:extLst>
+                    <a:ext uri="{9D8B030D-6E8A-4147-A177-3AD203B41FA5}">
+                      <a16:colId xmlns:a16="http://schemas.microsoft.com/office/drawing/2014/main" val="20004"/>
+                    </a:ext>
+                  </a:extLst>
+                </a:gridCol>
+                <a:gridCol w="1871980">
+                  <a:extLst>
+                    <a:ext uri="{9D8B030D-6E8A-4147-A177-3AD203B41FA5}">
+                      <a16:colId xmlns:a16="http://schemas.microsoft.com/office/drawing/2014/main" val="20005"/>
+                    </a:ext>
+                  </a:extLst>
+                </a:gridCol>
+              </a:tblGrid>
+              <a:tr h="640080">
+                <a:tc>
+                  <a:txBody>
+                    <a:bodyPr/>
+                    <a:lstStyle/>
+                    <a:p>
+                      <a:pPr algn="ctr">
+                        <a:buNone/>
+                      </a:pPr>
+                      <a:r>
+                        <a:rPr lang="zh-CN" altLang="en-US" sz="1400"/>
+                        <a:t>集群域名</a:t>
+                      </a:r>
+                    </a:p>
+                  </a:txBody>
+                  <a:tcPr anchor="ctr"/>
+                </a:tc>
+                <a:tc>
+                  <a:txBody>
+                    <a:bodyPr/>
+                    <a:lstStyle/>
+                    <a:p>
+                      <a:pPr algn="ctr">
+                        <a:buNone/>
+                      </a:pPr>
+                      <a:r>
+                        <a:rPr lang="zh-CN" altLang="en-US" sz="1400"/>
+                        <a:t>服务（名字空间/名字）</a:t>
+                      </a:r>
+                    </a:p>
+                  </a:txBody>
+                  <a:tcPr anchor="ctr"/>
+                </a:tc>
+                <a:tc>
+                  <a:txBody>
+                    <a:bodyPr/>
+                    <a:lstStyle/>
+                    <a:p>
+                      <a:pPr algn="ctr">
+                        <a:buNone/>
+                      </a:pPr>
+                      <a:r>
+                        <a:rPr lang="zh-CN" altLang="en-US" sz="1400"/>
+                        <a:t>StatefulSet（名字空间/名字）</a:t>
+                      </a:r>
+                    </a:p>
+                  </a:txBody>
+                  <a:tcPr anchor="ctr"/>
+                </a:tc>
+                <a:tc>
+                  <a:txBody>
+                    <a:bodyPr/>
+                    <a:lstStyle/>
+                    <a:p>
+                      <a:pPr algn="ctr">
+                        <a:buNone/>
+                      </a:pPr>
+                      <a:r>
+                        <a:rPr lang="zh-CN" altLang="en-US" sz="1400"/>
+                        <a:t>StatefulSet 域名</a:t>
+                      </a:r>
+                    </a:p>
+                  </a:txBody>
+                  <a:tcPr anchor="ctr"/>
+                </a:tc>
+                <a:tc>
+                  <a:txBody>
+                    <a:bodyPr/>
+                    <a:lstStyle/>
+                    <a:p>
+                      <a:pPr algn="ctr">
+                        <a:buNone/>
+                      </a:pPr>
+                      <a:r>
+                        <a:rPr lang="zh-CN" altLang="en-US" sz="1400"/>
+                        <a:t>Pod DNS</a:t>
+                      </a:r>
+                    </a:p>
+                  </a:txBody>
+                  <a:tcPr anchor="ctr"/>
+                </a:tc>
+                <a:tc>
+                  <a:txBody>
+                    <a:bodyPr/>
+                    <a:lstStyle/>
+                    <a:p>
+                      <a:pPr algn="ctr">
+                        <a:buNone/>
+                      </a:pPr>
+                      <a:r>
+                        <a:rPr lang="zh-CN" altLang="en-US" sz="1400"/>
+                        <a:t>Pod 主机名</a:t>
+                      </a:r>
+                    </a:p>
+                  </a:txBody>
+                  <a:tcPr anchor="ctr"/>
+                </a:tc>
+                <a:extLst>
+                  <a:ext uri="{0D108BD9-81ED-4DB2-BD59-A6C34878D82A}">
+                    <a16:rowId xmlns:a16="http://schemas.microsoft.com/office/drawing/2014/main" val="10000"/>
+                  </a:ext>
+                </a:extLst>
+              </a:tr>
+              <a:tr h="914400">
+                <a:tc>
+                  <a:txBody>
+                    <a:bodyPr/>
+                    <a:lstStyle/>
+                    <a:p>
+                      <a:pPr>
+                        <a:buNone/>
+                      </a:pPr>
+                      <a:r>
+                        <a:rPr lang="zh-CN" altLang="en-US" sz="1400"/>
+                        <a:t>cluster.local</a:t>
+                      </a:r>
+                    </a:p>
+                  </a:txBody>
+                  <a:tcPr anchor="ctr"/>
+                </a:tc>
+                <a:tc>
+                  <a:txBody>
+                    <a:bodyPr/>
+                    <a:lstStyle/>
+                    <a:p>
+                      <a:pPr>
+                        <a:buNone/>
+                      </a:pPr>
+                      <a:r>
+                        <a:rPr lang="zh-CN" altLang="en-US" sz="1400"/>
+                        <a:t>default/nginx</a:t>
+                      </a:r>
+                    </a:p>
+                  </a:txBody>
+                  <a:tcPr anchor="ctr"/>
+                </a:tc>
+                <a:tc>
+                  <a:txBody>
+                    <a:bodyPr/>
+                    <a:lstStyle/>
+                    <a:p>
+                      <a:pPr>
+                        <a:buNone/>
+                      </a:pPr>
+                      <a:r>
+                        <a:rPr lang="zh-CN" altLang="en-US" sz="1400"/>
+                        <a:t>default/web</a:t>
+                      </a:r>
+                    </a:p>
+                  </a:txBody>
+                  <a:tcPr anchor="ctr"/>
+                </a:tc>
+                <a:tc>
+                  <a:txBody>
+                    <a:bodyPr/>
+                    <a:lstStyle/>
+                    <a:p>
+                      <a:pPr>
+                        <a:buNone/>
+                      </a:pPr>
+                      <a:r>
+                        <a:rPr lang="zh-CN" altLang="en-US" sz="1400"/>
+                        <a:t>nginx.default.svc.cluster.local</a:t>
+                      </a:r>
+                    </a:p>
+                  </a:txBody>
+                  <a:tcPr anchor="ctr"/>
+                </a:tc>
+                <a:tc>
+                  <a:txBody>
+                    <a:bodyPr/>
+                    <a:lstStyle/>
+                    <a:p>
+                      <a:pPr>
+                        <a:buNone/>
+                      </a:pPr>
+                      <a:r>
+                        <a:rPr lang="zh-CN" altLang="en-US" sz="1400"/>
+                        <a:t>web-{0..N-1}.nginx.default.svc.cluster.local</a:t>
+                      </a:r>
+                    </a:p>
+                  </a:txBody>
+                  <a:tcPr anchor="ctr"/>
+                </a:tc>
+                <a:tc>
+                  <a:txBody>
+                    <a:bodyPr/>
+                    <a:lstStyle/>
+                    <a:p>
+                      <a:pPr>
+                        <a:buNone/>
+                      </a:pPr>
+                      <a:r>
+                        <a:rPr lang="zh-CN" altLang="en-US" sz="1400"/>
+                        <a:t>web-{0..N-1}</a:t>
+                      </a:r>
+                    </a:p>
+                  </a:txBody>
+                  <a:tcPr anchor="ctr"/>
+                </a:tc>
+                <a:extLst>
+                  <a:ext uri="{0D108BD9-81ED-4DB2-BD59-A6C34878D82A}">
+                    <a16:rowId xmlns:a16="http://schemas.microsoft.com/office/drawing/2014/main" val="10001"/>
+                  </a:ext>
+                </a:extLst>
+              </a:tr>
+            </a:tbl>
+          </a:graphicData>
+        </a:graphic>
+      </p:graphicFrame>
+      <p:sp>
+        <p:nvSpPr>
+          <p:cNvPr id="20" name="文本框 19">
+            <a:extLst>
+              <a:ext uri="{FF2B5EF4-FFF2-40B4-BE49-F238E27FC236}">
+                <a16:creationId xmlns:a16="http://schemas.microsoft.com/office/drawing/2014/main" id="{4ABB9577-3381-42AB-86F4-68A57ECD7ED8}"/>
+              </a:ext>
+            </a:extLst>
+          </p:cNvPr>
+          <p:cNvSpPr txBox="1"/>
+          <p:nvPr/>
+        </p:nvSpPr>
+        <p:spPr>
+          <a:xfrm>
+            <a:off x="480060" y="5915025"/>
+            <a:ext cx="8936990" cy="306705"/>
+          </a:xfrm>
+          <a:prstGeom prst="rect">
+            <a:avLst/>
+          </a:prstGeom>
+          <a:noFill/>
+        </p:spPr>
+        <p:txBody>
+          <a:bodyPr wrap="none" rtlCol="0" anchor="t">
+            <a:spAutoFit/>
+          </a:bodyPr>
+          <a:lstStyle/>
+          <a:p>
+            <a:r>
+              <a:rPr lang="zh-CN" sz="1400" b="1">
+                <a:latin typeface="微软雅黑" panose="020B0503020204020204" pitchFamily="34" charset="-122"/>
+                <a:ea typeface="微软雅黑" panose="020B0503020204020204" pitchFamily="34" charset="-122"/>
+                <a:cs typeface="微软雅黑" panose="020B0503020204020204" pitchFamily="34" charset="-122"/>
+                <a:sym typeface="+mn-ea"/>
+              </a:rPr>
+              <a:t>稳定的存储</a:t>
+            </a:r>
+            <a:r>
+              <a:rPr lang="zh-CN" altLang="en-US" sz="1400" b="1">
+                <a:latin typeface="微软雅黑" panose="020B0503020204020204" pitchFamily="34" charset="-122"/>
+                <a:ea typeface="微软雅黑" panose="020B0503020204020204" pitchFamily="34" charset="-122"/>
+                <a:cs typeface="微软雅黑" panose="020B0503020204020204" pitchFamily="34" charset="-122"/>
+                <a:sym typeface="+mn-ea"/>
+              </a:rPr>
+              <a:t>：</a:t>
+            </a:r>
+            <a:r>
+              <a:rPr lang="en-US" altLang="zh-CN" sz="1400">
+                <a:latin typeface="微软雅黑" panose="020B0503020204020204" pitchFamily="34" charset="-122"/>
+                <a:ea typeface="微软雅黑" panose="020B0503020204020204" pitchFamily="34" charset="-122"/>
+                <a:cs typeface="微软雅黑" panose="020B0503020204020204" pitchFamily="34" charset="-122"/>
+                <a:sym typeface="+mn-ea"/>
+              </a:rPr>
+              <a:t>PVC-NAME=statefulsetName+podName</a:t>
+            </a:r>
+            <a:r>
+              <a:rPr lang="zh-CN" altLang="en-US" sz="1400">
+                <a:latin typeface="微软雅黑" panose="020B0503020204020204" pitchFamily="34" charset="-122"/>
+                <a:ea typeface="微软雅黑" panose="020B0503020204020204" pitchFamily="34" charset="-122"/>
+                <a:cs typeface="微软雅黑" panose="020B0503020204020204" pitchFamily="34" charset="-122"/>
+                <a:sym typeface="+mn-ea"/>
+              </a:rPr>
+              <a:t>，使用动态分配或预先准备</a:t>
+            </a:r>
+            <a:r>
+              <a:rPr lang="en-US" altLang="zh-CN" sz="1400">
+                <a:latin typeface="微软雅黑" panose="020B0503020204020204" pitchFamily="34" charset="-122"/>
+                <a:ea typeface="微软雅黑" panose="020B0503020204020204" pitchFamily="34" charset="-122"/>
+                <a:cs typeface="微软雅黑" panose="020B0503020204020204" pitchFamily="34" charset="-122"/>
+                <a:sym typeface="+mn-ea"/>
+              </a:rPr>
+              <a:t>PV</a:t>
+            </a:r>
+            <a:r>
+              <a:rPr lang="zh-CN" altLang="en-US" sz="1400">
+                <a:latin typeface="微软雅黑" panose="020B0503020204020204" pitchFamily="34" charset="-122"/>
+                <a:ea typeface="微软雅黑" panose="020B0503020204020204" pitchFamily="34" charset="-122"/>
+                <a:cs typeface="微软雅黑" panose="020B0503020204020204" pitchFamily="34" charset="-122"/>
+                <a:sym typeface="+mn-ea"/>
+              </a:rPr>
+              <a:t>，</a:t>
+            </a:r>
+            <a:r>
+              <a:rPr lang="en-US" altLang="zh-CN" sz="1400">
+                <a:latin typeface="微软雅黑" panose="020B0503020204020204" pitchFamily="34" charset="-122"/>
+                <a:ea typeface="微软雅黑" panose="020B0503020204020204" pitchFamily="34" charset="-122"/>
+                <a:cs typeface="微软雅黑" panose="020B0503020204020204" pitchFamily="34" charset="-122"/>
+                <a:sym typeface="+mn-ea"/>
+              </a:rPr>
+              <a:t>PVname=podName</a:t>
+            </a:r>
+          </a:p>
+        </p:txBody>
+      </p:sp>
+    </p:spTree>
+    <p:extLst>
+      <p:ext uri="{BB962C8B-B14F-4D97-AF65-F5344CB8AC3E}">
+        <p14:creationId xmlns:p14="http://schemas.microsoft.com/office/powerpoint/2010/main" val="661350427"/>
+      </p:ext>
+    </p:extLst>
+  </p:cSld>
+  <p:clrMapOvr>
+    <a:masterClrMapping/>
+  </p:clrMapOvr>
+</p:sld>
+</file>
+
+<file path=ppt/slides/slide41.xml><?xml version="1.0" encoding="utf-8"?>
+<p:sld xmlns:a="http://schemas.openxmlformats.org/drawingml/2006/main" xmlns:r="http://schemas.openxmlformats.org/officeDocument/2006/relationships" xmlns:p="http://schemas.openxmlformats.org/presentationml/2006/main">
+  <p:cSld>
+    <p:spTree>
+      <p:nvGrpSpPr>
+        <p:cNvPr id="1" name=""/>
+        <p:cNvGrpSpPr/>
+        <p:nvPr/>
+      </p:nvGrpSpPr>
+      <p:grpSpPr>
+        <a:xfrm>
+          <a:off x="0" y="0"/>
+          <a:ext cx="0" cy="0"/>
+          <a:chOff x="0" y="0"/>
+          <a:chExt cx="0" cy="0"/>
+        </a:xfrm>
+      </p:grpSpPr>
+      <p:sp>
+        <p:nvSpPr>
+          <p:cNvPr id="10" name="文本框 9"/>
+          <p:cNvSpPr txBox="1"/>
+          <p:nvPr/>
+        </p:nvSpPr>
+        <p:spPr>
+          <a:xfrm>
+            <a:off x="309775" y="290688"/>
+            <a:ext cx="489236" cy="522451"/>
+          </a:xfrm>
+          <a:prstGeom prst="rect">
+            <a:avLst/>
+          </a:prstGeom>
+          <a:noFill/>
+        </p:spPr>
+        <p:txBody>
+          <a:bodyPr wrap="none" rtlCol="0">
+            <a:spAutoFit/>
+          </a:bodyPr>
+          <a:lstStyle/>
+          <a:p>
+            <a:pPr marL="0" marR="0" lvl="0" indent="0" algn="ctr" defTabSz="914400" eaLnBrk="1" fontAlgn="auto" latinLnBrk="0" hangingPunct="1">
+              <a:lnSpc>
+                <a:spcPct val="130000"/>
+              </a:lnSpc>
+              <a:buClrTx/>
+              <a:buSzTx/>
+              <a:buFontTx/>
+              <a:buNone/>
+              <a:defRPr/>
+            </a:pPr>
+            <a:r>
+              <a:rPr kumimoji="0" lang="en-US" altLang="zh-CN" sz="2400" b="1" i="0" u="none" strike="noStrike" kern="0" cap="none" spc="-150" normalizeH="0" baseline="0" noProof="0" dirty="0">
+                <a:ln>
+                  <a:noFill/>
+                </a:ln>
+                <a:solidFill>
+                  <a:prstClr val="white"/>
+                </a:solidFill>
+                <a:effectLst/>
+                <a:uLnTx/>
+                <a:uFillTx/>
+                <a:cs typeface="+mn-ea"/>
+                <a:sym typeface="+mn-lt"/>
+              </a:rPr>
+              <a:t>02</a:t>
+            </a:r>
+            <a:endParaRPr kumimoji="0" lang="zh-CN" altLang="en-US" sz="2400" b="1" i="0" u="none" strike="noStrike" kern="0" cap="none" spc="-150" normalizeH="0" baseline="0" noProof="0" dirty="0">
+              <a:ln>
+                <a:noFill/>
+              </a:ln>
+              <a:solidFill>
+                <a:prstClr val="white"/>
+              </a:solidFill>
+              <a:effectLst/>
+              <a:uLnTx/>
+              <a:uFillTx/>
+              <a:cs typeface="+mn-ea"/>
+              <a:sym typeface="+mn-lt"/>
+            </a:endParaRPr>
+          </a:p>
+        </p:txBody>
+      </p:sp>
+      <p:sp>
+        <p:nvSpPr>
+          <p:cNvPr id="11" name="文本框 10"/>
+          <p:cNvSpPr txBox="1"/>
+          <p:nvPr/>
+        </p:nvSpPr>
+        <p:spPr>
+          <a:xfrm>
+            <a:off x="860389" y="290687"/>
+            <a:ext cx="3711272" cy="522451"/>
+          </a:xfrm>
+          <a:prstGeom prst="rect">
+            <a:avLst/>
+          </a:prstGeom>
+          <a:noFill/>
+        </p:spPr>
+        <p:txBody>
+          <a:bodyPr wrap="none" rtlCol="0">
+            <a:spAutoFit/>
+          </a:bodyPr>
+          <a:lstStyle/>
+          <a:p>
+            <a:pPr marL="0" marR="0" lvl="0" indent="0" defTabSz="914400" eaLnBrk="1" fontAlgn="auto" latinLnBrk="0" hangingPunct="1">
+              <a:lnSpc>
+                <a:spcPct val="130000"/>
+              </a:lnSpc>
+              <a:buClrTx/>
+              <a:buSzTx/>
+              <a:buFontTx/>
+              <a:buNone/>
+              <a:defRPr/>
+            </a:pPr>
+            <a:r>
+              <a:rPr kumimoji="0" lang="en-US" altLang="zh-CN" sz="2400" b="1" i="0" u="none" strike="noStrike" kern="0" cap="none" spc="0" normalizeH="0" baseline="0" noProof="0" dirty="0">
+                <a:ln>
+                  <a:noFill/>
+                </a:ln>
+                <a:solidFill>
+                  <a:prstClr val="black"/>
+                </a:solidFill>
+                <a:effectLst/>
+                <a:uLnTx/>
+                <a:uFillTx/>
+                <a:cs typeface="+mn-ea"/>
+                <a:sym typeface="+mn-lt"/>
+              </a:rPr>
+              <a:t>Kubernetes ADVANCED</a:t>
+            </a:r>
+            <a:endParaRPr kumimoji="0" lang="zh-CN" altLang="en-US" sz="2400" b="1" i="0" u="none" strike="noStrike" kern="0" cap="none" spc="0" normalizeH="0" baseline="0" noProof="0" dirty="0">
+              <a:ln>
+                <a:noFill/>
+              </a:ln>
+              <a:solidFill>
+                <a:prstClr val="black"/>
+              </a:solidFill>
+              <a:effectLst/>
+              <a:uLnTx/>
+              <a:uFillTx/>
+              <a:cs typeface="+mn-ea"/>
+              <a:sym typeface="+mn-lt"/>
+            </a:endParaRPr>
+          </a:p>
+        </p:txBody>
+      </p:sp>
+      <p:pic>
+        <p:nvPicPr>
+          <p:cNvPr id="9" name="图片 8">
+            <a:extLst>
+              <a:ext uri="{FF2B5EF4-FFF2-40B4-BE49-F238E27FC236}">
+                <a16:creationId xmlns:a16="http://schemas.microsoft.com/office/drawing/2014/main" id="{3DE36822-08DF-4A6A-934B-7BC5EB4ED94C}"/>
+              </a:ext>
+            </a:extLst>
+          </p:cNvPr>
+          <p:cNvPicPr>
+            <a:picLocks noChangeAspect="1"/>
+          </p:cNvPicPr>
+          <p:nvPr/>
+        </p:nvPicPr>
+        <p:blipFill>
+          <a:blip r:embed="rId2"/>
+          <a:stretch>
+            <a:fillRect/>
+          </a:stretch>
+        </p:blipFill>
+        <p:spPr>
+          <a:xfrm>
+            <a:off x="9956369" y="290687"/>
+            <a:ext cx="1925856" cy="490330"/>
+          </a:xfrm>
+          <a:prstGeom prst="rect">
+            <a:avLst/>
+          </a:prstGeom>
+        </p:spPr>
+      </p:pic>
+    </p:spTree>
+    <p:extLst>
+      <p:ext uri="{BB962C8B-B14F-4D97-AF65-F5344CB8AC3E}">
+        <p14:creationId xmlns:p14="http://schemas.microsoft.com/office/powerpoint/2010/main" val="1598504175"/>
+      </p:ext>
+    </p:extLst>
+  </p:cSld>
+  <p:clrMapOvr>
+    <a:masterClrMapping/>
+  </p:clrMapOvr>
+</p:sld>
+</file>
+
+<file path=ppt/slides/slide42.xml><?xml version="1.0" encoding="utf-8"?>
+<p:sld xmlns:a="http://schemas.openxmlformats.org/drawingml/2006/main" xmlns:r="http://schemas.openxmlformats.org/officeDocument/2006/relationships" xmlns:p="http://schemas.openxmlformats.org/presentationml/2006/main">
+  <p:cSld>
+    <p:spTree>
+      <p:nvGrpSpPr>
+        <p:cNvPr id="1" name=""/>
+        <p:cNvGrpSpPr/>
+        <p:nvPr/>
+      </p:nvGrpSpPr>
+      <p:grpSpPr>
+        <a:xfrm>
+          <a:off x="0" y="0"/>
+          <a:ext cx="0" cy="0"/>
+          <a:chOff x="0" y="0"/>
+          <a:chExt cx="0" cy="0"/>
+        </a:xfrm>
+      </p:grpSpPr>
+      <p:sp>
+        <p:nvSpPr>
+          <p:cNvPr id="10" name="文本框 9"/>
+          <p:cNvSpPr txBox="1"/>
+          <p:nvPr/>
+        </p:nvSpPr>
+        <p:spPr>
+          <a:xfrm>
+            <a:off x="309775" y="290688"/>
+            <a:ext cx="489236" cy="522451"/>
+          </a:xfrm>
+          <a:prstGeom prst="rect">
+            <a:avLst/>
+          </a:prstGeom>
+          <a:noFill/>
+        </p:spPr>
+        <p:txBody>
+          <a:bodyPr wrap="none" rtlCol="0">
+            <a:spAutoFit/>
+          </a:bodyPr>
+          <a:lstStyle/>
+          <a:p>
+            <a:pPr marL="0" marR="0" lvl="0" indent="0" algn="ctr" defTabSz="914400" eaLnBrk="1" fontAlgn="auto" latinLnBrk="0" hangingPunct="1">
+              <a:lnSpc>
+                <a:spcPct val="130000"/>
+              </a:lnSpc>
+              <a:buClrTx/>
+              <a:buSzTx/>
+              <a:buFontTx/>
+              <a:buNone/>
+              <a:defRPr/>
+            </a:pPr>
+            <a:r>
+              <a:rPr kumimoji="0" lang="en-US" altLang="zh-CN" sz="2400" b="1" i="0" u="none" strike="noStrike" kern="0" cap="none" spc="-150" normalizeH="0" baseline="0" noProof="0" dirty="0">
+                <a:ln>
+                  <a:noFill/>
+                </a:ln>
+                <a:solidFill>
+                  <a:prstClr val="white"/>
+                </a:solidFill>
+                <a:effectLst/>
+                <a:uLnTx/>
+                <a:uFillTx/>
+                <a:cs typeface="+mn-ea"/>
+                <a:sym typeface="+mn-lt"/>
+              </a:rPr>
+              <a:t>02</a:t>
+            </a:r>
+            <a:endParaRPr kumimoji="0" lang="zh-CN" altLang="en-US" sz="2400" b="1" i="0" u="none" strike="noStrike" kern="0" cap="none" spc="-150" normalizeH="0" baseline="0" noProof="0" dirty="0">
+              <a:ln>
+                <a:noFill/>
+              </a:ln>
+              <a:solidFill>
+                <a:prstClr val="white"/>
+              </a:solidFill>
+              <a:effectLst/>
+              <a:uLnTx/>
+              <a:uFillTx/>
+              <a:cs typeface="+mn-ea"/>
+              <a:sym typeface="+mn-lt"/>
+            </a:endParaRPr>
+          </a:p>
+        </p:txBody>
+      </p:sp>
+      <p:sp>
+        <p:nvSpPr>
+          <p:cNvPr id="11" name="文本框 10"/>
+          <p:cNvSpPr txBox="1"/>
+          <p:nvPr/>
+        </p:nvSpPr>
+        <p:spPr>
+          <a:xfrm>
+            <a:off x="860389" y="290687"/>
+            <a:ext cx="3711272" cy="522451"/>
+          </a:xfrm>
+          <a:prstGeom prst="rect">
+            <a:avLst/>
+          </a:prstGeom>
+          <a:noFill/>
+        </p:spPr>
+        <p:txBody>
+          <a:bodyPr wrap="none" rtlCol="0">
+            <a:spAutoFit/>
+          </a:bodyPr>
+          <a:lstStyle/>
+          <a:p>
+            <a:pPr marL="0" marR="0" lvl="0" indent="0" defTabSz="914400" eaLnBrk="1" fontAlgn="auto" latinLnBrk="0" hangingPunct="1">
+              <a:lnSpc>
+                <a:spcPct val="130000"/>
+              </a:lnSpc>
+              <a:buClrTx/>
+              <a:buSzTx/>
+              <a:buFontTx/>
+              <a:buNone/>
+              <a:defRPr/>
+            </a:pPr>
+            <a:r>
+              <a:rPr kumimoji="0" lang="en-US" altLang="zh-CN" sz="2400" b="1" i="0" u="none" strike="noStrike" kern="0" cap="none" spc="0" normalizeH="0" baseline="0" noProof="0" dirty="0">
+                <a:ln>
+                  <a:noFill/>
+                </a:ln>
+                <a:solidFill>
+                  <a:prstClr val="black"/>
+                </a:solidFill>
+                <a:effectLst/>
+                <a:uLnTx/>
+                <a:uFillTx/>
+                <a:cs typeface="+mn-ea"/>
+                <a:sym typeface="+mn-lt"/>
+              </a:rPr>
+              <a:t>Kubernetes ADVANCED</a:t>
+            </a:r>
+            <a:endParaRPr kumimoji="0" lang="zh-CN" altLang="en-US" sz="2400" b="1" i="0" u="none" strike="noStrike" kern="0" cap="none" spc="0" normalizeH="0" baseline="0" noProof="0" dirty="0">
+              <a:ln>
+                <a:noFill/>
+              </a:ln>
+              <a:solidFill>
+                <a:prstClr val="black"/>
+              </a:solidFill>
+              <a:effectLst/>
+              <a:uLnTx/>
+              <a:uFillTx/>
+              <a:cs typeface="+mn-ea"/>
+              <a:sym typeface="+mn-lt"/>
+            </a:endParaRPr>
+          </a:p>
+        </p:txBody>
+      </p:sp>
+      <p:pic>
+        <p:nvPicPr>
+          <p:cNvPr id="9" name="图片 8">
+            <a:extLst>
+              <a:ext uri="{FF2B5EF4-FFF2-40B4-BE49-F238E27FC236}">
+                <a16:creationId xmlns:a16="http://schemas.microsoft.com/office/drawing/2014/main" id="{3DE36822-08DF-4A6A-934B-7BC5EB4ED94C}"/>
+              </a:ext>
+            </a:extLst>
+          </p:cNvPr>
+          <p:cNvPicPr>
+            <a:picLocks noChangeAspect="1"/>
+          </p:cNvPicPr>
+          <p:nvPr/>
+        </p:nvPicPr>
+        <p:blipFill>
+          <a:blip r:embed="rId2"/>
+          <a:stretch>
+            <a:fillRect/>
+          </a:stretch>
+        </p:blipFill>
+        <p:spPr>
+          <a:xfrm>
+            <a:off x="9956369" y="290687"/>
+            <a:ext cx="1925856" cy="490330"/>
+          </a:xfrm>
+          <a:prstGeom prst="rect">
+            <a:avLst/>
+          </a:prstGeom>
+        </p:spPr>
+      </p:pic>
+    </p:spTree>
+    <p:extLst>
+      <p:ext uri="{BB962C8B-B14F-4D97-AF65-F5344CB8AC3E}">
+        <p14:creationId xmlns:p14="http://schemas.microsoft.com/office/powerpoint/2010/main" val="1488155641"/>
+      </p:ext>
+    </p:extLst>
+  </p:cSld>
+  <p:clrMapOvr>
+    <a:masterClrMapping/>
+  </p:clrMapOvr>
+</p:sld>
+</file>
+
+<file path=ppt/slides/slide43.xml><?xml version="1.0" encoding="utf-8"?>
+<p:sld xmlns:a="http://schemas.openxmlformats.org/drawingml/2006/main" xmlns:r="http://schemas.openxmlformats.org/officeDocument/2006/relationships" xmlns:p="http://schemas.openxmlformats.org/presentationml/2006/main">
+  <p:cSld>
+    <p:spTree>
+      <p:nvGrpSpPr>
+        <p:cNvPr id="1" name=""/>
+        <p:cNvGrpSpPr/>
+        <p:nvPr/>
+      </p:nvGrpSpPr>
+      <p:grpSpPr>
+        <a:xfrm>
+          <a:off x="0" y="0"/>
+          <a:ext cx="0" cy="0"/>
+          <a:chOff x="0" y="0"/>
+          <a:chExt cx="0" cy="0"/>
+        </a:xfrm>
+      </p:grpSpPr>
+      <p:sp>
+        <p:nvSpPr>
+          <p:cNvPr id="10" name="文本框 9"/>
+          <p:cNvSpPr txBox="1"/>
+          <p:nvPr/>
+        </p:nvSpPr>
+        <p:spPr>
+          <a:xfrm>
+            <a:off x="309775" y="290688"/>
+            <a:ext cx="489236" cy="522451"/>
+          </a:xfrm>
+          <a:prstGeom prst="rect">
+            <a:avLst/>
+          </a:prstGeom>
+          <a:noFill/>
+        </p:spPr>
+        <p:txBody>
+          <a:bodyPr wrap="none" rtlCol="0">
+            <a:spAutoFit/>
+          </a:bodyPr>
+          <a:lstStyle/>
+          <a:p>
+            <a:pPr marL="0" marR="0" lvl="0" indent="0" algn="ctr" defTabSz="914400" eaLnBrk="1" fontAlgn="auto" latinLnBrk="0" hangingPunct="1">
+              <a:lnSpc>
+                <a:spcPct val="130000"/>
+              </a:lnSpc>
+              <a:buClrTx/>
+              <a:buSzTx/>
+              <a:buFontTx/>
+              <a:buNone/>
+              <a:defRPr/>
+            </a:pPr>
+            <a:r>
+              <a:rPr kumimoji="0" lang="en-US" altLang="zh-CN" sz="2400" b="1" i="0" u="none" strike="noStrike" kern="0" cap="none" spc="-150" normalizeH="0" baseline="0" noProof="0" dirty="0">
+                <a:ln>
+                  <a:noFill/>
+                </a:ln>
+                <a:solidFill>
+                  <a:prstClr val="white"/>
+                </a:solidFill>
+                <a:effectLst/>
+                <a:uLnTx/>
+                <a:uFillTx/>
+                <a:cs typeface="+mn-ea"/>
+                <a:sym typeface="+mn-lt"/>
+              </a:rPr>
+              <a:t>02</a:t>
+            </a:r>
+            <a:endParaRPr kumimoji="0" lang="zh-CN" altLang="en-US" sz="2400" b="1" i="0" u="none" strike="noStrike" kern="0" cap="none" spc="-150" normalizeH="0" baseline="0" noProof="0" dirty="0">
+              <a:ln>
+                <a:noFill/>
+              </a:ln>
+              <a:solidFill>
+                <a:prstClr val="white"/>
+              </a:solidFill>
+              <a:effectLst/>
+              <a:uLnTx/>
+              <a:uFillTx/>
+              <a:cs typeface="+mn-ea"/>
+              <a:sym typeface="+mn-lt"/>
+            </a:endParaRPr>
+          </a:p>
+        </p:txBody>
+      </p:sp>
+      <p:sp>
+        <p:nvSpPr>
+          <p:cNvPr id="11" name="文本框 10"/>
+          <p:cNvSpPr txBox="1"/>
+          <p:nvPr/>
+        </p:nvSpPr>
+        <p:spPr>
+          <a:xfrm>
+            <a:off x="860389" y="290687"/>
+            <a:ext cx="3711272" cy="522451"/>
+          </a:xfrm>
+          <a:prstGeom prst="rect">
+            <a:avLst/>
+          </a:prstGeom>
+          <a:noFill/>
+        </p:spPr>
+        <p:txBody>
+          <a:bodyPr wrap="none" rtlCol="0">
+            <a:spAutoFit/>
+          </a:bodyPr>
+          <a:lstStyle/>
+          <a:p>
+            <a:pPr marL="0" marR="0" lvl="0" indent="0" defTabSz="914400" eaLnBrk="1" fontAlgn="auto" latinLnBrk="0" hangingPunct="1">
+              <a:lnSpc>
+                <a:spcPct val="130000"/>
+              </a:lnSpc>
+              <a:buClrTx/>
+              <a:buSzTx/>
+              <a:buFontTx/>
+              <a:buNone/>
+              <a:defRPr/>
+            </a:pPr>
+            <a:r>
+              <a:rPr kumimoji="0" lang="en-US" altLang="zh-CN" sz="2400" b="1" i="0" u="none" strike="noStrike" kern="0" cap="none" spc="0" normalizeH="0" baseline="0" noProof="0" dirty="0">
+                <a:ln>
+                  <a:noFill/>
+                </a:ln>
+                <a:solidFill>
+                  <a:prstClr val="black"/>
+                </a:solidFill>
+                <a:effectLst/>
+                <a:uLnTx/>
+                <a:uFillTx/>
+                <a:cs typeface="+mn-ea"/>
+                <a:sym typeface="+mn-lt"/>
+              </a:rPr>
+              <a:t>Kubernetes ADVANCED</a:t>
+            </a:r>
+            <a:endParaRPr kumimoji="0" lang="zh-CN" altLang="en-US" sz="2400" b="1" i="0" u="none" strike="noStrike" kern="0" cap="none" spc="0" normalizeH="0" baseline="0" noProof="0" dirty="0">
+              <a:ln>
+                <a:noFill/>
+              </a:ln>
+              <a:solidFill>
+                <a:prstClr val="black"/>
+              </a:solidFill>
+              <a:effectLst/>
+              <a:uLnTx/>
+              <a:uFillTx/>
+              <a:cs typeface="+mn-ea"/>
+              <a:sym typeface="+mn-lt"/>
+            </a:endParaRPr>
+          </a:p>
+        </p:txBody>
+      </p:sp>
+      <p:pic>
+        <p:nvPicPr>
+          <p:cNvPr id="9" name="图片 8">
+            <a:extLst>
+              <a:ext uri="{FF2B5EF4-FFF2-40B4-BE49-F238E27FC236}">
+                <a16:creationId xmlns:a16="http://schemas.microsoft.com/office/drawing/2014/main" id="{3DE36822-08DF-4A6A-934B-7BC5EB4ED94C}"/>
+              </a:ext>
+            </a:extLst>
+          </p:cNvPr>
+          <p:cNvPicPr>
+            <a:picLocks noChangeAspect="1"/>
+          </p:cNvPicPr>
+          <p:nvPr/>
+        </p:nvPicPr>
+        <p:blipFill>
+          <a:blip r:embed="rId2"/>
+          <a:stretch>
+            <a:fillRect/>
+          </a:stretch>
+        </p:blipFill>
+        <p:spPr>
+          <a:xfrm>
+            <a:off x="9956369" y="290687"/>
+            <a:ext cx="1925856" cy="490330"/>
+          </a:xfrm>
+          <a:prstGeom prst="rect">
+            <a:avLst/>
+          </a:prstGeom>
+        </p:spPr>
+      </p:pic>
+    </p:spTree>
+    <p:extLst>
+      <p:ext uri="{BB962C8B-B14F-4D97-AF65-F5344CB8AC3E}">
+        <p14:creationId xmlns:p14="http://schemas.microsoft.com/office/powerpoint/2010/main" val="3605008647"/>
+      </p:ext>
+    </p:extLst>
+  </p:cSld>
+  <p:clrMapOvr>
+    <a:masterClrMapping/>
+  </p:clrMapOvr>
+</p:sld>
+</file>
+
+<file path=ppt/slides/slide44.xml><?xml version="1.0" encoding="utf-8"?>
+<p:sld xmlns:a="http://schemas.openxmlformats.org/drawingml/2006/main" xmlns:r="http://schemas.openxmlformats.org/officeDocument/2006/relationships" xmlns:p="http://schemas.openxmlformats.org/presentationml/2006/main">
+  <p:cSld>
+    <p:spTree>
+      <p:nvGrpSpPr>
+        <p:cNvPr id="1" name=""/>
+        <p:cNvGrpSpPr/>
+        <p:nvPr/>
+      </p:nvGrpSpPr>
+      <p:grpSpPr>
+        <a:xfrm>
+          <a:off x="0" y="0"/>
+          <a:ext cx="0" cy="0"/>
+          <a:chOff x="0" y="0"/>
+          <a:chExt cx="0" cy="0"/>
+        </a:xfrm>
+      </p:grpSpPr>
+      <p:sp>
+        <p:nvSpPr>
+          <p:cNvPr id="4" name="文本框 3"/>
+          <p:cNvSpPr txBox="1"/>
+          <p:nvPr/>
+        </p:nvSpPr>
+        <p:spPr>
+          <a:xfrm>
+            <a:off x="5057957" y="2528074"/>
+            <a:ext cx="6508401" cy="809261"/>
+          </a:xfrm>
+          <a:prstGeom prst="rect">
+            <a:avLst/>
+          </a:prstGeom>
+          <a:noFill/>
+        </p:spPr>
+        <p:txBody>
+          <a:bodyPr wrap="square" rtlCol="0">
+            <a:spAutoFit/>
+          </a:bodyPr>
+          <a:lstStyle/>
+          <a:p>
+            <a:pPr marL="0" marR="0" lvl="0" indent="0" defTabSz="914400" eaLnBrk="1" fontAlgn="auto" latinLnBrk="0" hangingPunct="1">
+              <a:lnSpc>
+                <a:spcPct val="130000"/>
+              </a:lnSpc>
+              <a:buClrTx/>
+              <a:buSzTx/>
+              <a:buFontTx/>
+              <a:buNone/>
+              <a:defRPr/>
+            </a:pPr>
+            <a:r>
+              <a:rPr lang="en-US" altLang="zh-CN" sz="4000" b="1" kern="0" dirty="0">
+                <a:solidFill>
+                  <a:prstClr val="black"/>
+                </a:solidFill>
+                <a:cs typeface="+mn-ea"/>
+                <a:sym typeface="+mn-lt"/>
+              </a:rPr>
+              <a:t>Kubernetes ECOLOGICAL</a:t>
+            </a:r>
+            <a:endParaRPr kumimoji="0" lang="zh-CN" altLang="en-US" sz="4000" b="0" i="0" u="none" strike="noStrike" kern="0" cap="none" spc="0" normalizeH="0" baseline="0" noProof="0" dirty="0">
+              <a:ln>
+                <a:noFill/>
+              </a:ln>
+              <a:solidFill>
+                <a:prstClr val="black"/>
+              </a:solidFill>
+              <a:effectLst/>
+              <a:uLnTx/>
+              <a:uFillTx/>
+              <a:cs typeface="+mn-ea"/>
+              <a:sym typeface="+mn-lt"/>
+            </a:endParaRPr>
+          </a:p>
+        </p:txBody>
+      </p:sp>
+      <p:sp>
+        <p:nvSpPr>
+          <p:cNvPr id="5" name="文本框 4"/>
+          <p:cNvSpPr txBox="1"/>
+          <p:nvPr/>
+        </p:nvSpPr>
+        <p:spPr>
+          <a:xfrm>
+            <a:off x="5057958" y="3302290"/>
+            <a:ext cx="2316478" cy="381258"/>
+          </a:xfrm>
+          <a:prstGeom prst="rect">
+            <a:avLst/>
+          </a:prstGeom>
+          <a:noFill/>
+        </p:spPr>
+        <p:txBody>
+          <a:bodyPr wrap="square" rtlCol="0">
+            <a:spAutoFit/>
+          </a:bodyPr>
+          <a:lstStyle/>
+          <a:p>
+            <a:pPr marL="342900" indent="-342900">
+              <a:lnSpc>
+                <a:spcPct val="130000"/>
+              </a:lnSpc>
+              <a:buClr>
+                <a:schemeClr val="tx1"/>
+              </a:buClr>
+              <a:buFont typeface="Wingdings" panose="05000000000000000000" pitchFamily="2" charset="2"/>
+              <a:buChar char="l"/>
+            </a:pPr>
+            <a:r>
+              <a:rPr lang="zh-CN" altLang="en-US" sz="1600" dirty="0">
+                <a:solidFill>
+                  <a:prstClr val="black"/>
+                </a:solidFill>
+                <a:latin typeface="微软雅黑" panose="020B0503020204020204" charset="-122"/>
+              </a:rPr>
+              <a:t>监控</a:t>
+            </a:r>
+          </a:p>
+        </p:txBody>
+      </p:sp>
+      <p:sp>
+        <p:nvSpPr>
+          <p:cNvPr id="6" name="文本框 5"/>
+          <p:cNvSpPr txBox="1"/>
+          <p:nvPr/>
+        </p:nvSpPr>
+        <p:spPr>
+          <a:xfrm>
+            <a:off x="5057958" y="3702400"/>
+            <a:ext cx="2316478" cy="381258"/>
+          </a:xfrm>
+          <a:prstGeom prst="rect">
+            <a:avLst/>
+          </a:prstGeom>
+          <a:noFill/>
+        </p:spPr>
+        <p:txBody>
+          <a:bodyPr wrap="square" rtlCol="0">
+            <a:spAutoFit/>
+          </a:bodyPr>
+          <a:lstStyle/>
+          <a:p>
+            <a:pPr marL="342900" indent="-342900">
+              <a:lnSpc>
+                <a:spcPct val="130000"/>
+              </a:lnSpc>
+              <a:buClr>
+                <a:schemeClr val="tx1"/>
+              </a:buClr>
+              <a:buFont typeface="Wingdings" panose="05000000000000000000" pitchFamily="2" charset="2"/>
+              <a:buChar char="l"/>
+            </a:pPr>
+            <a:r>
+              <a:rPr lang="zh-CN" altLang="en-US" sz="1600" dirty="0">
+                <a:solidFill>
+                  <a:prstClr val="black"/>
+                </a:solidFill>
+                <a:latin typeface="微软雅黑" panose="020B0503020204020204" charset="-122"/>
+              </a:rPr>
+              <a:t>存储</a:t>
+            </a:r>
+          </a:p>
+        </p:txBody>
+      </p:sp>
+      <p:sp>
+        <p:nvSpPr>
+          <p:cNvPr id="7" name="文本框 6"/>
+          <p:cNvSpPr txBox="1"/>
+          <p:nvPr/>
+        </p:nvSpPr>
+        <p:spPr>
+          <a:xfrm>
+            <a:off x="7092498" y="3302290"/>
+            <a:ext cx="2316478" cy="381258"/>
+          </a:xfrm>
+          <a:prstGeom prst="rect">
+            <a:avLst/>
+          </a:prstGeom>
+          <a:noFill/>
+        </p:spPr>
+        <p:txBody>
+          <a:bodyPr wrap="square" rtlCol="0">
+            <a:spAutoFit/>
+          </a:bodyPr>
+          <a:lstStyle/>
+          <a:p>
+            <a:pPr marL="342900" indent="-342900">
+              <a:lnSpc>
+                <a:spcPct val="130000"/>
+              </a:lnSpc>
+              <a:buClr>
+                <a:schemeClr val="tx1"/>
+              </a:buClr>
+              <a:buFont typeface="Wingdings" panose="05000000000000000000" pitchFamily="2" charset="2"/>
+              <a:buChar char="l"/>
+            </a:pPr>
+            <a:r>
+              <a:rPr lang="zh-CN" altLang="en-US" sz="1600" dirty="0">
+                <a:solidFill>
+                  <a:prstClr val="black"/>
+                </a:solidFill>
+                <a:latin typeface="微软雅黑" panose="020B0503020204020204" charset="-122"/>
+              </a:rPr>
+              <a:t>日志</a:t>
+            </a:r>
+          </a:p>
+        </p:txBody>
+      </p:sp>
+      <p:sp>
+        <p:nvSpPr>
+          <p:cNvPr id="8" name="文本框 7"/>
+          <p:cNvSpPr txBox="1"/>
+          <p:nvPr/>
+        </p:nvSpPr>
+        <p:spPr>
+          <a:xfrm>
+            <a:off x="7092498" y="3702400"/>
+            <a:ext cx="2316478" cy="381258"/>
+          </a:xfrm>
+          <a:prstGeom prst="rect">
+            <a:avLst/>
+          </a:prstGeom>
+          <a:noFill/>
+        </p:spPr>
+        <p:txBody>
+          <a:bodyPr wrap="square" rtlCol="0">
+            <a:spAutoFit/>
+          </a:bodyPr>
+          <a:lstStyle/>
+          <a:p>
+            <a:pPr marL="342900" indent="-342900">
+              <a:lnSpc>
+                <a:spcPct val="130000"/>
+              </a:lnSpc>
+              <a:buClr>
+                <a:schemeClr val="tx1"/>
+              </a:buClr>
+              <a:buFont typeface="Wingdings" panose="05000000000000000000" pitchFamily="2" charset="2"/>
+              <a:buChar char="l"/>
+            </a:pPr>
+            <a:r>
+              <a:rPr lang="zh-CN" altLang="en-US" sz="1600" dirty="0">
+                <a:solidFill>
+                  <a:prstClr val="black"/>
+                </a:solidFill>
+                <a:latin typeface="微软雅黑" panose="020B0503020204020204" charset="-122"/>
+              </a:rPr>
+              <a:t>应用管理</a:t>
+            </a:r>
+          </a:p>
+        </p:txBody>
+      </p:sp>
+      <p:sp>
+        <p:nvSpPr>
+          <p:cNvPr id="9" name="泪滴形 8"/>
+          <p:cNvSpPr/>
+          <p:nvPr/>
+        </p:nvSpPr>
+        <p:spPr>
+          <a:xfrm rot="16200000" flipV="1">
+            <a:off x="1845070" y="1885553"/>
+            <a:ext cx="2855488" cy="2802414"/>
+          </a:xfrm>
+          <a:prstGeom prst="teardrop">
+            <a:avLst/>
+          </a:prstGeom>
+          <a:solidFill>
+            <a:schemeClr val="accent1"/>
+          </a:solidFill>
+          <a:ln w="88900" cap="flat" cmpd="sng" algn="ctr">
+            <a:noFill/>
+            <a:prstDash val="solid"/>
+            <a:miter lim="800000"/>
+          </a:ln>
+          <a:effectLst/>
+        </p:spPr>
+        <p:txBody>
+          <a:bodyPr rtlCol="0" anchor="ctr"/>
+          <a:lstStyle/>
+          <a:p>
+            <a:pPr marL="0" marR="0" lvl="0" indent="0" algn="ctr" defTabSz="914400" eaLnBrk="1" fontAlgn="auto" latinLnBrk="0" hangingPunct="1">
+              <a:lnSpc>
+                <a:spcPct val="130000"/>
+              </a:lnSpc>
+              <a:buClrTx/>
+              <a:buSzTx/>
+              <a:buFontTx/>
+              <a:buNone/>
+              <a:defRPr/>
+            </a:pPr>
+            <a:endParaRPr kumimoji="0" lang="zh-CN" altLang="en-US" sz="1800" b="0" i="0" u="none" strike="noStrike" kern="0" cap="none" spc="0" normalizeH="0" baseline="0" noProof="0">
+              <a:ln>
+                <a:noFill/>
+              </a:ln>
+              <a:solidFill>
+                <a:prstClr val="white"/>
+              </a:solidFill>
+              <a:effectLst/>
+              <a:uLnTx/>
+              <a:uFillTx/>
+              <a:latin typeface="Arial" panose="020B0604020202020204"/>
+              <a:ea typeface="微软雅黑" panose="020B0503020204020204" charset="-122"/>
+              <a:cs typeface="+mn-cs"/>
+            </a:endParaRPr>
+          </a:p>
+        </p:txBody>
+      </p:sp>
+      <p:sp>
+        <p:nvSpPr>
+          <p:cNvPr id="10" name="文本框 9"/>
+          <p:cNvSpPr txBox="1"/>
+          <p:nvPr/>
+        </p:nvSpPr>
+        <p:spPr>
+          <a:xfrm>
+            <a:off x="2125647" y="2129073"/>
+            <a:ext cx="2505075" cy="2153475"/>
+          </a:xfrm>
+          <a:prstGeom prst="rect">
+            <a:avLst/>
+          </a:prstGeom>
+          <a:noFill/>
+        </p:spPr>
+        <p:txBody>
+          <a:bodyPr wrap="square" rtlCol="0">
+            <a:spAutoFit/>
+          </a:bodyPr>
+          <a:lstStyle/>
+          <a:p>
+            <a:pPr marL="0" marR="0" lvl="0" indent="0" algn="ctr" defTabSz="914400" eaLnBrk="1" fontAlgn="auto" latinLnBrk="0" hangingPunct="1">
+              <a:lnSpc>
+                <a:spcPct val="130000"/>
+              </a:lnSpc>
+              <a:buClrTx/>
+              <a:buSzTx/>
+              <a:buFontTx/>
+              <a:buNone/>
+              <a:defRPr/>
+            </a:pPr>
+            <a:r>
+              <a:rPr kumimoji="0" lang="en-US" altLang="zh-CN" sz="11500" b="1" i="0" u="none" strike="noStrike" kern="0" cap="none" spc="-150" normalizeH="0" baseline="0" noProof="0" dirty="0">
+                <a:ln>
+                  <a:noFill/>
+                </a:ln>
+                <a:solidFill>
+                  <a:prstClr val="white"/>
+                </a:solidFill>
+                <a:effectLst/>
+                <a:uLnTx/>
+                <a:uFillTx/>
+              </a:rPr>
+              <a:t>03</a:t>
+            </a:r>
+            <a:endParaRPr kumimoji="0" lang="zh-CN" altLang="en-US" sz="9600" b="1" i="0" u="none" strike="noStrike" kern="0" cap="none" spc="-150" normalizeH="0" baseline="0" noProof="0" dirty="0">
+              <a:ln>
+                <a:noFill/>
+              </a:ln>
+              <a:solidFill>
+                <a:prstClr val="white"/>
+              </a:solidFill>
+              <a:effectLst/>
+              <a:uLnTx/>
+              <a:uFillTx/>
+            </a:endParaRPr>
+          </a:p>
+        </p:txBody>
+      </p:sp>
+      <p:cxnSp>
+        <p:nvCxnSpPr>
+          <p:cNvPr id="11" name="直接连接符 10"/>
+          <p:cNvCxnSpPr/>
+          <p:nvPr/>
+        </p:nvCxnSpPr>
+        <p:spPr>
+          <a:xfrm>
+            <a:off x="5057958" y="4313028"/>
+            <a:ext cx="5890778" cy="0"/>
+          </a:xfrm>
+          <a:prstGeom prst="line">
+            <a:avLst/>
+          </a:prstGeom>
+          <a:noFill/>
+          <a:ln w="9525" cap="flat" cmpd="sng" algn="ctr">
+            <a:solidFill>
+              <a:schemeClr val="accent1"/>
+            </a:solidFill>
+            <a:prstDash val="solid"/>
+            <a:miter lim="800000"/>
+          </a:ln>
+          <a:effectLst/>
+        </p:spPr>
+      </p:cxnSp>
+      <p:sp>
+        <p:nvSpPr>
+          <p:cNvPr id="12" name="文本框 11">
+            <a:extLst>
+              <a:ext uri="{FF2B5EF4-FFF2-40B4-BE49-F238E27FC236}">
+                <a16:creationId xmlns:a16="http://schemas.microsoft.com/office/drawing/2014/main" id="{FA6C8500-C406-4CA5-914E-F374FD4A4CCD}"/>
+              </a:ext>
+            </a:extLst>
+          </p:cNvPr>
+          <p:cNvSpPr txBox="1"/>
+          <p:nvPr/>
+        </p:nvSpPr>
+        <p:spPr>
+          <a:xfrm>
+            <a:off x="9249881" y="3311716"/>
+            <a:ext cx="2316478" cy="381258"/>
+          </a:xfrm>
+          <a:prstGeom prst="rect">
+            <a:avLst/>
+          </a:prstGeom>
+          <a:noFill/>
+        </p:spPr>
+        <p:txBody>
+          <a:bodyPr wrap="square" rtlCol="0">
+            <a:spAutoFit/>
+          </a:bodyPr>
+          <a:lstStyle/>
+          <a:p>
+            <a:pPr marL="342900" indent="-342900">
+              <a:lnSpc>
+                <a:spcPct val="130000"/>
+              </a:lnSpc>
+              <a:buClr>
+                <a:schemeClr val="tx1"/>
+              </a:buClr>
+              <a:buFont typeface="Wingdings" panose="05000000000000000000" pitchFamily="2" charset="2"/>
+              <a:buChar char="l"/>
+            </a:pPr>
+            <a:r>
+              <a:rPr lang="zh-CN" altLang="en-US" sz="1600" dirty="0">
+                <a:solidFill>
+                  <a:prstClr val="black"/>
+                </a:solidFill>
+                <a:latin typeface="微软雅黑" panose="020B0503020204020204" charset="-122"/>
+              </a:rPr>
+              <a:t>集群管理</a:t>
+            </a:r>
+          </a:p>
+        </p:txBody>
+      </p:sp>
+    </p:spTree>
+    <p:extLst>
+      <p:ext uri="{BB962C8B-B14F-4D97-AF65-F5344CB8AC3E}">
+        <p14:creationId xmlns:p14="http://schemas.microsoft.com/office/powerpoint/2010/main" val="4118786623"/>
+      </p:ext>
+    </p:extLst>
+  </p:cSld>
+  <p:clrMapOvr>
+    <a:masterClrMapping/>
+  </p:clrMapOvr>
+</p:sld>
+</file>
+
+<file path=ppt/slides/slide45.xml><?xml version="1.0" encoding="utf-8"?>
 <p:sld xmlns:a="http://schemas.openxmlformats.org/drawingml/2006/main" xmlns:r="http://schemas.openxmlformats.org/officeDocument/2006/relationships" xmlns:p="http://schemas.openxmlformats.org/presentationml/2006/main">
   <p:cSld>
     <p:spTree>
@@ -16026,7 +23558,7 @@
 </p:sld>
 </file>
 
-<file path=ppt/slides/slide31.xml><?xml version="1.0" encoding="utf-8"?>
+<file path=ppt/slides/slide46.xml><?xml version="1.0" encoding="utf-8"?>
 <p:sld xmlns:a="http://schemas.openxmlformats.org/drawingml/2006/main" xmlns:r="http://schemas.openxmlformats.org/officeDocument/2006/relationships" xmlns:p="http://schemas.openxmlformats.org/presentationml/2006/main">
   <p:cSld>
     <p:spTree>
@@ -16443,344 +23975,6 @@
         <p14:creationId xmlns:p14="http://schemas.microsoft.com/office/powerpoint/2010/main" val="1026499177"/>
       </p:ext>
     </p:extLst>
-  </p:cSld>
-  <p:clrMapOvr>
-    <a:masterClrMapping/>
-  </p:clrMapOvr>
-</p:sld>
-</file>
-
-<file path=ppt/slides/slide4.xml><?xml version="1.0" encoding="utf-8"?>
-<p:sld xmlns:a="http://schemas.openxmlformats.org/drawingml/2006/main" xmlns:r="http://schemas.openxmlformats.org/officeDocument/2006/relationships" xmlns:p="http://schemas.openxmlformats.org/presentationml/2006/main">
-  <p:cSld>
-    <p:spTree>
-      <p:nvGrpSpPr>
-        <p:cNvPr id="1" name=""/>
-        <p:cNvGrpSpPr/>
-        <p:nvPr/>
-      </p:nvGrpSpPr>
-      <p:grpSpPr>
-        <a:xfrm>
-          <a:off x="0" y="0"/>
-          <a:ext cx="0" cy="0"/>
-          <a:chOff x="0" y="0"/>
-          <a:chExt cx="0" cy="0"/>
-        </a:xfrm>
-      </p:grpSpPr>
-      <p:sp>
-        <p:nvSpPr>
-          <p:cNvPr id="10" name="文本框 9"/>
-          <p:cNvSpPr txBox="1"/>
-          <p:nvPr/>
-        </p:nvSpPr>
-        <p:spPr>
-          <a:xfrm>
-            <a:off x="309775" y="290688"/>
-            <a:ext cx="489236" cy="522451"/>
-          </a:xfrm>
-          <a:prstGeom prst="rect">
-            <a:avLst/>
-          </a:prstGeom>
-          <a:noFill/>
-        </p:spPr>
-        <p:txBody>
-          <a:bodyPr wrap="none" rtlCol="0">
-            <a:spAutoFit/>
-          </a:bodyPr>
-          <a:lstStyle/>
-          <a:p>
-            <a:pPr marL="0" marR="0" lvl="0" indent="0" algn="ctr" defTabSz="914400" eaLnBrk="1" fontAlgn="auto" latinLnBrk="0" hangingPunct="1">
-              <a:lnSpc>
-                <a:spcPct val="130000"/>
-              </a:lnSpc>
-              <a:buClrTx/>
-              <a:buSzTx/>
-              <a:buFontTx/>
-              <a:buNone/>
-              <a:defRPr/>
-            </a:pPr>
-            <a:r>
-              <a:rPr kumimoji="0" lang="en-US" altLang="zh-CN" sz="2400" b="1" i="0" u="none" strike="noStrike" kern="0" cap="none" spc="-150" normalizeH="0" baseline="0" noProof="0" dirty="0">
-                <a:ln>
-                  <a:noFill/>
-                </a:ln>
-                <a:solidFill>
-                  <a:prstClr val="white"/>
-                </a:solidFill>
-                <a:effectLst/>
-                <a:uLnTx/>
-                <a:uFillTx/>
-                <a:cs typeface="+mn-ea"/>
-                <a:sym typeface="+mn-lt"/>
-              </a:rPr>
-              <a:t>01</a:t>
-            </a:r>
-            <a:endParaRPr kumimoji="0" lang="zh-CN" altLang="en-US" sz="2400" b="1" i="0" u="none" strike="noStrike" kern="0" cap="none" spc="-150" normalizeH="0" baseline="0" noProof="0" dirty="0">
-              <a:ln>
-                <a:noFill/>
-              </a:ln>
-              <a:solidFill>
-                <a:prstClr val="white"/>
-              </a:solidFill>
-              <a:effectLst/>
-              <a:uLnTx/>
-              <a:uFillTx/>
-              <a:cs typeface="+mn-ea"/>
-              <a:sym typeface="+mn-lt"/>
-            </a:endParaRPr>
-          </a:p>
-        </p:txBody>
-      </p:sp>
-      <p:sp>
-        <p:nvSpPr>
-          <p:cNvPr id="11" name="文本框 10"/>
-          <p:cNvSpPr txBox="1"/>
-          <p:nvPr/>
-        </p:nvSpPr>
-        <p:spPr>
-          <a:xfrm>
-            <a:off x="860389" y="290687"/>
-            <a:ext cx="2820003" cy="522451"/>
-          </a:xfrm>
-          <a:prstGeom prst="rect">
-            <a:avLst/>
-          </a:prstGeom>
-          <a:noFill/>
-        </p:spPr>
-        <p:txBody>
-          <a:bodyPr wrap="none" rtlCol="0">
-            <a:spAutoFit/>
-          </a:bodyPr>
-          <a:lstStyle/>
-          <a:p>
-            <a:pPr marL="0" marR="0" lvl="0" indent="0" defTabSz="914400" eaLnBrk="1" fontAlgn="auto" latinLnBrk="0" hangingPunct="1">
-              <a:lnSpc>
-                <a:spcPct val="130000"/>
-              </a:lnSpc>
-              <a:buClrTx/>
-              <a:buSzTx/>
-              <a:buFontTx/>
-              <a:buNone/>
-              <a:defRPr/>
-            </a:pPr>
-            <a:r>
-              <a:rPr kumimoji="0" lang="en-US" altLang="zh-CN" sz="2400" b="1" i="0" u="none" strike="noStrike" kern="0" cap="none" spc="0" normalizeH="0" baseline="0" noProof="0" dirty="0">
-                <a:ln>
-                  <a:noFill/>
-                </a:ln>
-                <a:solidFill>
-                  <a:prstClr val="black"/>
-                </a:solidFill>
-                <a:effectLst/>
-                <a:uLnTx/>
-                <a:uFillTx/>
-                <a:cs typeface="+mn-ea"/>
-                <a:sym typeface="+mn-lt"/>
-              </a:rPr>
-              <a:t>Kubernetes BASE</a:t>
-            </a:r>
-            <a:endParaRPr kumimoji="0" lang="zh-CN" altLang="en-US" sz="2400" b="1" i="0" u="none" strike="noStrike" kern="0" cap="none" spc="0" normalizeH="0" baseline="0" noProof="0" dirty="0">
-              <a:ln>
-                <a:noFill/>
-              </a:ln>
-              <a:solidFill>
-                <a:prstClr val="black"/>
-              </a:solidFill>
-              <a:effectLst/>
-              <a:uLnTx/>
-              <a:uFillTx/>
-              <a:cs typeface="+mn-ea"/>
-              <a:sym typeface="+mn-lt"/>
-            </a:endParaRPr>
-          </a:p>
-        </p:txBody>
-      </p:sp>
-      <p:pic>
-        <p:nvPicPr>
-          <p:cNvPr id="9" name="图片 8">
-            <a:extLst>
-              <a:ext uri="{FF2B5EF4-FFF2-40B4-BE49-F238E27FC236}">
-                <a16:creationId xmlns:a16="http://schemas.microsoft.com/office/drawing/2014/main" id="{3DE36822-08DF-4A6A-934B-7BC5EB4ED94C}"/>
-              </a:ext>
-            </a:extLst>
-          </p:cNvPr>
-          <p:cNvPicPr>
-            <a:picLocks noChangeAspect="1"/>
-          </p:cNvPicPr>
-          <p:nvPr/>
-        </p:nvPicPr>
-        <p:blipFill>
-          <a:blip r:embed="rId2"/>
-          <a:stretch>
-            <a:fillRect/>
-          </a:stretch>
-        </p:blipFill>
-        <p:spPr>
-          <a:xfrm>
-            <a:off x="9956369" y="290687"/>
-            <a:ext cx="1925856" cy="490330"/>
-          </a:xfrm>
-          <a:prstGeom prst="rect">
-            <a:avLst/>
-          </a:prstGeom>
-        </p:spPr>
-      </p:pic>
-      <p:grpSp>
-        <p:nvGrpSpPr>
-          <p:cNvPr id="36" name="组合 35">
-            <a:extLst>
-              <a:ext uri="{FF2B5EF4-FFF2-40B4-BE49-F238E27FC236}">
-                <a16:creationId xmlns:a16="http://schemas.microsoft.com/office/drawing/2014/main" id="{90752FD9-B5EA-4793-8F72-01978227B742}"/>
-              </a:ext>
-            </a:extLst>
-          </p:cNvPr>
-          <p:cNvGrpSpPr/>
-          <p:nvPr/>
-        </p:nvGrpSpPr>
-        <p:grpSpPr>
-          <a:xfrm>
-            <a:off x="3937885" y="3026242"/>
-            <a:ext cx="6018484" cy="696276"/>
-            <a:chOff x="5715000" y="1581359"/>
-            <a:chExt cx="3762375" cy="553348"/>
-          </a:xfrm>
-        </p:grpSpPr>
-        <p:grpSp>
-          <p:nvGrpSpPr>
-            <p:cNvPr id="37" name="组合 36">
-              <a:extLst>
-                <a:ext uri="{FF2B5EF4-FFF2-40B4-BE49-F238E27FC236}">
-                  <a16:creationId xmlns:a16="http://schemas.microsoft.com/office/drawing/2014/main" id="{A607C8E7-6A50-44CF-A286-8D8E01C59A81}"/>
-                </a:ext>
-              </a:extLst>
-            </p:cNvPr>
-            <p:cNvGrpSpPr/>
-            <p:nvPr/>
-          </p:nvGrpSpPr>
-          <p:grpSpPr>
-            <a:xfrm>
-              <a:off x="5715000" y="1581359"/>
-              <a:ext cx="381000" cy="381000"/>
-              <a:chOff x="-695325" y="2305050"/>
-              <a:chExt cx="1028700" cy="1028700"/>
-            </a:xfrm>
-          </p:grpSpPr>
-          <p:cxnSp>
-            <p:nvCxnSpPr>
-              <p:cNvPr id="39" name="直接连接符 38">
-                <a:extLst>
-                  <a:ext uri="{FF2B5EF4-FFF2-40B4-BE49-F238E27FC236}">
-                    <a16:creationId xmlns:a16="http://schemas.microsoft.com/office/drawing/2014/main" id="{898AE9B7-E7A8-4EC0-9F41-F1BBB1280089}"/>
-                  </a:ext>
-                </a:extLst>
-              </p:cNvPr>
-              <p:cNvCxnSpPr/>
-              <p:nvPr/>
-            </p:nvCxnSpPr>
-            <p:spPr>
-              <a:xfrm>
-                <a:off x="-695325" y="2305050"/>
-                <a:ext cx="1028700" cy="0"/>
-              </a:xfrm>
-              <a:prstGeom prst="line">
-                <a:avLst/>
-              </a:prstGeom>
-              <a:ln/>
-            </p:spPr>
-            <p:style>
-              <a:lnRef idx="3">
-                <a:schemeClr val="dk1"/>
-              </a:lnRef>
-              <a:fillRef idx="0">
-                <a:schemeClr val="dk1"/>
-              </a:fillRef>
-              <a:effectRef idx="2">
-                <a:schemeClr val="dk1"/>
-              </a:effectRef>
-              <a:fontRef idx="minor">
-                <a:schemeClr val="tx1"/>
-              </a:fontRef>
-            </p:style>
-          </p:cxnSp>
-          <p:cxnSp>
-            <p:nvCxnSpPr>
-              <p:cNvPr id="40" name="直接连接符 39">
-                <a:extLst>
-                  <a:ext uri="{FF2B5EF4-FFF2-40B4-BE49-F238E27FC236}">
-                    <a16:creationId xmlns:a16="http://schemas.microsoft.com/office/drawing/2014/main" id="{D76C1E75-DDC1-47F0-9248-6686531851E3}"/>
-                  </a:ext>
-                </a:extLst>
-              </p:cNvPr>
-              <p:cNvCxnSpPr/>
-              <p:nvPr/>
-            </p:nvCxnSpPr>
-            <p:spPr>
-              <a:xfrm rot="16200000">
-                <a:off x="-1209675" y="2819400"/>
-                <a:ext cx="1028700" cy="0"/>
-              </a:xfrm>
-              <a:prstGeom prst="line">
-                <a:avLst/>
-              </a:prstGeom>
-              <a:ln/>
-            </p:spPr>
-            <p:style>
-              <a:lnRef idx="3">
-                <a:schemeClr val="dk1"/>
-              </a:lnRef>
-              <a:fillRef idx="0">
-                <a:schemeClr val="dk1"/>
-              </a:fillRef>
-              <a:effectRef idx="2">
-                <a:schemeClr val="dk1"/>
-              </a:effectRef>
-              <a:fontRef idx="minor">
-                <a:schemeClr val="tx1"/>
-              </a:fontRef>
-            </p:style>
-          </p:cxnSp>
-        </p:grpSp>
-        <p:sp>
-          <p:nvSpPr>
-            <p:cNvPr id="38" name="文本框 37">
-              <a:extLst>
-                <a:ext uri="{FF2B5EF4-FFF2-40B4-BE49-F238E27FC236}">
-                  <a16:creationId xmlns:a16="http://schemas.microsoft.com/office/drawing/2014/main" id="{B9068386-55ED-4FD0-8109-8886CF7E4184}"/>
-                </a:ext>
-              </a:extLst>
-            </p:cNvPr>
-            <p:cNvSpPr txBox="1"/>
-            <p:nvPr/>
-          </p:nvSpPr>
-          <p:spPr>
-            <a:xfrm>
-              <a:off x="5800725" y="1669972"/>
-              <a:ext cx="3676650" cy="464735"/>
-            </a:xfrm>
-            <a:prstGeom prst="rect">
-              <a:avLst/>
-            </a:prstGeom>
-            <a:noFill/>
-          </p:spPr>
-          <p:txBody>
-            <a:bodyPr wrap="square" rtlCol="0">
-              <a:spAutoFit/>
-            </a:bodyPr>
-            <a:lstStyle/>
-            <a:p>
-              <a:r>
-                <a:rPr lang="zh-CN" altLang="en-US" sz="3200" dirty="0"/>
-                <a:t>鸟瞰</a:t>
-              </a:r>
-              <a:r>
-                <a:rPr lang="en-US" altLang="zh-CN" sz="3200" dirty="0"/>
-                <a:t>Kubernetes</a:t>
-              </a:r>
-            </a:p>
-          </p:txBody>
-        </p:sp>
-      </p:grpSp>
-    </p:spTree>
   </p:cSld>
   <p:clrMapOvr>
     <a:masterClrMapping/>
@@ -29321,6 +36515,12 @@
 </p:tagLst>
 </file>
 
+<file path=ppt/tags/tag35.xml><?xml version="1.0" encoding="utf-8"?>
+<p:tagLst xmlns:a="http://schemas.openxmlformats.org/drawingml/2006/main" xmlns:r="http://schemas.openxmlformats.org/officeDocument/2006/relationships" xmlns:p="http://schemas.openxmlformats.org/presentationml/2006/main">
+  <p:tag name="KSO_WM_UNIT_TABLE_BEAUTIFY" val="smartTable{a5011325-0c93-4923-9032-2c27b1c5b8cc}"/>
+</p:tagLst>
+</file>
+
 <file path=ppt/tags/tag4.xml><?xml version="1.0" encoding="utf-8"?>
 <p:tagLst xmlns:a="http://schemas.openxmlformats.org/drawingml/2006/main" xmlns:r="http://schemas.openxmlformats.org/officeDocument/2006/relationships" xmlns:p="http://schemas.openxmlformats.org/presentationml/2006/main">
   <p:tag name="KSO_WM_UNIT_HIGHLIGHT" val="0"/>
